--- a/Android 插件化开发.pptx
+++ b/Android 插件化开发.pptx
@@ -7,18 +7,19 @@
   <p:sldIdLst>
     <p:sldId id="256" r:id="rId2"/>
     <p:sldId id="265" r:id="rId3"/>
-    <p:sldId id="257" r:id="rId4"/>
-    <p:sldId id="258" r:id="rId5"/>
-    <p:sldId id="260" r:id="rId6"/>
-    <p:sldId id="264" r:id="rId7"/>
-    <p:sldId id="267" r:id="rId8"/>
-    <p:sldId id="268" r:id="rId9"/>
-    <p:sldId id="269" r:id="rId10"/>
-    <p:sldId id="270" r:id="rId11"/>
-    <p:sldId id="262" r:id="rId12"/>
-    <p:sldId id="261" r:id="rId13"/>
-    <p:sldId id="263" r:id="rId14"/>
-    <p:sldId id="271" r:id="rId15"/>
+    <p:sldId id="272" r:id="rId4"/>
+    <p:sldId id="257" r:id="rId5"/>
+    <p:sldId id="258" r:id="rId6"/>
+    <p:sldId id="260" r:id="rId7"/>
+    <p:sldId id="264" r:id="rId8"/>
+    <p:sldId id="267" r:id="rId9"/>
+    <p:sldId id="268" r:id="rId10"/>
+    <p:sldId id="269" r:id="rId11"/>
+    <p:sldId id="270" r:id="rId12"/>
+    <p:sldId id="262" r:id="rId13"/>
+    <p:sldId id="261" r:id="rId14"/>
+    <p:sldId id="263" r:id="rId15"/>
+    <p:sldId id="271" r:id="rId16"/>
   </p:sldIdLst>
   <p:sldSz cx="9144000" cy="6858000" type="screen4x3"/>
   <p:notesSz cx="6858000" cy="9144000"/>
@@ -301,7 +302,7 @@
           <a:p>
             <a:fld id="{6CC42912-0017-4CF1-9D70-E54958FA8C9F}" type="datetimeFigureOut">
               <a:rPr lang="zh-CN" altLang="en-US" smtClean="0"/>
-              <a:t>2016/5/3</a:t>
+              <a:t>2016/5/5</a:t>
             </a:fld>
             <a:endParaRPr lang="zh-CN" altLang="en-US"/>
           </a:p>
@@ -471,7 +472,7 @@
           <a:p>
             <a:fld id="{6CC42912-0017-4CF1-9D70-E54958FA8C9F}" type="datetimeFigureOut">
               <a:rPr lang="zh-CN" altLang="en-US" smtClean="0"/>
-              <a:t>2016/5/3</a:t>
+              <a:t>2016/5/5</a:t>
             </a:fld>
             <a:endParaRPr lang="zh-CN" altLang="en-US"/>
           </a:p>
@@ -651,7 +652,7 @@
           <a:p>
             <a:fld id="{6CC42912-0017-4CF1-9D70-E54958FA8C9F}" type="datetimeFigureOut">
               <a:rPr lang="zh-CN" altLang="en-US" smtClean="0"/>
-              <a:t>2016/5/3</a:t>
+              <a:t>2016/5/5</a:t>
             </a:fld>
             <a:endParaRPr lang="zh-CN" altLang="en-US"/>
           </a:p>
@@ -821,7 +822,7 @@
           <a:p>
             <a:fld id="{6CC42912-0017-4CF1-9D70-E54958FA8C9F}" type="datetimeFigureOut">
               <a:rPr lang="zh-CN" altLang="en-US" smtClean="0"/>
-              <a:t>2016/5/3</a:t>
+              <a:t>2016/5/5</a:t>
             </a:fld>
             <a:endParaRPr lang="zh-CN" altLang="en-US"/>
           </a:p>
@@ -1067,7 +1068,7 @@
           <a:p>
             <a:fld id="{6CC42912-0017-4CF1-9D70-E54958FA8C9F}" type="datetimeFigureOut">
               <a:rPr lang="zh-CN" altLang="en-US" smtClean="0"/>
-              <a:t>2016/5/3</a:t>
+              <a:t>2016/5/5</a:t>
             </a:fld>
             <a:endParaRPr lang="zh-CN" altLang="en-US"/>
           </a:p>
@@ -1355,7 +1356,7 @@
           <a:p>
             <a:fld id="{6CC42912-0017-4CF1-9D70-E54958FA8C9F}" type="datetimeFigureOut">
               <a:rPr lang="zh-CN" altLang="en-US" smtClean="0"/>
-              <a:t>2016/5/3</a:t>
+              <a:t>2016/5/5</a:t>
             </a:fld>
             <a:endParaRPr lang="zh-CN" altLang="en-US"/>
           </a:p>
@@ -1777,7 +1778,7 @@
           <a:p>
             <a:fld id="{6CC42912-0017-4CF1-9D70-E54958FA8C9F}" type="datetimeFigureOut">
               <a:rPr lang="zh-CN" altLang="en-US" smtClean="0"/>
-              <a:t>2016/5/3</a:t>
+              <a:t>2016/5/5</a:t>
             </a:fld>
             <a:endParaRPr lang="zh-CN" altLang="en-US"/>
           </a:p>
@@ -1895,7 +1896,7 @@
           <a:p>
             <a:fld id="{6CC42912-0017-4CF1-9D70-E54958FA8C9F}" type="datetimeFigureOut">
               <a:rPr lang="zh-CN" altLang="en-US" smtClean="0"/>
-              <a:t>2016/5/3</a:t>
+              <a:t>2016/5/5</a:t>
             </a:fld>
             <a:endParaRPr lang="zh-CN" altLang="en-US"/>
           </a:p>
@@ -1990,7 +1991,7 @@
           <a:p>
             <a:fld id="{6CC42912-0017-4CF1-9D70-E54958FA8C9F}" type="datetimeFigureOut">
               <a:rPr lang="zh-CN" altLang="en-US" smtClean="0"/>
-              <a:t>2016/5/3</a:t>
+              <a:t>2016/5/5</a:t>
             </a:fld>
             <a:endParaRPr lang="zh-CN" altLang="en-US"/>
           </a:p>
@@ -2267,7 +2268,7 @@
           <a:p>
             <a:fld id="{6CC42912-0017-4CF1-9D70-E54958FA8C9F}" type="datetimeFigureOut">
               <a:rPr lang="zh-CN" altLang="en-US" smtClean="0"/>
-              <a:t>2016/5/3</a:t>
+              <a:t>2016/5/5</a:t>
             </a:fld>
             <a:endParaRPr lang="zh-CN" altLang="en-US"/>
           </a:p>
@@ -2520,7 +2521,7 @@
           <a:p>
             <a:fld id="{6CC42912-0017-4CF1-9D70-E54958FA8C9F}" type="datetimeFigureOut">
               <a:rPr lang="zh-CN" altLang="en-US" smtClean="0"/>
-              <a:t>2016/5/3</a:t>
+              <a:t>2016/5/5</a:t>
             </a:fld>
             <a:endParaRPr lang="zh-CN" altLang="en-US"/>
           </a:p>
@@ -2733,7 +2734,7 @@
           <a:p>
             <a:fld id="{6CC42912-0017-4CF1-9D70-E54958FA8C9F}" type="datetimeFigureOut">
               <a:rPr lang="zh-CN" altLang="en-US" smtClean="0"/>
-              <a:t>2016/5/3</a:t>
+              <a:t>2016/5/5</a:t>
             </a:fld>
             <a:endParaRPr lang="zh-CN" altLang="en-US"/>
           </a:p>
@@ -3195,205 +3196,52 @@
           <a:chExt cx="0" cy="0"/>
         </a:xfrm>
       </p:grpSpPr>
-      <p:sp>
-        <p:nvSpPr>
-          <p:cNvPr id="2" name="标题 1"/>
-          <p:cNvSpPr>
-            <a:spLocks noGrp="1"/>
-          </p:cNvSpPr>
-          <p:nvPr>
-            <p:ph type="title"/>
-          </p:nvPr>
-        </p:nvSpPr>
-        <p:spPr/>
-        <p:txBody>
-          <a:bodyPr/>
-          <a:lstStyle/>
-          <a:p>
-            <a:r>
-              <a:rPr lang="en-US" altLang="zh-CN" dirty="0" smtClean="0"/>
-              <a:t>Small </a:t>
-            </a:r>
-            <a:r>
-              <a:rPr lang="zh-CN" altLang="en-US" dirty="0" smtClean="0"/>
-              <a:t>使用</a:t>
-            </a:r>
-            <a:endParaRPr lang="zh-CN" altLang="en-US" dirty="0"/>
-          </a:p>
-        </p:txBody>
-      </p:sp>
-      <p:sp>
-        <p:nvSpPr>
-          <p:cNvPr id="3" name="内容占位符 2"/>
-          <p:cNvSpPr>
-            <a:spLocks noGrp="1"/>
-          </p:cNvSpPr>
+      <p:pic>
+        <p:nvPicPr>
+          <p:cNvPr id="4" name="内容占位符 3"/>
+          <p:cNvPicPr>
+            <a:picLocks noGrp="1" noChangeAspect="1"/>
+          </p:cNvPicPr>
           <p:nvPr>
             <p:ph idx="1"/>
           </p:nvPr>
-        </p:nvSpPr>
-        <p:spPr/>
-        <p:txBody>
-          <a:bodyPr/>
-          <a:lstStyle/>
-          <a:p>
-            <a:r>
-              <a:rPr lang="en-US" altLang="zh-CN" sz="1800" dirty="0">
-                <a:latin typeface="微软雅黑" panose="020B0503020204020204" pitchFamily="34" charset="-122"/>
-                <a:ea typeface="微软雅黑" panose="020B0503020204020204" pitchFamily="34" charset="-122"/>
-              </a:rPr>
-              <a:t>File-&gt;New-&gt;Module</a:t>
-            </a:r>
-            <a:r>
-              <a:rPr lang="zh-CN" altLang="en-US" sz="1800" dirty="0">
-                <a:latin typeface="微软雅黑" panose="020B0503020204020204" pitchFamily="34" charset="-122"/>
-                <a:ea typeface="微软雅黑" panose="020B0503020204020204" pitchFamily="34" charset="-122"/>
-              </a:rPr>
-              <a:t>来创建插件模块，需要满足：</a:t>
-            </a:r>
-          </a:p>
-          <a:p>
-            <a:pPr marL="0" indent="0">
-              <a:buNone/>
-            </a:pPr>
-            <a:r>
-              <a:rPr lang="zh-CN" altLang="en-US" sz="1800" dirty="0" smtClean="0">
-                <a:latin typeface="微软雅黑" panose="020B0503020204020204" pitchFamily="34" charset="-122"/>
-                <a:ea typeface="微软雅黑" panose="020B0503020204020204" pitchFamily="34" charset="-122"/>
-              </a:rPr>
-              <a:t>     模块</a:t>
-            </a:r>
-            <a:r>
-              <a:rPr lang="zh-CN" altLang="en-US" sz="1800" dirty="0">
-                <a:latin typeface="微软雅黑" panose="020B0503020204020204" pitchFamily="34" charset="-122"/>
-                <a:ea typeface="微软雅黑" panose="020B0503020204020204" pitchFamily="34" charset="-122"/>
-              </a:rPr>
-              <a:t>名形如：</a:t>
-            </a:r>
-            <a:r>
-              <a:rPr lang="en-US" altLang="zh-CN" sz="1800" dirty="0">
-                <a:latin typeface="微软雅黑" panose="020B0503020204020204" pitchFamily="34" charset="-122"/>
-                <a:ea typeface="微软雅黑" panose="020B0503020204020204" pitchFamily="34" charset="-122"/>
-              </a:rPr>
-              <a:t>app.*, lib.*</a:t>
-            </a:r>
-            <a:r>
-              <a:rPr lang="zh-CN" altLang="en-US" sz="1800" dirty="0">
-                <a:latin typeface="微软雅黑" panose="020B0503020204020204" pitchFamily="34" charset="-122"/>
-                <a:ea typeface="微软雅黑" panose="020B0503020204020204" pitchFamily="34" charset="-122"/>
-              </a:rPr>
-              <a:t>或者</a:t>
-            </a:r>
-            <a:r>
-              <a:rPr lang="en-US" altLang="zh-CN" sz="1800" dirty="0">
-                <a:latin typeface="微软雅黑" panose="020B0503020204020204" pitchFamily="34" charset="-122"/>
-                <a:ea typeface="微软雅黑" panose="020B0503020204020204" pitchFamily="34" charset="-122"/>
-              </a:rPr>
-              <a:t>web.*</a:t>
-            </a:r>
-          </a:p>
-          <a:p>
-            <a:pPr marL="0" indent="0">
-              <a:buNone/>
-            </a:pPr>
-            <a:r>
-              <a:rPr lang="zh-CN" altLang="en-US" sz="1800" dirty="0" smtClean="0">
-                <a:latin typeface="微软雅黑" panose="020B0503020204020204" pitchFamily="34" charset="-122"/>
-                <a:ea typeface="微软雅黑" panose="020B0503020204020204" pitchFamily="34" charset="-122"/>
-              </a:rPr>
-              <a:t>     包</a:t>
-            </a:r>
-            <a:r>
-              <a:rPr lang="zh-CN" altLang="en-US" sz="1800" dirty="0">
-                <a:latin typeface="微软雅黑" panose="020B0503020204020204" pitchFamily="34" charset="-122"/>
-                <a:ea typeface="微软雅黑" panose="020B0503020204020204" pitchFamily="34" charset="-122"/>
-              </a:rPr>
-              <a:t>名包含：</a:t>
-            </a:r>
-            <a:r>
-              <a:rPr lang="en-US" altLang="zh-CN" sz="1800" dirty="0">
-                <a:latin typeface="微软雅黑" panose="020B0503020204020204" pitchFamily="34" charset="-122"/>
-                <a:ea typeface="微软雅黑" panose="020B0503020204020204" pitchFamily="34" charset="-122"/>
-              </a:rPr>
-              <a:t>.app., .lib.</a:t>
-            </a:r>
-            <a:r>
-              <a:rPr lang="zh-CN" altLang="en-US" sz="1800" dirty="0">
-                <a:latin typeface="微软雅黑" panose="020B0503020204020204" pitchFamily="34" charset="-122"/>
-                <a:ea typeface="微软雅黑" panose="020B0503020204020204" pitchFamily="34" charset="-122"/>
-              </a:rPr>
-              <a:t>或者</a:t>
-            </a:r>
-            <a:r>
-              <a:rPr lang="en-US" altLang="zh-CN" sz="1800" dirty="0">
-                <a:latin typeface="微软雅黑" panose="020B0503020204020204" pitchFamily="34" charset="-122"/>
-                <a:ea typeface="微软雅黑" panose="020B0503020204020204" pitchFamily="34" charset="-122"/>
-              </a:rPr>
-              <a:t>.web.</a:t>
-            </a:r>
-          </a:p>
-          <a:p>
-            <a:pPr marL="0" indent="0">
-              <a:buNone/>
-            </a:pPr>
-            <a:r>
-              <a:rPr lang="zh-CN" altLang="en-US" sz="1800" dirty="0" smtClean="0">
-                <a:latin typeface="微软雅黑" panose="020B0503020204020204" pitchFamily="34" charset="-122"/>
-                <a:ea typeface="微软雅黑" panose="020B0503020204020204" pitchFamily="34" charset="-122"/>
-              </a:rPr>
-              <a:t>     为什么</a:t>
-            </a:r>
-            <a:r>
-              <a:rPr lang="zh-CN" altLang="en-US" sz="1800" dirty="0">
-                <a:latin typeface="微软雅黑" panose="020B0503020204020204" pitchFamily="34" charset="-122"/>
-                <a:ea typeface="微软雅黑" panose="020B0503020204020204" pitchFamily="34" charset="-122"/>
-              </a:rPr>
-              <a:t>要这样？因为</a:t>
-            </a:r>
-            <a:r>
-              <a:rPr lang="en-US" altLang="zh-CN" sz="1800" dirty="0">
-                <a:latin typeface="微软雅黑" panose="020B0503020204020204" pitchFamily="34" charset="-122"/>
-                <a:ea typeface="微软雅黑" panose="020B0503020204020204" pitchFamily="34" charset="-122"/>
-              </a:rPr>
-              <a:t>Small</a:t>
-            </a:r>
-            <a:r>
-              <a:rPr lang="zh-CN" altLang="en-US" sz="1800" dirty="0">
-                <a:latin typeface="微软雅黑" panose="020B0503020204020204" pitchFamily="34" charset="-122"/>
-                <a:ea typeface="微软雅黑" panose="020B0503020204020204" pitchFamily="34" charset="-122"/>
-              </a:rPr>
-              <a:t>会根据包名对插件进行归类，特殊的域名空间如：“</a:t>
-            </a:r>
-            <a:r>
-              <a:rPr lang="en-US" altLang="zh-CN" sz="1800" dirty="0">
-                <a:latin typeface="微软雅黑" panose="020B0503020204020204" pitchFamily="34" charset="-122"/>
-                <a:ea typeface="微软雅黑" panose="020B0503020204020204" pitchFamily="34" charset="-122"/>
-              </a:rPr>
-              <a:t>.app.” </a:t>
-            </a:r>
-            <a:r>
-              <a:rPr lang="zh-CN" altLang="en-US" sz="1800" dirty="0">
-                <a:latin typeface="微软雅黑" panose="020B0503020204020204" pitchFamily="34" charset="-122"/>
-                <a:ea typeface="微软雅黑" panose="020B0503020204020204" pitchFamily="34" charset="-122"/>
-              </a:rPr>
-              <a:t>会让这变得容易。</a:t>
-            </a:r>
-          </a:p>
-          <a:p>
-            <a:endParaRPr lang="zh-CN" altLang="en-US" dirty="0"/>
-          </a:p>
-        </p:txBody>
-      </p:sp>
+        </p:nvPicPr>
+        <p:blipFill>
+          <a:blip r:embed="rId2" cstate="print">
+            <a:extLst>
+              <a:ext uri="{28A0092B-C50C-407E-A947-70E740481C1C}">
+                <a14:useLocalDpi xmlns:a14="http://schemas.microsoft.com/office/drawing/2010/main" val="0"/>
+              </a:ext>
+            </a:extLst>
+          </a:blip>
+          <a:stretch>
+            <a:fillRect/>
+          </a:stretch>
+        </p:blipFill>
+        <p:spPr>
+          <a:xfrm>
+            <a:off x="2555775" y="548680"/>
+            <a:ext cx="4754759" cy="5832648"/>
+          </a:xfrm>
+        </p:spPr>
+      </p:pic>
     </p:spTree>
     <p:extLst>
       <p:ext uri="{BB962C8B-B14F-4D97-AF65-F5344CB8AC3E}">
-        <p14:creationId xmlns:p14="http://schemas.microsoft.com/office/powerpoint/2010/main" val="1380593116"/>
+        <p14:creationId xmlns:p14="http://schemas.microsoft.com/office/powerpoint/2010/main" val="93634068"/>
       </p:ext>
     </p:extLst>
   </p:cSld>
   <p:clrMapOvr>
     <a:masterClrMapping/>
   </p:clrMapOvr>
+  <p:timing>
+    <p:tnLst>
+      <p:par>
+        <p:cTn id="1" dur="indefinite" restart="never" nodeType="tmRoot"/>
+      </p:par>
+    </p:tnLst>
+  </p:timing>
 </p:sld>
 </file>
 
@@ -3426,71 +3274,179 @@
         </p:nvSpPr>
         <p:spPr/>
         <p:txBody>
-          <a:bodyPr>
-            <a:normAutofit fontScale="90000"/>
-          </a:bodyPr>
-          <a:lstStyle/>
-          <a:p>
-            <a:r>
-              <a:rPr lang="zh-CN" altLang="en-US" dirty="0" smtClean="0"/>
-              <a:t>插件类的加载</a:t>
-            </a:r>
-            <a:r>
-              <a:rPr lang="en-US" altLang="zh-CN" dirty="0" smtClean="0"/>
-              <a:t/>
-            </a:r>
-            <a:br>
-              <a:rPr lang="en-US" altLang="zh-CN" dirty="0" smtClean="0"/>
-            </a:br>
-            <a:r>
-              <a:rPr lang="en-US" altLang="zh-CN" dirty="0" smtClean="0"/>
-              <a:t>- </a:t>
-            </a:r>
-            <a:r>
-              <a:rPr lang="en-US" altLang="zh-CN" dirty="0" err="1" smtClean="0"/>
-              <a:t>DexClassLoader</a:t>
-            </a:r>
-            <a:endParaRPr lang="zh-CN" altLang="en-US" dirty="0"/>
-          </a:p>
-        </p:txBody>
-      </p:sp>
-      <p:sp>
-        <p:nvSpPr>
-          <p:cNvPr id="3" name="内容占位符 2"/>
-          <p:cNvSpPr>
-            <a:spLocks noGrp="1"/>
-          </p:cNvSpPr>
-          <p:nvPr>
-            <p:ph idx="1"/>
-          </p:nvPr>
-        </p:nvSpPr>
-        <p:spPr/>
-        <p:txBody>
           <a:bodyPr/>
           <a:lstStyle/>
           <a:p>
             <a:r>
+              <a:rPr lang="en-US" altLang="zh-CN" dirty="0" smtClean="0"/>
+              <a:t>Small </a:t>
+            </a:r>
+            <a:r>
               <a:rPr lang="zh-CN" altLang="en-US" dirty="0" smtClean="0"/>
-              <a:t>加载未安装的</a:t>
-            </a:r>
-            <a:r>
-              <a:rPr lang="en-US" altLang="zh-CN" dirty="0" err="1"/>
-              <a:t>apk</a:t>
-            </a:r>
-            <a:endParaRPr lang="en-US" altLang="zh-CN" dirty="0" smtClean="0"/>
-          </a:p>
-          <a:p>
-            <a:r>
-              <a:rPr lang="zh-CN" altLang="en-US" dirty="0" smtClean="0"/>
-              <a:t>反射</a:t>
-            </a:r>
-            <a:endParaRPr lang="en-US" altLang="zh-CN" dirty="0" smtClean="0"/>
-          </a:p>
-          <a:p>
-            <a:r>
-              <a:rPr lang="en-US" altLang="zh-CN" dirty="0" err="1" smtClean="0"/>
-              <a:t>dexPathList</a:t>
-            </a:r>
+              <a:t>使用</a:t>
+            </a:r>
+            <a:endParaRPr lang="zh-CN" altLang="en-US" dirty="0"/>
+          </a:p>
+        </p:txBody>
+      </p:sp>
+      <p:sp>
+        <p:nvSpPr>
+          <p:cNvPr id="3" name="内容占位符 2"/>
+          <p:cNvSpPr>
+            <a:spLocks noGrp="1"/>
+          </p:cNvSpPr>
+          <p:nvPr>
+            <p:ph idx="1"/>
+          </p:nvPr>
+        </p:nvSpPr>
+        <p:spPr/>
+        <p:txBody>
+          <a:bodyPr/>
+          <a:lstStyle/>
+          <a:p>
+            <a:r>
+              <a:rPr lang="en-US" altLang="zh-CN" sz="1800" dirty="0">
+                <a:latin typeface="微软雅黑" panose="020B0503020204020204" pitchFamily="34" charset="-122"/>
+                <a:ea typeface="微软雅黑" panose="020B0503020204020204" pitchFamily="34" charset="-122"/>
+              </a:rPr>
+              <a:t>File-&gt;New-&gt;Module</a:t>
+            </a:r>
+            <a:r>
+              <a:rPr lang="zh-CN" altLang="en-US" sz="1800" dirty="0">
+                <a:latin typeface="微软雅黑" panose="020B0503020204020204" pitchFamily="34" charset="-122"/>
+                <a:ea typeface="微软雅黑" panose="020B0503020204020204" pitchFamily="34" charset="-122"/>
+              </a:rPr>
+              <a:t>来创建插件模块，需要满足：</a:t>
+            </a:r>
+          </a:p>
+          <a:p>
+            <a:pPr marL="0" indent="0">
+              <a:buNone/>
+            </a:pPr>
+            <a:r>
+              <a:rPr lang="zh-CN" altLang="en-US" sz="1800" dirty="0" smtClean="0">
+                <a:latin typeface="微软雅黑" panose="020B0503020204020204" pitchFamily="34" charset="-122"/>
+                <a:ea typeface="微软雅黑" panose="020B0503020204020204" pitchFamily="34" charset="-122"/>
+              </a:rPr>
+              <a:t>     模块</a:t>
+            </a:r>
+            <a:r>
+              <a:rPr lang="zh-CN" altLang="en-US" sz="1800" dirty="0">
+                <a:latin typeface="微软雅黑" panose="020B0503020204020204" pitchFamily="34" charset="-122"/>
+                <a:ea typeface="微软雅黑" panose="020B0503020204020204" pitchFamily="34" charset="-122"/>
+              </a:rPr>
+              <a:t>名形如：</a:t>
+            </a:r>
+            <a:r>
+              <a:rPr lang="en-US" altLang="zh-CN" sz="1800" dirty="0">
+                <a:latin typeface="微软雅黑" panose="020B0503020204020204" pitchFamily="34" charset="-122"/>
+                <a:ea typeface="微软雅黑" panose="020B0503020204020204" pitchFamily="34" charset="-122"/>
+              </a:rPr>
+              <a:t>app.*, lib.*</a:t>
+            </a:r>
+            <a:r>
+              <a:rPr lang="zh-CN" altLang="en-US" sz="1800" dirty="0">
+                <a:latin typeface="微软雅黑" panose="020B0503020204020204" pitchFamily="34" charset="-122"/>
+                <a:ea typeface="微软雅黑" panose="020B0503020204020204" pitchFamily="34" charset="-122"/>
+              </a:rPr>
+              <a:t>或者</a:t>
+            </a:r>
+            <a:r>
+              <a:rPr lang="en-US" altLang="zh-CN" sz="1800" dirty="0">
+                <a:latin typeface="微软雅黑" panose="020B0503020204020204" pitchFamily="34" charset="-122"/>
+                <a:ea typeface="微软雅黑" panose="020B0503020204020204" pitchFamily="34" charset="-122"/>
+              </a:rPr>
+              <a:t>web.*</a:t>
+            </a:r>
+          </a:p>
+          <a:p>
+            <a:pPr marL="0" indent="0">
+              <a:buNone/>
+            </a:pPr>
+            <a:r>
+              <a:rPr lang="zh-CN" altLang="en-US" sz="1800" dirty="0" smtClean="0">
+                <a:latin typeface="微软雅黑" panose="020B0503020204020204" pitchFamily="34" charset="-122"/>
+                <a:ea typeface="微软雅黑" panose="020B0503020204020204" pitchFamily="34" charset="-122"/>
+              </a:rPr>
+              <a:t>     包</a:t>
+            </a:r>
+            <a:r>
+              <a:rPr lang="zh-CN" altLang="en-US" sz="1800" dirty="0">
+                <a:latin typeface="微软雅黑" panose="020B0503020204020204" pitchFamily="34" charset="-122"/>
+                <a:ea typeface="微软雅黑" panose="020B0503020204020204" pitchFamily="34" charset="-122"/>
+              </a:rPr>
+              <a:t>名包含：</a:t>
+            </a:r>
+            <a:r>
+              <a:rPr lang="en-US" altLang="zh-CN" sz="1800" dirty="0">
+                <a:latin typeface="微软雅黑" panose="020B0503020204020204" pitchFamily="34" charset="-122"/>
+                <a:ea typeface="微软雅黑" panose="020B0503020204020204" pitchFamily="34" charset="-122"/>
+              </a:rPr>
+              <a:t>.app., .lib.</a:t>
+            </a:r>
+            <a:r>
+              <a:rPr lang="zh-CN" altLang="en-US" sz="1800" dirty="0">
+                <a:latin typeface="微软雅黑" panose="020B0503020204020204" pitchFamily="34" charset="-122"/>
+                <a:ea typeface="微软雅黑" panose="020B0503020204020204" pitchFamily="34" charset="-122"/>
+              </a:rPr>
+              <a:t>或者</a:t>
+            </a:r>
+            <a:r>
+              <a:rPr lang="en-US" altLang="zh-CN" sz="1800" dirty="0">
+                <a:latin typeface="微软雅黑" panose="020B0503020204020204" pitchFamily="34" charset="-122"/>
+                <a:ea typeface="微软雅黑" panose="020B0503020204020204" pitchFamily="34" charset="-122"/>
+              </a:rPr>
+              <a:t>.web.</a:t>
+            </a:r>
+          </a:p>
+          <a:p>
+            <a:pPr marL="0" indent="0">
+              <a:buNone/>
+            </a:pPr>
+            <a:r>
+              <a:rPr lang="zh-CN" altLang="en-US" sz="1800" dirty="0" smtClean="0">
+                <a:latin typeface="微软雅黑" panose="020B0503020204020204" pitchFamily="34" charset="-122"/>
+                <a:ea typeface="微软雅黑" panose="020B0503020204020204" pitchFamily="34" charset="-122"/>
+              </a:rPr>
+              <a:t>     为什么</a:t>
+            </a:r>
+            <a:r>
+              <a:rPr lang="zh-CN" altLang="en-US" sz="1800" dirty="0">
+                <a:latin typeface="微软雅黑" panose="020B0503020204020204" pitchFamily="34" charset="-122"/>
+                <a:ea typeface="微软雅黑" panose="020B0503020204020204" pitchFamily="34" charset="-122"/>
+              </a:rPr>
+              <a:t>要这样？因为</a:t>
+            </a:r>
+            <a:r>
+              <a:rPr lang="en-US" altLang="zh-CN" sz="1800" dirty="0">
+                <a:latin typeface="微软雅黑" panose="020B0503020204020204" pitchFamily="34" charset="-122"/>
+                <a:ea typeface="微软雅黑" panose="020B0503020204020204" pitchFamily="34" charset="-122"/>
+              </a:rPr>
+              <a:t>Small</a:t>
+            </a:r>
+            <a:r>
+              <a:rPr lang="zh-CN" altLang="en-US" sz="1800" dirty="0">
+                <a:latin typeface="微软雅黑" panose="020B0503020204020204" pitchFamily="34" charset="-122"/>
+                <a:ea typeface="微软雅黑" panose="020B0503020204020204" pitchFamily="34" charset="-122"/>
+              </a:rPr>
+              <a:t>会根据包名对插件进行归类，特殊的域名空间如：“</a:t>
+            </a:r>
+            <a:r>
+              <a:rPr lang="en-US" altLang="zh-CN" sz="1800" dirty="0">
+                <a:latin typeface="微软雅黑" panose="020B0503020204020204" pitchFamily="34" charset="-122"/>
+                <a:ea typeface="微软雅黑" panose="020B0503020204020204" pitchFamily="34" charset="-122"/>
+              </a:rPr>
+              <a:t>.app.” </a:t>
+            </a:r>
+            <a:r>
+              <a:rPr lang="zh-CN" altLang="en-US" sz="1800" dirty="0">
+                <a:latin typeface="微软雅黑" panose="020B0503020204020204" pitchFamily="34" charset="-122"/>
+                <a:ea typeface="微软雅黑" panose="020B0503020204020204" pitchFamily="34" charset="-122"/>
+              </a:rPr>
+              <a:t>会让这变得容易。</a:t>
+            </a:r>
+          </a:p>
+          <a:p>
             <a:endParaRPr lang="zh-CN" altLang="en-US" dirty="0"/>
           </a:p>
         </p:txBody>
@@ -3498,20 +3454,13 @@
     </p:spTree>
     <p:extLst>
       <p:ext uri="{BB962C8B-B14F-4D97-AF65-F5344CB8AC3E}">
-        <p14:creationId xmlns:p14="http://schemas.microsoft.com/office/powerpoint/2010/main" val="2002579022"/>
+        <p14:creationId xmlns:p14="http://schemas.microsoft.com/office/powerpoint/2010/main" val="1380593116"/>
       </p:ext>
     </p:extLst>
   </p:cSld>
   <p:clrMapOvr>
     <a:masterClrMapping/>
   </p:clrMapOvr>
-  <p:timing>
-    <p:tnLst>
-      <p:par>
-        <p:cTn id="1" dur="indefinite" restart="never" nodeType="tmRoot"/>
-      </p:par>
-    </p:tnLst>
-  </p:timing>
 </p:sld>
 </file>
 
@@ -3550,25 +3499,25 @@
           <a:lstStyle/>
           <a:p>
             <a:r>
-              <a:rPr lang="zh-CN" altLang="en-US" sz="3600" dirty="0" smtClean="0"/>
-              <a:t>插件资源的处理 </a:t>
-            </a:r>
-            <a:r>
-              <a:rPr lang="en-US" altLang="zh-CN" sz="3600" dirty="0" smtClean="0"/>
+              <a:rPr lang="zh-CN" altLang="en-US" dirty="0" smtClean="0"/>
+              <a:t>插件类的加载</a:t>
+            </a:r>
+            <a:r>
+              <a:rPr lang="en-US" altLang="zh-CN" dirty="0" smtClean="0"/>
               <a:t/>
             </a:r>
             <a:br>
-              <a:rPr lang="en-US" altLang="zh-CN" sz="3600" dirty="0" smtClean="0"/>
+              <a:rPr lang="en-US" altLang="zh-CN" dirty="0" smtClean="0"/>
             </a:br>
             <a:r>
-              <a:rPr lang="en-US" altLang="zh-CN" sz="3600" dirty="0" smtClean="0"/>
+              <a:rPr lang="en-US" altLang="zh-CN" dirty="0" smtClean="0"/>
               <a:t>- </a:t>
             </a:r>
             <a:r>
-              <a:rPr lang="en-US" altLang="zh-CN" sz="3600" dirty="0" err="1" smtClean="0"/>
-              <a:t>AssertManager</a:t>
-            </a:r>
-            <a:endParaRPr lang="zh-CN" altLang="en-US" sz="3600" dirty="0"/>
+              <a:rPr lang="en-US" altLang="zh-CN" dirty="0" err="1" smtClean="0"/>
+              <a:t>DexClassLoader</a:t>
+            </a:r>
+            <a:endParaRPr lang="zh-CN" altLang="en-US" dirty="0"/>
           </a:p>
         </p:txBody>
       </p:sp>
@@ -3588,125 +3537,26 @@
           <a:lstStyle/>
           <a:p>
             <a:r>
-              <a:rPr lang="zh-CN" altLang="en-US" sz="1800" dirty="0" smtClean="0">
-                <a:latin typeface="微软雅黑" panose="020B0503020204020204" pitchFamily="34" charset="-122"/>
-                <a:ea typeface="微软雅黑" panose="020B0503020204020204" pitchFamily="34" charset="-122"/>
-              </a:rPr>
-              <a:t>插件间不共享资源访问，每个插件使用不同的</a:t>
-            </a:r>
-            <a:r>
-              <a:rPr lang="en-US" altLang="zh-CN" sz="1800" dirty="0" err="1" smtClean="0">
-                <a:latin typeface="微软雅黑" panose="020B0503020204020204" pitchFamily="34" charset="-122"/>
-                <a:ea typeface="微软雅黑" panose="020B0503020204020204" pitchFamily="34" charset="-122"/>
-              </a:rPr>
-              <a:t>AssertManager</a:t>
-            </a:r>
-            <a:r>
-              <a:rPr lang="zh-CN" altLang="en-US" sz="1800" dirty="0" smtClean="0">
-                <a:latin typeface="微软雅黑" panose="020B0503020204020204" pitchFamily="34" charset="-122"/>
-                <a:ea typeface="微软雅黑" panose="020B0503020204020204" pitchFamily="34" charset="-122"/>
-              </a:rPr>
-              <a:t>。优点不会造成资源</a:t>
-            </a:r>
-            <a:r>
-              <a:rPr lang="en-US" altLang="zh-CN" sz="1800" dirty="0" smtClean="0">
-                <a:latin typeface="微软雅黑" panose="020B0503020204020204" pitchFamily="34" charset="-122"/>
-                <a:ea typeface="微软雅黑" panose="020B0503020204020204" pitchFamily="34" charset="-122"/>
-              </a:rPr>
-              <a:t>ID</a:t>
-            </a:r>
-            <a:r>
-              <a:rPr lang="zh-CN" altLang="en-US" sz="1800" dirty="0" smtClean="0">
-                <a:latin typeface="微软雅黑" panose="020B0503020204020204" pitchFamily="34" charset="-122"/>
-                <a:ea typeface="微软雅黑" panose="020B0503020204020204" pitchFamily="34" charset="-122"/>
-              </a:rPr>
-              <a:t>冲突。</a:t>
-            </a:r>
-            <a:endParaRPr lang="en-US" altLang="zh-CN" sz="1800" dirty="0" smtClean="0">
-              <a:latin typeface="微软雅黑" panose="020B0503020204020204" pitchFamily="34" charset="-122"/>
-              <a:ea typeface="微软雅黑" panose="020B0503020204020204" pitchFamily="34" charset="-122"/>
-            </a:endParaRPr>
-          </a:p>
-          <a:p>
-            <a:r>
-              <a:rPr lang="zh-CN" altLang="en-US" sz="1800" dirty="0" smtClean="0">
-                <a:latin typeface="微软雅黑" panose="020B0503020204020204" pitchFamily="34" charset="-122"/>
-                <a:ea typeface="微软雅黑" panose="020B0503020204020204" pitchFamily="34" charset="-122"/>
-              </a:rPr>
-              <a:t>插件间共享资源访问，使用相同的</a:t>
-            </a:r>
-            <a:r>
-              <a:rPr lang="en-US" altLang="zh-CN" sz="1800" dirty="0" err="1" smtClean="0">
-                <a:latin typeface="微软雅黑" panose="020B0503020204020204" pitchFamily="34" charset="-122"/>
-                <a:ea typeface="微软雅黑" panose="020B0503020204020204" pitchFamily="34" charset="-122"/>
-              </a:rPr>
-              <a:t>AssertManager</a:t>
-            </a:r>
-            <a:r>
-              <a:rPr lang="zh-CN" altLang="en-US" sz="1800" dirty="0" smtClean="0">
-                <a:latin typeface="微软雅黑" panose="020B0503020204020204" pitchFamily="34" charset="-122"/>
-                <a:ea typeface="微软雅黑" panose="020B0503020204020204" pitchFamily="34" charset="-122"/>
-              </a:rPr>
-              <a:t>，需要处理资源</a:t>
-            </a:r>
-            <a:r>
-              <a:rPr lang="en-US" altLang="zh-CN" sz="1800" dirty="0" smtClean="0">
-                <a:latin typeface="微软雅黑" panose="020B0503020204020204" pitchFamily="34" charset="-122"/>
-                <a:ea typeface="微软雅黑" panose="020B0503020204020204" pitchFamily="34" charset="-122"/>
-              </a:rPr>
-              <a:t>ID</a:t>
-            </a:r>
-            <a:r>
-              <a:rPr lang="zh-CN" altLang="en-US" sz="1800" dirty="0" smtClean="0">
-                <a:latin typeface="微软雅黑" panose="020B0503020204020204" pitchFamily="34" charset="-122"/>
-                <a:ea typeface="微软雅黑" panose="020B0503020204020204" pitchFamily="34" charset="-122"/>
-              </a:rPr>
-              <a:t>冲突的问题，</a:t>
-            </a:r>
-            <a:r>
-              <a:rPr lang="en-US" altLang="zh-CN" sz="1800" dirty="0" smtClean="0">
-                <a:latin typeface="微软雅黑" panose="020B0503020204020204" pitchFamily="34" charset="-122"/>
-                <a:ea typeface="微软雅黑" panose="020B0503020204020204" pitchFamily="34" charset="-122"/>
-              </a:rPr>
-              <a:t>small</a:t>
-            </a:r>
-            <a:r>
-              <a:rPr lang="zh-CN" altLang="en-US" sz="1800" dirty="0" smtClean="0">
-                <a:latin typeface="微软雅黑" panose="020B0503020204020204" pitchFamily="34" charset="-122"/>
-                <a:ea typeface="微软雅黑" panose="020B0503020204020204" pitchFamily="34" charset="-122"/>
-              </a:rPr>
-              <a:t>属于这种，通过修改</a:t>
-            </a:r>
-            <a:r>
-              <a:rPr lang="en-US" altLang="zh-CN" sz="1800" dirty="0" err="1" smtClean="0">
-                <a:latin typeface="微软雅黑" panose="020B0503020204020204" pitchFamily="34" charset="-122"/>
-                <a:ea typeface="微软雅黑" panose="020B0503020204020204" pitchFamily="34" charset="-122"/>
-              </a:rPr>
-              <a:t>aapt</a:t>
-            </a:r>
-            <a:r>
-              <a:rPr lang="zh-CN" altLang="en-US" sz="1800" dirty="0" smtClean="0">
-                <a:latin typeface="微软雅黑" panose="020B0503020204020204" pitchFamily="34" charset="-122"/>
-                <a:ea typeface="微软雅黑" panose="020B0503020204020204" pitchFamily="34" charset="-122"/>
-              </a:rPr>
-              <a:t>的生成产物解决问题。</a:t>
-            </a:r>
-            <a:endParaRPr lang="en-US" altLang="zh-CN" sz="1800" dirty="0" smtClean="0">
-              <a:latin typeface="微软雅黑" panose="020B0503020204020204" pitchFamily="34" charset="-122"/>
-              <a:ea typeface="微软雅黑" panose="020B0503020204020204" pitchFamily="34" charset="-122"/>
-            </a:endParaRPr>
-          </a:p>
-          <a:p>
-            <a:pPr marL="0" indent="0">
-              <a:buNone/>
-            </a:pPr>
-            <a:r>
-              <a:rPr lang="en-US" altLang="zh-CN" dirty="0"/>
-              <a:t> </a:t>
-            </a:r>
-            <a:r>
-              <a:rPr lang="en-US" altLang="zh-CN" dirty="0" smtClean="0"/>
-              <a:t>   </a:t>
+              <a:rPr lang="zh-CN" altLang="en-US" dirty="0" smtClean="0"/>
+              <a:t>加载未安装的</a:t>
+            </a:r>
+            <a:r>
+              <a:rPr lang="en-US" altLang="zh-CN" dirty="0" err="1"/>
+              <a:t>apk</a:t>
+            </a:r>
+            <a:endParaRPr lang="en-US" altLang="zh-CN" dirty="0" smtClean="0"/>
+          </a:p>
+          <a:p>
+            <a:r>
+              <a:rPr lang="zh-CN" altLang="en-US" dirty="0" smtClean="0"/>
+              <a:t>反射</a:t>
+            </a:r>
+            <a:endParaRPr lang="en-US" altLang="zh-CN" dirty="0" smtClean="0"/>
+          </a:p>
+          <a:p>
+            <a:r>
+              <a:rPr lang="en-US" altLang="zh-CN" dirty="0" err="1" smtClean="0"/>
+              <a:t>dexPathList</a:t>
             </a:r>
             <a:endParaRPr lang="zh-CN" altLang="en-US" dirty="0"/>
           </a:p>
@@ -3715,7 +3565,7 @@
     </p:spTree>
     <p:extLst>
       <p:ext uri="{BB962C8B-B14F-4D97-AF65-F5344CB8AC3E}">
-        <p14:creationId xmlns:p14="http://schemas.microsoft.com/office/powerpoint/2010/main" val="804106729"/>
+        <p14:creationId xmlns:p14="http://schemas.microsoft.com/office/powerpoint/2010/main" val="2002579022"/>
       </p:ext>
     </p:extLst>
   </p:cSld>
@@ -3762,13 +3612,28 @@
         <p:spPr/>
         <p:txBody>
           <a:bodyPr>
-            <a:normAutofit/>
+            <a:normAutofit fontScale="90000"/>
           </a:bodyPr>
           <a:lstStyle/>
           <a:p>
             <a:r>
               <a:rPr lang="zh-CN" altLang="en-US" sz="3600" dirty="0" smtClean="0"/>
-              <a:t>组件的注册和生命周期</a:t>
+              <a:t>插件资源的处理 </a:t>
+            </a:r>
+            <a:r>
+              <a:rPr lang="en-US" altLang="zh-CN" sz="3600" dirty="0" smtClean="0"/>
+              <a:t/>
+            </a:r>
+            <a:br>
+              <a:rPr lang="en-US" altLang="zh-CN" sz="3600" dirty="0" smtClean="0"/>
+            </a:br>
+            <a:r>
+              <a:rPr lang="en-US" altLang="zh-CN" sz="3600" dirty="0" smtClean="0"/>
+              <a:t>- </a:t>
+            </a:r>
+            <a:r>
+              <a:rPr lang="en-US" altLang="zh-CN" sz="3600" dirty="0" err="1" smtClean="0"/>
+              <a:t>AssertManager</a:t>
             </a:r>
             <a:endParaRPr lang="zh-CN" altLang="en-US" sz="3600" dirty="0"/>
           </a:p>
@@ -3790,185 +3655,125 @@
           <a:lstStyle/>
           <a:p>
             <a:r>
-              <a:rPr lang="zh-CN" altLang="en-US" sz="1800" dirty="0">
-                <a:latin typeface="微软雅黑" panose="020B0503020204020204" pitchFamily="34" charset="-122"/>
-                <a:ea typeface="微软雅黑" panose="020B0503020204020204" pitchFamily="34" charset="-122"/>
-              </a:rPr>
-              <a:t>占</a:t>
-            </a:r>
-            <a:r>
-              <a:rPr lang="zh-CN" altLang="en-US" sz="1800" dirty="0" smtClean="0">
-                <a:latin typeface="微软雅黑" panose="020B0503020204020204" pitchFamily="34" charset="-122"/>
-                <a:ea typeface="微软雅黑" panose="020B0503020204020204" pitchFamily="34" charset="-122"/>
-              </a:rPr>
-              <a:t>坑，</a:t>
+              <a:rPr lang="zh-CN" altLang="en-US" sz="1800" dirty="0" smtClean="0">
+                <a:latin typeface="微软雅黑" panose="020B0503020204020204" pitchFamily="34" charset="-122"/>
+                <a:ea typeface="微软雅黑" panose="020B0503020204020204" pitchFamily="34" charset="-122"/>
+              </a:rPr>
+              <a:t>插件间不共享资源访问，每个插件使用不同的</a:t>
             </a:r>
             <a:r>
               <a:rPr lang="en-US" altLang="zh-CN" sz="1800" dirty="0" err="1" smtClean="0">
                 <a:latin typeface="微软雅黑" panose="020B0503020204020204" pitchFamily="34" charset="-122"/>
                 <a:ea typeface="微软雅黑" panose="020B0503020204020204" pitchFamily="34" charset="-122"/>
               </a:rPr>
-              <a:t>ProxyActivity</a:t>
-            </a:r>
-            <a:r>
-              <a:rPr lang="zh-CN" altLang="en-US" sz="1800" dirty="0" smtClean="0">
-                <a:latin typeface="微软雅黑" panose="020B0503020204020204" pitchFamily="34" charset="-122"/>
-                <a:ea typeface="微软雅黑" panose="020B0503020204020204" pitchFamily="34" charset="-122"/>
-              </a:rPr>
-              <a:t>在宿主</a:t>
+              <a:t>AssertManager</a:t>
+            </a:r>
+            <a:r>
+              <a:rPr lang="zh-CN" altLang="en-US" sz="1800" dirty="0" smtClean="0">
+                <a:latin typeface="微软雅黑" panose="020B0503020204020204" pitchFamily="34" charset="-122"/>
+                <a:ea typeface="微软雅黑" panose="020B0503020204020204" pitchFamily="34" charset="-122"/>
+              </a:rPr>
+              <a:t>。优点不会造成资源</a:t>
+            </a:r>
+            <a:r>
+              <a:rPr lang="en-US" altLang="zh-CN" sz="1800" dirty="0" smtClean="0">
+                <a:latin typeface="微软雅黑" panose="020B0503020204020204" pitchFamily="34" charset="-122"/>
+                <a:ea typeface="微软雅黑" panose="020B0503020204020204" pitchFamily="34" charset="-122"/>
+              </a:rPr>
+              <a:t>ID</a:t>
+            </a:r>
+            <a:r>
+              <a:rPr lang="zh-CN" altLang="en-US" sz="1800" dirty="0" smtClean="0">
+                <a:latin typeface="微软雅黑" panose="020B0503020204020204" pitchFamily="34" charset="-122"/>
+                <a:ea typeface="微软雅黑" panose="020B0503020204020204" pitchFamily="34" charset="-122"/>
+              </a:rPr>
+              <a:t>冲突。</a:t>
+            </a:r>
+            <a:endParaRPr lang="en-US" altLang="zh-CN" sz="1800" dirty="0" smtClean="0">
+              <a:latin typeface="微软雅黑" panose="020B0503020204020204" pitchFamily="34" charset="-122"/>
+              <a:ea typeface="微软雅黑" panose="020B0503020204020204" pitchFamily="34" charset="-122"/>
+            </a:endParaRPr>
+          </a:p>
+          <a:p>
+            <a:r>
+              <a:rPr lang="zh-CN" altLang="en-US" sz="1800" dirty="0" smtClean="0">
+                <a:latin typeface="微软雅黑" panose="020B0503020204020204" pitchFamily="34" charset="-122"/>
+                <a:ea typeface="微软雅黑" panose="020B0503020204020204" pitchFamily="34" charset="-122"/>
+              </a:rPr>
+              <a:t>插件间共享资源访问，使用相同的</a:t>
             </a:r>
             <a:r>
               <a:rPr lang="en-US" altLang="zh-CN" sz="1800" dirty="0" err="1" smtClean="0">
                 <a:latin typeface="微软雅黑" panose="020B0503020204020204" pitchFamily="34" charset="-122"/>
                 <a:ea typeface="微软雅黑" panose="020B0503020204020204" pitchFamily="34" charset="-122"/>
               </a:rPr>
-              <a:t>AndroidMenifest</a:t>
-            </a:r>
-            <a:r>
-              <a:rPr lang="zh-CN" altLang="en-US" sz="1800" dirty="0" smtClean="0">
-                <a:latin typeface="微软雅黑" panose="020B0503020204020204" pitchFamily="34" charset="-122"/>
-                <a:ea typeface="微软雅黑" panose="020B0503020204020204" pitchFamily="34" charset="-122"/>
-              </a:rPr>
-              <a:t>中提前注册，然后将</a:t>
+              <a:t>AssertManager</a:t>
+            </a:r>
+            <a:r>
+              <a:rPr lang="zh-CN" altLang="en-US" sz="1800" dirty="0" smtClean="0">
+                <a:latin typeface="微软雅黑" panose="020B0503020204020204" pitchFamily="34" charset="-122"/>
+                <a:ea typeface="微软雅黑" panose="020B0503020204020204" pitchFamily="34" charset="-122"/>
+              </a:rPr>
+              <a:t>，需要处理资源</a:t>
+            </a:r>
+            <a:r>
+              <a:rPr lang="en-US" altLang="zh-CN" sz="1800" dirty="0" smtClean="0">
+                <a:latin typeface="微软雅黑" panose="020B0503020204020204" pitchFamily="34" charset="-122"/>
+                <a:ea typeface="微软雅黑" panose="020B0503020204020204" pitchFamily="34" charset="-122"/>
+              </a:rPr>
+              <a:t>ID</a:t>
+            </a:r>
+            <a:r>
+              <a:rPr lang="zh-CN" altLang="en-US" sz="1800" dirty="0" smtClean="0">
+                <a:latin typeface="微软雅黑" panose="020B0503020204020204" pitchFamily="34" charset="-122"/>
+                <a:ea typeface="微软雅黑" panose="020B0503020204020204" pitchFamily="34" charset="-122"/>
+              </a:rPr>
+              <a:t>冲突的问题，</a:t>
+            </a:r>
+            <a:r>
+              <a:rPr lang="en-US" altLang="zh-CN" sz="1800" dirty="0" smtClean="0">
+                <a:latin typeface="微软雅黑" panose="020B0503020204020204" pitchFamily="34" charset="-122"/>
+                <a:ea typeface="微软雅黑" panose="020B0503020204020204" pitchFamily="34" charset="-122"/>
+              </a:rPr>
+              <a:t>small</a:t>
+            </a:r>
+            <a:r>
+              <a:rPr lang="zh-CN" altLang="en-US" sz="1800" dirty="0" smtClean="0">
+                <a:latin typeface="微软雅黑" panose="020B0503020204020204" pitchFamily="34" charset="-122"/>
+                <a:ea typeface="微软雅黑" panose="020B0503020204020204" pitchFamily="34" charset="-122"/>
+              </a:rPr>
+              <a:t>属于这种，通过修改</a:t>
             </a:r>
             <a:r>
               <a:rPr lang="en-US" altLang="zh-CN" sz="1800" dirty="0" err="1" smtClean="0">
                 <a:latin typeface="微软雅黑" panose="020B0503020204020204" pitchFamily="34" charset="-122"/>
                 <a:ea typeface="微软雅黑" panose="020B0503020204020204" pitchFamily="34" charset="-122"/>
               </a:rPr>
-              <a:t>ProxyActivity</a:t>
-            </a:r>
-            <a:r>
-              <a:rPr lang="zh-CN" altLang="en-US" sz="1800" dirty="0" smtClean="0">
-                <a:latin typeface="微软雅黑" panose="020B0503020204020204" pitchFamily="34" charset="-122"/>
-                <a:ea typeface="微软雅黑" panose="020B0503020204020204" pitchFamily="34" charset="-122"/>
-              </a:rPr>
-              <a:t>生命周期回调给插件</a:t>
-            </a:r>
-            <a:r>
-              <a:rPr lang="en-US" altLang="zh-CN" sz="1800" dirty="0" smtClean="0">
-                <a:latin typeface="微软雅黑" panose="020B0503020204020204" pitchFamily="34" charset="-122"/>
-                <a:ea typeface="微软雅黑" panose="020B0503020204020204" pitchFamily="34" charset="-122"/>
-              </a:rPr>
-              <a:t>Activity</a:t>
-            </a:r>
-            <a:r>
-              <a:rPr lang="zh-CN" altLang="en-US" sz="1800" dirty="0" smtClean="0">
-                <a:latin typeface="微软雅黑" panose="020B0503020204020204" pitchFamily="34" charset="-122"/>
-                <a:ea typeface="微软雅黑" panose="020B0503020204020204" pitchFamily="34" charset="-122"/>
-              </a:rPr>
-              <a:t>。</a:t>
-            </a:r>
-            <a:r>
-              <a:rPr lang="en-US" altLang="zh-CN" sz="1800" dirty="0" smtClean="0">
-                <a:latin typeface="微软雅黑" panose="020B0503020204020204" pitchFamily="34" charset="-122"/>
-                <a:ea typeface="微软雅黑" panose="020B0503020204020204" pitchFamily="34" charset="-122"/>
-              </a:rPr>
-              <a:t>	</a:t>
-            </a:r>
-          </a:p>
-          <a:p>
-            <a:r>
-              <a:rPr lang="en-US" altLang="zh-CN" sz="1800" dirty="0">
-                <a:latin typeface="微软雅黑" panose="020B0503020204020204" pitchFamily="34" charset="-122"/>
-                <a:ea typeface="微软雅黑" panose="020B0503020204020204" pitchFamily="34" charset="-122"/>
-              </a:rPr>
-              <a:t>S</a:t>
-            </a:r>
-            <a:r>
-              <a:rPr lang="en-US" altLang="zh-CN" sz="1800" dirty="0" smtClean="0">
-                <a:latin typeface="微软雅黑" panose="020B0503020204020204" pitchFamily="34" charset="-122"/>
-                <a:ea typeface="微软雅黑" panose="020B0503020204020204" pitchFamily="34" charset="-122"/>
-              </a:rPr>
-              <a:t>mall</a:t>
-            </a:r>
-            <a:r>
-              <a:rPr lang="zh-CN" altLang="en-US" sz="1800" dirty="0" smtClean="0">
-                <a:latin typeface="微软雅黑" panose="020B0503020204020204" pitchFamily="34" charset="-122"/>
-                <a:ea typeface="微软雅黑" panose="020B0503020204020204" pitchFamily="34" charset="-122"/>
-              </a:rPr>
-              <a:t>通过替换 </a:t>
-            </a:r>
-            <a:r>
-              <a:rPr lang="en-US" altLang="zh-CN" sz="1800" dirty="0" err="1" smtClean="0">
-                <a:latin typeface="微软雅黑" panose="020B0503020204020204" pitchFamily="34" charset="-122"/>
-                <a:ea typeface="微软雅黑" panose="020B0503020204020204" pitchFamily="34" charset="-122"/>
-              </a:rPr>
-              <a:t>ActivityThread</a:t>
-            </a:r>
-            <a:r>
-              <a:rPr lang="en-US" altLang="zh-CN" sz="1800" dirty="0" smtClean="0">
-                <a:latin typeface="微软雅黑" panose="020B0503020204020204" pitchFamily="34" charset="-122"/>
-                <a:ea typeface="微软雅黑" panose="020B0503020204020204" pitchFamily="34" charset="-122"/>
-              </a:rPr>
+              <a:t>aapt</a:t>
+            </a:r>
+            <a:r>
+              <a:rPr lang="zh-CN" altLang="en-US" sz="1800" dirty="0" smtClean="0">
+                <a:latin typeface="微软雅黑" panose="020B0503020204020204" pitchFamily="34" charset="-122"/>
+                <a:ea typeface="微软雅黑" panose="020B0503020204020204" pitchFamily="34" charset="-122"/>
+              </a:rPr>
+              <a:t>的生成产物解决问题。</a:t>
+            </a:r>
+            <a:endParaRPr lang="en-US" altLang="zh-CN" sz="1800" dirty="0" smtClean="0">
+              <a:latin typeface="微软雅黑" panose="020B0503020204020204" pitchFamily="34" charset="-122"/>
+              <a:ea typeface="微软雅黑" panose="020B0503020204020204" pitchFamily="34" charset="-122"/>
+            </a:endParaRPr>
+          </a:p>
+          <a:p>
+            <a:pPr marL="0" indent="0">
+              <a:buNone/>
+            </a:pPr>
+            <a:r>
+              <a:rPr lang="en-US" altLang="zh-CN" dirty="0"/>
               <a:t> </a:t>
             </a:r>
             <a:r>
-              <a:rPr lang="zh-CN" altLang="en-US" sz="1800" dirty="0" smtClean="0">
-                <a:latin typeface="微软雅黑" panose="020B0503020204020204" pitchFamily="34" charset="-122"/>
-                <a:ea typeface="微软雅黑" panose="020B0503020204020204" pitchFamily="34" charset="-122"/>
-              </a:rPr>
-              <a:t>里的</a:t>
-            </a:r>
-            <a:r>
-              <a:rPr lang="en-US" altLang="zh-CN" sz="1800" dirty="0" err="1" smtClean="0">
-                <a:latin typeface="微软雅黑" panose="020B0503020204020204" pitchFamily="34" charset="-122"/>
-                <a:ea typeface="微软雅黑" panose="020B0503020204020204" pitchFamily="34" charset="-122"/>
-              </a:rPr>
-              <a:t>mInstrumentation</a:t>
-            </a:r>
-            <a:r>
-              <a:rPr lang="zh-CN" altLang="en-US" sz="1800" dirty="0" smtClean="0">
-                <a:latin typeface="微软雅黑" panose="020B0503020204020204" pitchFamily="34" charset="-122"/>
-                <a:ea typeface="微软雅黑" panose="020B0503020204020204" pitchFamily="34" charset="-122"/>
-              </a:rPr>
-              <a:t>，在</a:t>
-            </a:r>
-            <a:r>
-              <a:rPr lang="en-US" altLang="zh-CN" sz="1800" dirty="0" smtClean="0">
-                <a:latin typeface="微软雅黑" panose="020B0503020204020204" pitchFamily="34" charset="-122"/>
-                <a:ea typeface="微软雅黑" panose="020B0503020204020204" pitchFamily="34" charset="-122"/>
-              </a:rPr>
-              <a:t>Instrumentation</a:t>
-            </a:r>
-            <a:r>
-              <a:rPr lang="zh-CN" altLang="en-US" sz="1800" dirty="0" smtClean="0">
-                <a:latin typeface="微软雅黑" panose="020B0503020204020204" pitchFamily="34" charset="-122"/>
-                <a:ea typeface="微软雅黑" panose="020B0503020204020204" pitchFamily="34" charset="-122"/>
-              </a:rPr>
-              <a:t>的</a:t>
-            </a:r>
-            <a:r>
-              <a:rPr lang="en-US" altLang="zh-CN" sz="1800" dirty="0" err="1" smtClean="0">
-                <a:latin typeface="微软雅黑" panose="020B0503020204020204" pitchFamily="34" charset="-122"/>
-                <a:ea typeface="微软雅黑" panose="020B0503020204020204" pitchFamily="34" charset="-122"/>
-              </a:rPr>
-              <a:t>newActivty</a:t>
-            </a:r>
-            <a:r>
-              <a:rPr lang="zh-CN" altLang="en-US" sz="1800" dirty="0" smtClean="0">
-                <a:latin typeface="微软雅黑" panose="020B0503020204020204" pitchFamily="34" charset="-122"/>
-                <a:ea typeface="微软雅黑" panose="020B0503020204020204" pitchFamily="34" charset="-122"/>
-              </a:rPr>
-              <a:t>实现里面实例化了插件</a:t>
-            </a:r>
-            <a:r>
-              <a:rPr lang="en-US" altLang="zh-CN" sz="1800" dirty="0" smtClean="0">
-                <a:latin typeface="微软雅黑" panose="020B0503020204020204" pitchFamily="34" charset="-122"/>
-                <a:ea typeface="微软雅黑" panose="020B0503020204020204" pitchFamily="34" charset="-122"/>
-              </a:rPr>
-              <a:t>Activity</a:t>
-            </a:r>
-            <a:r>
-              <a:rPr lang="zh-CN" altLang="en-US" sz="1800" dirty="0" smtClean="0">
-                <a:latin typeface="微软雅黑" panose="020B0503020204020204" pitchFamily="34" charset="-122"/>
-                <a:ea typeface="微软雅黑" panose="020B0503020204020204" pitchFamily="34" charset="-122"/>
-              </a:rPr>
-              <a:t>，通过较小改动就能完全解决生命周期回调的问题。</a:t>
-            </a:r>
-            <a:r>
               <a:rPr lang="en-US" altLang="zh-CN" dirty="0" smtClean="0"/>
-              <a:t>    </a:t>
+              <a:t>   </a:t>
             </a:r>
             <a:endParaRPr lang="zh-CN" altLang="en-US" dirty="0"/>
           </a:p>
@@ -3977,7 +3782,7 @@
     </p:spTree>
     <p:extLst>
       <p:ext uri="{BB962C8B-B14F-4D97-AF65-F5344CB8AC3E}">
-        <p14:creationId xmlns:p14="http://schemas.microsoft.com/office/powerpoint/2010/main" val="2038364864"/>
+        <p14:creationId xmlns:p14="http://schemas.microsoft.com/office/powerpoint/2010/main" val="804106729"/>
       </p:ext>
     </p:extLst>
   </p:cSld>
@@ -4029,6 +3834,268 @@
           <a:lstStyle/>
           <a:p>
             <a:r>
+              <a:rPr lang="zh-CN" altLang="en-US" sz="3600" dirty="0" smtClean="0"/>
+              <a:t>组件的注册和生命周期</a:t>
+            </a:r>
+            <a:endParaRPr lang="zh-CN" altLang="en-US" sz="3600" dirty="0"/>
+          </a:p>
+        </p:txBody>
+      </p:sp>
+      <p:sp>
+        <p:nvSpPr>
+          <p:cNvPr id="3" name="内容占位符 2"/>
+          <p:cNvSpPr>
+            <a:spLocks noGrp="1"/>
+          </p:cNvSpPr>
+          <p:nvPr>
+            <p:ph idx="1"/>
+          </p:nvPr>
+        </p:nvSpPr>
+        <p:spPr/>
+        <p:txBody>
+          <a:bodyPr/>
+          <a:lstStyle/>
+          <a:p>
+            <a:r>
+              <a:rPr lang="zh-CN" altLang="en-US" sz="1800" dirty="0">
+                <a:latin typeface="微软雅黑" panose="020B0503020204020204" pitchFamily="34" charset="-122"/>
+                <a:ea typeface="微软雅黑" panose="020B0503020204020204" pitchFamily="34" charset="-122"/>
+              </a:rPr>
+              <a:t>占</a:t>
+            </a:r>
+            <a:r>
+              <a:rPr lang="zh-CN" altLang="en-US" sz="1800" dirty="0" smtClean="0">
+                <a:latin typeface="微软雅黑" panose="020B0503020204020204" pitchFamily="34" charset="-122"/>
+                <a:ea typeface="微软雅黑" panose="020B0503020204020204" pitchFamily="34" charset="-122"/>
+              </a:rPr>
+              <a:t>坑，</a:t>
+            </a:r>
+            <a:r>
+              <a:rPr lang="en-US" altLang="zh-CN" sz="1800" dirty="0" err="1" smtClean="0">
+                <a:latin typeface="微软雅黑" panose="020B0503020204020204" pitchFamily="34" charset="-122"/>
+                <a:ea typeface="微软雅黑" panose="020B0503020204020204" pitchFamily="34" charset="-122"/>
+              </a:rPr>
+              <a:t>ProxyActivity</a:t>
+            </a:r>
+            <a:r>
+              <a:rPr lang="zh-CN" altLang="en-US" sz="1800" dirty="0" smtClean="0">
+                <a:latin typeface="微软雅黑" panose="020B0503020204020204" pitchFamily="34" charset="-122"/>
+                <a:ea typeface="微软雅黑" panose="020B0503020204020204" pitchFamily="34" charset="-122"/>
+              </a:rPr>
+              <a:t>在宿主</a:t>
+            </a:r>
+            <a:r>
+              <a:rPr lang="en-US" altLang="zh-CN" sz="1800" dirty="0" err="1" smtClean="0">
+                <a:latin typeface="微软雅黑" panose="020B0503020204020204" pitchFamily="34" charset="-122"/>
+                <a:ea typeface="微软雅黑" panose="020B0503020204020204" pitchFamily="34" charset="-122"/>
+              </a:rPr>
+              <a:t>AndroidMenifest</a:t>
+            </a:r>
+            <a:r>
+              <a:rPr lang="zh-CN" altLang="en-US" sz="1800" dirty="0" smtClean="0">
+                <a:latin typeface="微软雅黑" panose="020B0503020204020204" pitchFamily="34" charset="-122"/>
+                <a:ea typeface="微软雅黑" panose="020B0503020204020204" pitchFamily="34" charset="-122"/>
+              </a:rPr>
+              <a:t>中提前注册，然后将</a:t>
+            </a:r>
+            <a:r>
+              <a:rPr lang="en-US" altLang="zh-CN" sz="1800" dirty="0" err="1" smtClean="0">
+                <a:latin typeface="微软雅黑" panose="020B0503020204020204" pitchFamily="34" charset="-122"/>
+                <a:ea typeface="微软雅黑" panose="020B0503020204020204" pitchFamily="34" charset="-122"/>
+              </a:rPr>
+              <a:t>ProxyActivity</a:t>
+            </a:r>
+            <a:r>
+              <a:rPr lang="zh-CN" altLang="en-US" sz="1800" dirty="0" smtClean="0">
+                <a:latin typeface="微软雅黑" panose="020B0503020204020204" pitchFamily="34" charset="-122"/>
+                <a:ea typeface="微软雅黑" panose="020B0503020204020204" pitchFamily="34" charset="-122"/>
+              </a:rPr>
+              <a:t>生命周期回调给插件</a:t>
+            </a:r>
+            <a:r>
+              <a:rPr lang="en-US" altLang="zh-CN" sz="1800" dirty="0" smtClean="0">
+                <a:latin typeface="微软雅黑" panose="020B0503020204020204" pitchFamily="34" charset="-122"/>
+                <a:ea typeface="微软雅黑" panose="020B0503020204020204" pitchFamily="34" charset="-122"/>
+              </a:rPr>
+              <a:t>Activity</a:t>
+            </a:r>
+            <a:r>
+              <a:rPr lang="zh-CN" altLang="en-US" sz="1800" dirty="0" smtClean="0">
+                <a:latin typeface="微软雅黑" panose="020B0503020204020204" pitchFamily="34" charset="-122"/>
+                <a:ea typeface="微软雅黑" panose="020B0503020204020204" pitchFamily="34" charset="-122"/>
+              </a:rPr>
+              <a:t>。</a:t>
+            </a:r>
+            <a:r>
+              <a:rPr lang="en-US" altLang="zh-CN" sz="1800" dirty="0" smtClean="0">
+                <a:latin typeface="微软雅黑" panose="020B0503020204020204" pitchFamily="34" charset="-122"/>
+                <a:ea typeface="微软雅黑" panose="020B0503020204020204" pitchFamily="34" charset="-122"/>
+              </a:rPr>
+              <a:t>	</a:t>
+            </a:r>
+          </a:p>
+          <a:p>
+            <a:r>
+              <a:rPr lang="en-US" altLang="zh-CN" sz="1800" dirty="0">
+                <a:latin typeface="微软雅黑" panose="020B0503020204020204" pitchFamily="34" charset="-122"/>
+                <a:ea typeface="微软雅黑" panose="020B0503020204020204" pitchFamily="34" charset="-122"/>
+              </a:rPr>
+              <a:t>S</a:t>
+            </a:r>
+            <a:r>
+              <a:rPr lang="en-US" altLang="zh-CN" sz="1800" dirty="0" smtClean="0">
+                <a:latin typeface="微软雅黑" panose="020B0503020204020204" pitchFamily="34" charset="-122"/>
+                <a:ea typeface="微软雅黑" panose="020B0503020204020204" pitchFamily="34" charset="-122"/>
+              </a:rPr>
+              <a:t>mall</a:t>
+            </a:r>
+            <a:r>
+              <a:rPr lang="zh-CN" altLang="en-US" sz="1800" dirty="0" smtClean="0">
+                <a:latin typeface="微软雅黑" panose="020B0503020204020204" pitchFamily="34" charset="-122"/>
+                <a:ea typeface="微软雅黑" panose="020B0503020204020204" pitchFamily="34" charset="-122"/>
+              </a:rPr>
+              <a:t>通过替换 </a:t>
+            </a:r>
+            <a:r>
+              <a:rPr lang="en-US" altLang="zh-CN" sz="1800" dirty="0" err="1" smtClean="0">
+                <a:latin typeface="微软雅黑" panose="020B0503020204020204" pitchFamily="34" charset="-122"/>
+                <a:ea typeface="微软雅黑" panose="020B0503020204020204" pitchFamily="34" charset="-122"/>
+              </a:rPr>
+              <a:t>ActivityThread</a:t>
+            </a:r>
+            <a:r>
+              <a:rPr lang="en-US" altLang="zh-CN" sz="1800" dirty="0" smtClean="0">
+                <a:latin typeface="微软雅黑" panose="020B0503020204020204" pitchFamily="34" charset="-122"/>
+                <a:ea typeface="微软雅黑" panose="020B0503020204020204" pitchFamily="34" charset="-122"/>
+              </a:rPr>
+              <a:t> </a:t>
+            </a:r>
+            <a:r>
+              <a:rPr lang="zh-CN" altLang="en-US" sz="1800" dirty="0" smtClean="0">
+                <a:latin typeface="微软雅黑" panose="020B0503020204020204" pitchFamily="34" charset="-122"/>
+                <a:ea typeface="微软雅黑" panose="020B0503020204020204" pitchFamily="34" charset="-122"/>
+              </a:rPr>
+              <a:t>里的</a:t>
+            </a:r>
+            <a:r>
+              <a:rPr lang="en-US" altLang="zh-CN" sz="1800" dirty="0" err="1" smtClean="0">
+                <a:latin typeface="微软雅黑" panose="020B0503020204020204" pitchFamily="34" charset="-122"/>
+                <a:ea typeface="微软雅黑" panose="020B0503020204020204" pitchFamily="34" charset="-122"/>
+              </a:rPr>
+              <a:t>mInstrumentation</a:t>
+            </a:r>
+            <a:r>
+              <a:rPr lang="zh-CN" altLang="en-US" sz="1800" dirty="0" smtClean="0">
+                <a:latin typeface="微软雅黑" panose="020B0503020204020204" pitchFamily="34" charset="-122"/>
+                <a:ea typeface="微软雅黑" panose="020B0503020204020204" pitchFamily="34" charset="-122"/>
+              </a:rPr>
+              <a:t>，在</a:t>
+            </a:r>
+            <a:r>
+              <a:rPr lang="en-US" altLang="zh-CN" sz="1800" dirty="0" smtClean="0">
+                <a:latin typeface="微软雅黑" panose="020B0503020204020204" pitchFamily="34" charset="-122"/>
+                <a:ea typeface="微软雅黑" panose="020B0503020204020204" pitchFamily="34" charset="-122"/>
+              </a:rPr>
+              <a:t>Instrumentation</a:t>
+            </a:r>
+            <a:r>
+              <a:rPr lang="zh-CN" altLang="en-US" sz="1800" dirty="0" smtClean="0">
+                <a:latin typeface="微软雅黑" panose="020B0503020204020204" pitchFamily="34" charset="-122"/>
+                <a:ea typeface="微软雅黑" panose="020B0503020204020204" pitchFamily="34" charset="-122"/>
+              </a:rPr>
+              <a:t>的</a:t>
+            </a:r>
+            <a:r>
+              <a:rPr lang="en-US" altLang="zh-CN" sz="1800" dirty="0" err="1" smtClean="0">
+                <a:latin typeface="微软雅黑" panose="020B0503020204020204" pitchFamily="34" charset="-122"/>
+                <a:ea typeface="微软雅黑" panose="020B0503020204020204" pitchFamily="34" charset="-122"/>
+              </a:rPr>
+              <a:t>newActivty</a:t>
+            </a:r>
+            <a:r>
+              <a:rPr lang="zh-CN" altLang="en-US" sz="1800" dirty="0" smtClean="0">
+                <a:latin typeface="微软雅黑" panose="020B0503020204020204" pitchFamily="34" charset="-122"/>
+                <a:ea typeface="微软雅黑" panose="020B0503020204020204" pitchFamily="34" charset="-122"/>
+              </a:rPr>
+              <a:t>实现里面实例化了插件</a:t>
+            </a:r>
+            <a:r>
+              <a:rPr lang="en-US" altLang="zh-CN" sz="1800" dirty="0" smtClean="0">
+                <a:latin typeface="微软雅黑" panose="020B0503020204020204" pitchFamily="34" charset="-122"/>
+                <a:ea typeface="微软雅黑" panose="020B0503020204020204" pitchFamily="34" charset="-122"/>
+              </a:rPr>
+              <a:t>Activity</a:t>
+            </a:r>
+            <a:r>
+              <a:rPr lang="zh-CN" altLang="en-US" sz="1800" dirty="0" smtClean="0">
+                <a:latin typeface="微软雅黑" panose="020B0503020204020204" pitchFamily="34" charset="-122"/>
+                <a:ea typeface="微软雅黑" panose="020B0503020204020204" pitchFamily="34" charset="-122"/>
+              </a:rPr>
+              <a:t>，通过较小改动就能完全解决生命周期回调的问题。</a:t>
+            </a:r>
+            <a:r>
+              <a:rPr lang="en-US" altLang="zh-CN" dirty="0" smtClean="0"/>
+              <a:t>    </a:t>
+            </a:r>
+            <a:endParaRPr lang="zh-CN" altLang="en-US" dirty="0"/>
+          </a:p>
+        </p:txBody>
+      </p:sp>
+    </p:spTree>
+    <p:extLst>
+      <p:ext uri="{BB962C8B-B14F-4D97-AF65-F5344CB8AC3E}">
+        <p14:creationId xmlns:p14="http://schemas.microsoft.com/office/powerpoint/2010/main" val="2038364864"/>
+      </p:ext>
+    </p:extLst>
+  </p:cSld>
+  <p:clrMapOvr>
+    <a:masterClrMapping/>
+  </p:clrMapOvr>
+  <p:timing>
+    <p:tnLst>
+      <p:par>
+        <p:cTn id="1" dur="indefinite" restart="never" nodeType="tmRoot"/>
+      </p:par>
+    </p:tnLst>
+  </p:timing>
+</p:sld>
+</file>
+
+<file path=ppt/slides/slide15.xml><?xml version="1.0" encoding="utf-8"?>
+<p:sld xmlns:a="http://schemas.openxmlformats.org/drawingml/2006/main" xmlns:r="http://schemas.openxmlformats.org/officeDocument/2006/relationships" xmlns:p="http://schemas.openxmlformats.org/presentationml/2006/main">
+  <p:cSld>
+    <p:spTree>
+      <p:nvGrpSpPr>
+        <p:cNvPr id="1" name=""/>
+        <p:cNvGrpSpPr/>
+        <p:nvPr/>
+      </p:nvGrpSpPr>
+      <p:grpSpPr>
+        <a:xfrm>
+          <a:off x="0" y="0"/>
+          <a:ext cx="0" cy="0"/>
+          <a:chOff x="0" y="0"/>
+          <a:chExt cx="0" cy="0"/>
+        </a:xfrm>
+      </p:grpSpPr>
+      <p:sp>
+        <p:nvSpPr>
+          <p:cNvPr id="2" name="标题 1"/>
+          <p:cNvSpPr>
+            <a:spLocks noGrp="1"/>
+          </p:cNvSpPr>
+          <p:nvPr>
+            <p:ph type="title"/>
+          </p:nvPr>
+        </p:nvSpPr>
+        <p:spPr/>
+        <p:txBody>
+          <a:bodyPr>
+            <a:normAutofit/>
+          </a:bodyPr>
+          <a:lstStyle/>
+          <a:p>
+            <a:r>
               <a:rPr lang="en-US" altLang="zh-CN" sz="3600" dirty="0" smtClean="0"/>
               <a:t>Small </a:t>
             </a:r>
@@ -4052,7 +4119,9 @@
         </p:nvSpPr>
         <p:spPr/>
         <p:txBody>
-          <a:bodyPr/>
+          <a:bodyPr>
+            <a:normAutofit/>
+          </a:bodyPr>
           <a:lstStyle/>
           <a:p>
             <a:r>
@@ -4110,6 +4179,43 @@
                 <a:ea typeface="微软雅黑" panose="020B0503020204020204" pitchFamily="34" charset="-122"/>
               </a:rPr>
               <a:t>	</a:t>
+            </a:r>
+          </a:p>
+          <a:p>
+            <a:r>
+              <a:rPr lang="zh-CN" altLang="en-US" sz="1800" dirty="0" smtClean="0">
+                <a:latin typeface="微软雅黑" panose="020B0503020204020204" pitchFamily="34" charset="-122"/>
+                <a:ea typeface="微软雅黑" panose="020B0503020204020204" pitchFamily="34" charset="-122"/>
+              </a:rPr>
+              <a:t>第三方库要注册</a:t>
+            </a:r>
+            <a:r>
+              <a:rPr lang="en-US" altLang="zh-CN" sz="1800" dirty="0" smtClean="0">
+                <a:latin typeface="微软雅黑" panose="020B0503020204020204" pitchFamily="34" charset="-122"/>
+                <a:ea typeface="微软雅黑" panose="020B0503020204020204" pitchFamily="34" charset="-122"/>
+              </a:rPr>
+              <a:t>service</a:t>
+            </a:r>
+            <a:r>
+              <a:rPr lang="zh-CN" altLang="en-US" sz="1800" dirty="0" smtClean="0">
+                <a:latin typeface="微软雅黑" panose="020B0503020204020204" pitchFamily="34" charset="-122"/>
+                <a:ea typeface="微软雅黑" panose="020B0503020204020204" pitchFamily="34" charset="-122"/>
+              </a:rPr>
+              <a:t>的，需要在宿主</a:t>
+            </a:r>
+            <a:r>
+              <a:rPr lang="en-US" altLang="zh-CN" sz="1800" dirty="0" err="1" smtClean="0">
+                <a:latin typeface="微软雅黑" panose="020B0503020204020204" pitchFamily="34" charset="-122"/>
+                <a:ea typeface="微软雅黑" panose="020B0503020204020204" pitchFamily="34" charset="-122"/>
+              </a:rPr>
+              <a:t>Menifest</a:t>
+            </a:r>
+            <a:r>
+              <a:rPr lang="zh-CN" altLang="en-US" sz="1800" dirty="0" smtClean="0">
+                <a:latin typeface="微软雅黑" panose="020B0503020204020204" pitchFamily="34" charset="-122"/>
+                <a:ea typeface="微软雅黑" panose="020B0503020204020204" pitchFamily="34" charset="-122"/>
+              </a:rPr>
+              <a:t>中进行注册。</a:t>
             </a:r>
             <a:endParaRPr lang="en-US" altLang="zh-CN" sz="1800" dirty="0" smtClean="0">
               <a:latin typeface="微软雅黑" panose="020B0503020204020204" pitchFamily="34" charset="-122"/>
@@ -4118,41 +4224,336 @@
           </a:p>
           <a:p>
             <a:r>
-              <a:rPr lang="zh-CN" altLang="en-US" sz="1800" dirty="0" smtClean="0">
-                <a:latin typeface="微软雅黑" panose="020B0503020204020204" pitchFamily="34" charset="-122"/>
-                <a:ea typeface="微软雅黑" panose="020B0503020204020204" pitchFamily="34" charset="-122"/>
-              </a:rPr>
-              <a:t>第三方库要注册</a:t>
+              <a:rPr lang="en-US" altLang="zh-CN" sz="1800" dirty="0">
+                <a:latin typeface="微软雅黑" panose="020B0503020204020204" pitchFamily="34" charset="-122"/>
+                <a:ea typeface="微软雅黑" panose="020B0503020204020204" pitchFamily="34" charset="-122"/>
+              </a:rPr>
+              <a:t>Class ref in pre-verified class resolved to unexpected </a:t>
             </a:r>
             <a:r>
               <a:rPr lang="en-US" altLang="zh-CN" sz="1800" dirty="0" smtClean="0">
                 <a:latin typeface="微软雅黑" panose="020B0503020204020204" pitchFamily="34" charset="-122"/>
                 <a:ea typeface="微软雅黑" panose="020B0503020204020204" pitchFamily="34" charset="-122"/>
               </a:rPr>
-              <a:t>service</a:t>
-            </a:r>
-            <a:r>
-              <a:rPr lang="zh-CN" altLang="en-US" sz="1800" dirty="0" smtClean="0">
-                <a:latin typeface="微软雅黑" panose="020B0503020204020204" pitchFamily="34" charset="-122"/>
-                <a:ea typeface="微软雅黑" panose="020B0503020204020204" pitchFamily="34" charset="-122"/>
-              </a:rPr>
-              <a:t>的，需要在宿主</a:t>
+              <a:t>implementation </a:t>
+            </a:r>
+            <a:r>
+              <a:rPr lang="zh-CN" altLang="en-US" sz="1800" dirty="0" smtClean="0">
+                <a:latin typeface="微软雅黑" panose="020B0503020204020204" pitchFamily="34" charset="-122"/>
+                <a:ea typeface="微软雅黑" panose="020B0503020204020204" pitchFamily="34" charset="-122"/>
+              </a:rPr>
+              <a:t>。问题原因：</a:t>
+            </a:r>
+            <a:r>
+              <a:rPr lang="en-US" altLang="zh-CN" sz="1800" dirty="0" smtClean="0">
+                <a:latin typeface="微软雅黑" panose="020B0503020204020204" pitchFamily="34" charset="-122"/>
+                <a:ea typeface="微软雅黑" panose="020B0503020204020204" pitchFamily="34" charset="-122"/>
+              </a:rPr>
+              <a:t>had </a:t>
+            </a:r>
+            <a:r>
+              <a:rPr lang="en-US" altLang="zh-CN" sz="1800" dirty="0">
+                <a:latin typeface="微软雅黑" panose="020B0503020204020204" pitchFamily="34" charset="-122"/>
+                <a:ea typeface="微软雅黑" panose="020B0503020204020204" pitchFamily="34" charset="-122"/>
+              </a:rPr>
+              <a:t>used a different </a:t>
             </a:r>
             <a:r>
               <a:rPr lang="en-US" altLang="zh-CN" sz="1800" dirty="0" err="1" smtClean="0">
                 <a:latin typeface="微软雅黑" panose="020B0503020204020204" pitchFamily="34" charset="-122"/>
                 <a:ea typeface="微软雅黑" panose="020B0503020204020204" pitchFamily="34" charset="-122"/>
               </a:rPr>
-              <a:t>Menifest</a:t>
-            </a:r>
-            <a:r>
-              <a:rPr lang="zh-CN" altLang="en-US" sz="1800" dirty="0" smtClean="0">
-                <a:latin typeface="微软雅黑" panose="020B0503020204020204" pitchFamily="34" charset="-122"/>
-                <a:ea typeface="微软雅黑" panose="020B0503020204020204" pitchFamily="34" charset="-122"/>
-              </a:rPr>
-              <a:t>中进行注册。</a:t>
+              <a:t>Landroid</a:t>
+            </a:r>
+            <a:r>
+              <a:rPr lang="en-US" altLang="zh-CN" sz="1800" dirty="0" smtClean="0">
+                <a:latin typeface="微软雅黑" panose="020B0503020204020204" pitchFamily="34" charset="-122"/>
+                <a:ea typeface="微软雅黑" panose="020B0503020204020204" pitchFamily="34" charset="-122"/>
+              </a:rPr>
+              <a:t>/support/v7/app/</a:t>
+            </a:r>
+            <a:r>
+              <a:rPr lang="en-US" altLang="zh-CN" sz="1800" dirty="0" err="1" smtClean="0">
+                <a:latin typeface="微软雅黑" panose="020B0503020204020204" pitchFamily="34" charset="-122"/>
+                <a:ea typeface="微软雅黑" panose="020B0503020204020204" pitchFamily="34" charset="-122"/>
+              </a:rPr>
+              <a:t>AppCompatActivity</a:t>
             </a:r>
             <a:endParaRPr lang="en-US" altLang="zh-CN" sz="1800" dirty="0" smtClean="0">
+              <a:latin typeface="微软雅黑" panose="020B0503020204020204" pitchFamily="34" charset="-122"/>
+              <a:ea typeface="微软雅黑" panose="020B0503020204020204" pitchFamily="34" charset="-122"/>
+            </a:endParaRPr>
+          </a:p>
+          <a:p>
+            <a:pPr marL="0" indent="0">
+              <a:buNone/>
+            </a:pPr>
+            <a:r>
+              <a:rPr lang="en-US" altLang="zh-CN" sz="1800" dirty="0">
+                <a:latin typeface="微软雅黑" panose="020B0503020204020204" pitchFamily="34" charset="-122"/>
+                <a:ea typeface="微软雅黑" panose="020B0503020204020204" pitchFamily="34" charset="-122"/>
+              </a:rPr>
+              <a:t> </a:t>
+            </a:r>
+            <a:r>
+              <a:rPr lang="en-US" altLang="zh-CN" sz="1800" dirty="0" smtClean="0">
+                <a:latin typeface="微软雅黑" panose="020B0503020204020204" pitchFamily="34" charset="-122"/>
+                <a:ea typeface="微软雅黑" panose="020B0503020204020204" pitchFamily="34" charset="-122"/>
+              </a:rPr>
+              <a:t>    </a:t>
+            </a:r>
+            <a:r>
+              <a:rPr lang="zh-CN" altLang="en-US" sz="1800" dirty="0" smtClean="0">
+                <a:solidFill>
+                  <a:schemeClr val="tx2"/>
+                </a:solidFill>
+                <a:latin typeface="微软雅黑" panose="020B0503020204020204" pitchFamily="34" charset="-122"/>
+                <a:ea typeface="微软雅黑" panose="020B0503020204020204" pitchFamily="34" charset="-122"/>
+              </a:rPr>
+              <a:t>解：违背了</a:t>
+            </a:r>
+            <a:r>
+              <a:rPr lang="en-US" altLang="zh-CN" sz="1800" dirty="0" smtClean="0">
+                <a:solidFill>
+                  <a:schemeClr val="tx2"/>
+                </a:solidFill>
+                <a:latin typeface="微软雅黑" panose="020B0503020204020204" pitchFamily="34" charset="-122"/>
+                <a:ea typeface="微软雅黑" panose="020B0503020204020204" pitchFamily="34" charset="-122"/>
+              </a:rPr>
+              <a:t>Small</a:t>
+            </a:r>
+            <a:r>
+              <a:rPr lang="zh-CN" altLang="en-US" sz="1800" dirty="0" smtClean="0">
+                <a:solidFill>
+                  <a:schemeClr val="tx2"/>
+                </a:solidFill>
+                <a:latin typeface="微软雅黑" panose="020B0503020204020204" pitchFamily="34" charset="-122"/>
+                <a:ea typeface="微软雅黑" panose="020B0503020204020204" pitchFamily="34" charset="-122"/>
+              </a:rPr>
+              <a:t>的设计原则，一个应用相同的类的引用只有一个，所以宿主    和插件的</a:t>
+            </a:r>
+            <a:r>
+              <a:rPr lang="en-US" altLang="zh-CN" sz="1800" dirty="0" err="1" smtClean="0">
+                <a:solidFill>
+                  <a:schemeClr val="tx2"/>
+                </a:solidFill>
+                <a:latin typeface="微软雅黑" panose="020B0503020204020204" pitchFamily="34" charset="-122"/>
+                <a:ea typeface="微软雅黑" panose="020B0503020204020204" pitchFamily="34" charset="-122"/>
+              </a:rPr>
+              <a:t>AppCompat</a:t>
+            </a:r>
+            <a:r>
+              <a:rPr lang="zh-CN" altLang="en-US" sz="1800" dirty="0" smtClean="0">
+                <a:solidFill>
+                  <a:schemeClr val="tx2"/>
+                </a:solidFill>
+                <a:latin typeface="微软雅黑" panose="020B0503020204020204" pitchFamily="34" charset="-122"/>
+                <a:ea typeface="微软雅黑" panose="020B0503020204020204" pitchFamily="34" charset="-122"/>
+              </a:rPr>
+              <a:t>等引入</a:t>
+            </a:r>
+            <a:r>
+              <a:rPr lang="en-US" altLang="zh-CN" sz="1800" dirty="0" smtClean="0">
+                <a:solidFill>
+                  <a:schemeClr val="tx2"/>
+                </a:solidFill>
+                <a:latin typeface="微软雅黑" panose="020B0503020204020204" pitchFamily="34" charset="-122"/>
+                <a:ea typeface="微软雅黑" panose="020B0503020204020204" pitchFamily="34" charset="-122"/>
+              </a:rPr>
+              <a:t>support</a:t>
+            </a:r>
+            <a:r>
+              <a:rPr lang="zh-CN" altLang="en-US" sz="1800" dirty="0" smtClean="0">
+                <a:solidFill>
+                  <a:schemeClr val="tx2"/>
+                </a:solidFill>
+                <a:latin typeface="微软雅黑" panose="020B0503020204020204" pitchFamily="34" charset="-122"/>
+                <a:ea typeface="微软雅黑" panose="020B0503020204020204" pitchFamily="34" charset="-122"/>
+              </a:rPr>
+              <a:t>或者第三方项目的版本号必须相同。</a:t>
+            </a:r>
+            <a:endParaRPr lang="en-US" altLang="zh-CN" sz="1800" dirty="0" smtClean="0">
+              <a:solidFill>
+                <a:schemeClr val="tx2"/>
+              </a:solidFill>
+              <a:latin typeface="微软雅黑" panose="020B0503020204020204" pitchFamily="34" charset="-122"/>
+              <a:ea typeface="微软雅黑" panose="020B0503020204020204" pitchFamily="34" charset="-122"/>
+            </a:endParaRPr>
+          </a:p>
+          <a:p>
+            <a:r>
+              <a:rPr lang="zh-CN" altLang="en-US" sz="1800" dirty="0" smtClean="0">
+                <a:latin typeface="微软雅黑" panose="020B0503020204020204" pitchFamily="34" charset="-122"/>
+                <a:ea typeface="微软雅黑" panose="020B0503020204020204" pitchFamily="34" charset="-122"/>
+              </a:rPr>
+              <a:t>插件间可以共享资源，但是插件不能使用宿主的资源，把宿主当成一个</a:t>
+            </a:r>
+            <a:r>
+              <a:rPr lang="zh-CN" altLang="en-US" sz="1800" dirty="0" smtClean="0">
+                <a:latin typeface="微软雅黑" panose="020B0503020204020204" pitchFamily="34" charset="-122"/>
+                <a:ea typeface="微软雅黑" panose="020B0503020204020204" pitchFamily="34" charset="-122"/>
+              </a:rPr>
+              <a:t>壳子。</a:t>
+            </a:r>
+            <a:endParaRPr lang="en-US" altLang="zh-CN" sz="1800" dirty="0" smtClean="0">
+              <a:latin typeface="微软雅黑" panose="020B0503020204020204" pitchFamily="34" charset="-122"/>
+              <a:ea typeface="微软雅黑" panose="020B0503020204020204" pitchFamily="34" charset="-122"/>
+            </a:endParaRPr>
+          </a:p>
+          <a:p>
+            <a:r>
+              <a:rPr lang="en-US" altLang="zh-CN" sz="1800" dirty="0">
+                <a:latin typeface="微软雅黑" panose="020B0503020204020204" pitchFamily="34" charset="-122"/>
+                <a:ea typeface="微软雅黑" panose="020B0503020204020204" pitchFamily="34" charset="-122"/>
+              </a:rPr>
+              <a:t>Performing stop of activity that is not resumed: {</a:t>
+            </a:r>
+            <a:r>
+              <a:rPr lang="en-US" altLang="zh-CN" sz="1800" dirty="0" err="1">
+                <a:latin typeface="微软雅黑" panose="020B0503020204020204" pitchFamily="34" charset="-122"/>
+                <a:ea typeface="微软雅黑" panose="020B0503020204020204" pitchFamily="34" charset="-122"/>
+              </a:rPr>
+              <a:t>com.tiny.smallhost</a:t>
+            </a:r>
+            <a:r>
+              <a:rPr lang="en-US" altLang="zh-CN" sz="1800" dirty="0">
+                <a:latin typeface="微软雅黑" panose="020B0503020204020204" pitchFamily="34" charset="-122"/>
+                <a:ea typeface="微软雅黑" panose="020B0503020204020204" pitchFamily="34" charset="-122"/>
+              </a:rPr>
+              <a:t>/</a:t>
+            </a:r>
+            <a:r>
+              <a:rPr lang="en-US" altLang="zh-CN" sz="1800" dirty="0" err="1">
+                <a:latin typeface="微软雅黑" panose="020B0503020204020204" pitchFamily="34" charset="-122"/>
+                <a:ea typeface="微软雅黑" panose="020B0503020204020204" pitchFamily="34" charset="-122"/>
+              </a:rPr>
+              <a:t>com.tiny.smallhost.LaunchActivity</a:t>
+            </a:r>
+            <a:r>
+              <a:rPr lang="en-US" altLang="zh-CN" sz="1800" dirty="0" smtClean="0">
+                <a:latin typeface="微软雅黑" panose="020B0503020204020204" pitchFamily="34" charset="-122"/>
+                <a:ea typeface="微软雅黑" panose="020B0503020204020204" pitchFamily="34" charset="-122"/>
+              </a:rPr>
+              <a:t>}</a:t>
+            </a:r>
+          </a:p>
+          <a:p>
+            <a:pPr marL="0" indent="0">
+              <a:buNone/>
+            </a:pPr>
+            <a:r>
+              <a:rPr lang="en-US" altLang="zh-CN" sz="1800" dirty="0" smtClean="0">
+                <a:latin typeface="微软雅黑" panose="020B0503020204020204" pitchFamily="34" charset="-122"/>
+                <a:ea typeface="微软雅黑" panose="020B0503020204020204" pitchFamily="34" charset="-122"/>
+              </a:rPr>
+              <a:t>     </a:t>
+            </a:r>
+            <a:r>
+              <a:rPr lang="zh-CN" altLang="en-US" sz="1800" dirty="0" smtClean="0">
+                <a:latin typeface="微软雅黑" panose="020B0503020204020204" pitchFamily="34" charset="-122"/>
+                <a:ea typeface="微软雅黑" panose="020B0503020204020204" pitchFamily="34" charset="-122"/>
+              </a:rPr>
+              <a:t>解：这个不是坑，是在开发中应该注意的事项，在</a:t>
+            </a:r>
+            <a:r>
+              <a:rPr lang="en-US" altLang="zh-CN" sz="1800" dirty="0" err="1" smtClean="0">
+                <a:latin typeface="微软雅黑" panose="020B0503020204020204" pitchFamily="34" charset="-122"/>
+                <a:ea typeface="微软雅黑" panose="020B0503020204020204" pitchFamily="34" charset="-122"/>
+              </a:rPr>
+              <a:t>OnResume</a:t>
+            </a:r>
+            <a:r>
+              <a:rPr lang="zh-CN" altLang="en-US" sz="1800" dirty="0" smtClean="0">
+                <a:latin typeface="微软雅黑" panose="020B0503020204020204" pitchFamily="34" charset="-122"/>
+                <a:ea typeface="微软雅黑" panose="020B0503020204020204" pitchFamily="34" charset="-122"/>
+              </a:rPr>
+              <a:t>的方法中启动</a:t>
+            </a:r>
+            <a:r>
+              <a:rPr lang="en-US" altLang="zh-CN" sz="1800" dirty="0" smtClean="0">
+                <a:latin typeface="微软雅黑" panose="020B0503020204020204" pitchFamily="34" charset="-122"/>
+                <a:ea typeface="微软雅黑" panose="020B0503020204020204" pitchFamily="34" charset="-122"/>
+              </a:rPr>
+              <a:t>Activity</a:t>
+            </a:r>
+            <a:r>
+              <a:rPr lang="zh-CN" altLang="en-US" sz="1800" dirty="0" smtClean="0">
+                <a:latin typeface="微软雅黑" panose="020B0503020204020204" pitchFamily="34" charset="-122"/>
+                <a:ea typeface="微软雅黑" panose="020B0503020204020204" pitchFamily="34" charset="-122"/>
+              </a:rPr>
+              <a:t>，不要在</a:t>
+            </a:r>
+            <a:r>
+              <a:rPr lang="en-US" altLang="zh-CN" sz="1800" dirty="0" err="1" smtClean="0">
+                <a:latin typeface="微软雅黑" panose="020B0503020204020204" pitchFamily="34" charset="-122"/>
+                <a:ea typeface="微软雅黑" panose="020B0503020204020204" pitchFamily="34" charset="-122"/>
+              </a:rPr>
+              <a:t>onStart</a:t>
+            </a:r>
+            <a:r>
+              <a:rPr lang="zh-CN" altLang="en-US" sz="1800" dirty="0" smtClean="0">
+                <a:latin typeface="微软雅黑" panose="020B0503020204020204" pitchFamily="34" charset="-122"/>
+                <a:ea typeface="微软雅黑" panose="020B0503020204020204" pitchFamily="34" charset="-122"/>
+              </a:rPr>
+              <a:t>方法中启动，因为</a:t>
+            </a:r>
+            <a:r>
+              <a:rPr lang="en-US" altLang="zh-CN" sz="1800" dirty="0" err="1" smtClean="0">
+                <a:latin typeface="微软雅黑" panose="020B0503020204020204" pitchFamily="34" charset="-122"/>
+                <a:ea typeface="微软雅黑" panose="020B0503020204020204" pitchFamily="34" charset="-122"/>
+              </a:rPr>
+              <a:t>OnResume</a:t>
+            </a:r>
+            <a:r>
+              <a:rPr lang="zh-CN" altLang="en-US" sz="1800" dirty="0" smtClean="0">
+                <a:latin typeface="微软雅黑" panose="020B0503020204020204" pitchFamily="34" charset="-122"/>
+                <a:ea typeface="微软雅黑" panose="020B0503020204020204" pitchFamily="34" charset="-122"/>
+              </a:rPr>
+              <a:t>时</a:t>
+            </a:r>
+            <a:r>
+              <a:rPr lang="en-US" altLang="zh-CN" sz="1800" dirty="0" smtClean="0">
+                <a:latin typeface="微软雅黑" panose="020B0503020204020204" pitchFamily="34" charset="-122"/>
+                <a:ea typeface="微软雅黑" panose="020B0503020204020204" pitchFamily="34" charset="-122"/>
+              </a:rPr>
+              <a:t>Activity</a:t>
+            </a:r>
+            <a:r>
+              <a:rPr lang="zh-CN" altLang="en-US" sz="1800" dirty="0" smtClean="0">
+                <a:latin typeface="微软雅黑" panose="020B0503020204020204" pitchFamily="34" charset="-122"/>
+                <a:ea typeface="微软雅黑" panose="020B0503020204020204" pitchFamily="34" charset="-122"/>
+              </a:rPr>
+              <a:t>才处于可见状态，而</a:t>
+            </a:r>
+            <a:r>
+              <a:rPr lang="en-US" altLang="zh-CN" sz="1800" dirty="0" err="1" smtClean="0">
+                <a:latin typeface="微软雅黑" panose="020B0503020204020204" pitchFamily="34" charset="-122"/>
+                <a:ea typeface="微软雅黑" panose="020B0503020204020204" pitchFamily="34" charset="-122"/>
+              </a:rPr>
+              <a:t>onStart</a:t>
+            </a:r>
+            <a:r>
+              <a:rPr lang="zh-CN" altLang="en-US" sz="1800" dirty="0" smtClean="0">
+                <a:latin typeface="微软雅黑" panose="020B0503020204020204" pitchFamily="34" charset="-122"/>
+                <a:ea typeface="微软雅黑" panose="020B0503020204020204" pitchFamily="34" charset="-122"/>
+              </a:rPr>
+              <a:t>时</a:t>
+            </a:r>
+            <a:r>
+              <a:rPr lang="en-US" altLang="zh-CN" sz="1800" dirty="0" smtClean="0">
+                <a:latin typeface="微软雅黑" panose="020B0503020204020204" pitchFamily="34" charset="-122"/>
+                <a:ea typeface="微软雅黑" panose="020B0503020204020204" pitchFamily="34" charset="-122"/>
+              </a:rPr>
+              <a:t>Activity</a:t>
+            </a:r>
+            <a:r>
+              <a:rPr lang="zh-CN" altLang="en-US" sz="1800" smtClean="0">
+                <a:latin typeface="微软雅黑" panose="020B0503020204020204" pitchFamily="34" charset="-122"/>
+                <a:ea typeface="微软雅黑" panose="020B0503020204020204" pitchFamily="34" charset="-122"/>
+              </a:rPr>
+              <a:t>是活动状态，不可见。</a:t>
+            </a:r>
+            <a:endParaRPr lang="en-US" altLang="zh-CN" sz="1800" dirty="0">
               <a:latin typeface="微软雅黑" panose="020B0503020204020204" pitchFamily="34" charset="-122"/>
               <a:ea typeface="微软雅黑" panose="020B0503020204020204" pitchFamily="34" charset="-122"/>
             </a:endParaRPr>
@@ -4405,516 +4806,106 @@
         </p:nvSpPr>
         <p:spPr/>
         <p:txBody>
-          <a:bodyPr/>
-          <a:lstStyle/>
-          <a:p>
-            <a:r>
-              <a:rPr lang="en-US" altLang="zh-CN" dirty="0" smtClean="0"/>
-              <a:t>Droid Plugin --360 </a:t>
-            </a:r>
-            <a:endParaRPr lang="zh-CN" altLang="en-US" dirty="0"/>
-          </a:p>
-        </p:txBody>
-      </p:sp>
-      <p:sp>
-        <p:nvSpPr>
-          <p:cNvPr id="3" name="内容占位符 2"/>
-          <p:cNvSpPr>
-            <a:spLocks noGrp="1"/>
-          </p:cNvSpPr>
-          <p:nvPr>
-            <p:ph idx="1"/>
-          </p:nvPr>
-        </p:nvSpPr>
-        <p:spPr>
-          <a:xfrm>
-            <a:off x="457200" y="1600200"/>
-            <a:ext cx="8229600" cy="4781128"/>
-          </a:xfrm>
-        </p:spPr>
-        <p:txBody>
           <a:bodyPr>
-            <a:normAutofit fontScale="55000" lnSpcReduction="20000"/>
+            <a:normAutofit/>
           </a:bodyPr>
           <a:lstStyle/>
           <a:p>
-            <a:pPr marL="0" indent="0">
-              <a:buNone/>
-            </a:pPr>
-            <a:r>
-              <a:rPr lang="zh-CN" altLang="en-US" b="1" dirty="0" smtClean="0">
-                <a:latin typeface="微软雅黑" panose="020B0503020204020204" pitchFamily="34" charset="-122"/>
-                <a:ea typeface="微软雅黑" panose="020B0503020204020204" pitchFamily="34" charset="-122"/>
-              </a:rPr>
-              <a:t>特点：</a:t>
-            </a:r>
-            <a:r>
-              <a:rPr lang="zh-CN" altLang="en-US" dirty="0">
-                <a:latin typeface="微软雅黑" panose="020B0503020204020204" pitchFamily="34" charset="-122"/>
-                <a:ea typeface="微软雅黑" panose="020B0503020204020204" pitchFamily="34" charset="-122"/>
-              </a:rPr>
-              <a:t> </a:t>
-            </a:r>
-            <a:endParaRPr lang="en-US" altLang="zh-CN" dirty="0" smtClean="0">
+            <a:r>
+              <a:rPr lang="zh-CN" altLang="en-US" dirty="0" smtClean="0"/>
+              <a:t>做插件化框架要解决的核心问题</a:t>
+            </a:r>
+            <a:endParaRPr lang="zh-CN" altLang="en-US" dirty="0"/>
+          </a:p>
+        </p:txBody>
+      </p:sp>
+      <p:sp>
+        <p:nvSpPr>
+          <p:cNvPr id="3" name="内容占位符 2"/>
+          <p:cNvSpPr>
+            <a:spLocks noGrp="1"/>
+          </p:cNvSpPr>
+          <p:nvPr>
+            <p:ph idx="1"/>
+          </p:nvPr>
+        </p:nvSpPr>
+        <p:spPr/>
+        <p:txBody>
+          <a:bodyPr>
+            <a:normAutofit/>
+          </a:bodyPr>
+          <a:lstStyle/>
+          <a:p>
+            <a:r>
+              <a:rPr lang="zh-CN" altLang="en-US" sz="1800" dirty="0" smtClean="0">
+                <a:latin typeface="微软雅黑" panose="020B0503020204020204" pitchFamily="34" charset="-122"/>
+                <a:ea typeface="微软雅黑" panose="020B0503020204020204" pitchFamily="34" charset="-122"/>
+              </a:rPr>
+              <a:t>插件类的加载</a:t>
+            </a:r>
+            <a:endParaRPr lang="en-US" altLang="zh-CN" sz="1800" dirty="0" smtClean="0">
               <a:latin typeface="微软雅黑" panose="020B0503020204020204" pitchFamily="34" charset="-122"/>
               <a:ea typeface="微软雅黑" panose="020B0503020204020204" pitchFamily="34" charset="-122"/>
             </a:endParaRPr>
           </a:p>
           <a:p>
-            <a:pPr marL="514350" indent="-514350">
-              <a:buFont typeface="+mj-lt"/>
-              <a:buAutoNum type="arabicPeriod"/>
-            </a:pPr>
-            <a:r>
-              <a:rPr lang="zh-CN" altLang="en-US" dirty="0" smtClean="0">
-                <a:latin typeface="微软雅黑" panose="020B0503020204020204" pitchFamily="34" charset="-122"/>
-                <a:ea typeface="微软雅黑" panose="020B0503020204020204" pitchFamily="34" charset="-122"/>
-              </a:rPr>
-              <a:t>支持</a:t>
-            </a:r>
-            <a:r>
-              <a:rPr lang="en-US" altLang="zh-CN" dirty="0" err="1">
-                <a:latin typeface="微软雅黑" panose="020B0503020204020204" pitchFamily="34" charset="-122"/>
-                <a:ea typeface="微软雅黑" panose="020B0503020204020204" pitchFamily="34" charset="-122"/>
-              </a:rPr>
-              <a:t>Androd</a:t>
-            </a:r>
-            <a:r>
-              <a:rPr lang="en-US" altLang="zh-CN" dirty="0">
-                <a:latin typeface="微软雅黑" panose="020B0503020204020204" pitchFamily="34" charset="-122"/>
-                <a:ea typeface="微软雅黑" panose="020B0503020204020204" pitchFamily="34" charset="-122"/>
-              </a:rPr>
-              <a:t> 2.3</a:t>
-            </a:r>
-            <a:r>
-              <a:rPr lang="zh-CN" altLang="en-US" dirty="0">
-                <a:latin typeface="微软雅黑" panose="020B0503020204020204" pitchFamily="34" charset="-122"/>
-                <a:ea typeface="微软雅黑" panose="020B0503020204020204" pitchFamily="34" charset="-122"/>
-              </a:rPr>
-              <a:t>以上系统 </a:t>
-            </a:r>
-            <a:endParaRPr lang="en-US" altLang="zh-CN" dirty="0" smtClean="0">
+            <a:r>
+              <a:rPr lang="zh-CN" altLang="en-US" sz="1800" dirty="0" smtClean="0">
+                <a:latin typeface="微软雅黑" panose="020B0503020204020204" pitchFamily="34" charset="-122"/>
+                <a:ea typeface="微软雅黑" panose="020B0503020204020204" pitchFamily="34" charset="-122"/>
+              </a:rPr>
+              <a:t>插件资源的处理</a:t>
+            </a:r>
+            <a:endParaRPr lang="en-US" altLang="zh-CN" sz="1800" dirty="0" smtClean="0">
               <a:latin typeface="微软雅黑" panose="020B0503020204020204" pitchFamily="34" charset="-122"/>
               <a:ea typeface="微软雅黑" panose="020B0503020204020204" pitchFamily="34" charset="-122"/>
             </a:endParaRPr>
           </a:p>
           <a:p>
-            <a:pPr marL="514350" indent="-514350">
-              <a:buFont typeface="+mj-lt"/>
-              <a:buAutoNum type="arabicPeriod"/>
-            </a:pPr>
-            <a:r>
-              <a:rPr lang="zh-CN" altLang="en-US" dirty="0" smtClean="0">
-                <a:latin typeface="微软雅黑" panose="020B0503020204020204" pitchFamily="34" charset="-122"/>
-                <a:ea typeface="微软雅黑" panose="020B0503020204020204" pitchFamily="34" charset="-122"/>
-              </a:rPr>
-              <a:t>插件</a:t>
-            </a:r>
-            <a:r>
-              <a:rPr lang="en-US" altLang="zh-CN" dirty="0">
-                <a:latin typeface="微软雅黑" panose="020B0503020204020204" pitchFamily="34" charset="-122"/>
-                <a:ea typeface="微软雅黑" panose="020B0503020204020204" pitchFamily="34" charset="-122"/>
-              </a:rPr>
-              <a:t>APK</a:t>
-            </a:r>
-            <a:r>
-              <a:rPr lang="zh-CN" altLang="en-US" dirty="0">
-                <a:latin typeface="微软雅黑" panose="020B0503020204020204" pitchFamily="34" charset="-122"/>
-                <a:ea typeface="微软雅黑" panose="020B0503020204020204" pitchFamily="34" charset="-122"/>
-              </a:rPr>
-              <a:t>完全不需做任何修改，可以独立安装运行、也可以做插件运行。要以插件模式运行某个</a:t>
-            </a:r>
-            <a:r>
-              <a:rPr lang="en-US" altLang="zh-CN" dirty="0">
-                <a:latin typeface="微软雅黑" panose="020B0503020204020204" pitchFamily="34" charset="-122"/>
-                <a:ea typeface="微软雅黑" panose="020B0503020204020204" pitchFamily="34" charset="-122"/>
-              </a:rPr>
-              <a:t>APK</a:t>
-            </a:r>
-            <a:r>
-              <a:rPr lang="zh-CN" altLang="en-US" dirty="0">
-                <a:latin typeface="微软雅黑" panose="020B0503020204020204" pitchFamily="34" charset="-122"/>
-                <a:ea typeface="微软雅黑" panose="020B0503020204020204" pitchFamily="34" charset="-122"/>
-              </a:rPr>
-              <a:t>，你无需重新编译、无需知道其源码</a:t>
-            </a:r>
-            <a:r>
-              <a:rPr lang="zh-CN" altLang="en-US" dirty="0" smtClean="0">
-                <a:latin typeface="微软雅黑" panose="020B0503020204020204" pitchFamily="34" charset="-122"/>
-                <a:ea typeface="微软雅黑" panose="020B0503020204020204" pitchFamily="34" charset="-122"/>
-              </a:rPr>
-              <a:t>。</a:t>
-            </a:r>
-            <a:endParaRPr lang="en-US" altLang="zh-CN" dirty="0" smtClean="0">
+            <a:r>
+              <a:rPr lang="en-US" altLang="zh-CN" sz="1800" dirty="0" smtClean="0">
+                <a:latin typeface="微软雅黑" panose="020B0503020204020204" pitchFamily="34" charset="-122"/>
+                <a:ea typeface="微软雅黑" panose="020B0503020204020204" pitchFamily="34" charset="-122"/>
+              </a:rPr>
+              <a:t>Activity</a:t>
+            </a:r>
+            <a:r>
+              <a:rPr lang="zh-CN" altLang="en-US" sz="1800" dirty="0" smtClean="0">
+                <a:latin typeface="微软雅黑" panose="020B0503020204020204" pitchFamily="34" charset="-122"/>
+                <a:ea typeface="微软雅黑" panose="020B0503020204020204" pitchFamily="34" charset="-122"/>
+              </a:rPr>
+              <a:t>的注册和生命周期的问题</a:t>
+            </a:r>
+            <a:endParaRPr lang="en-US" altLang="zh-CN" sz="1800" dirty="0" smtClean="0">
               <a:latin typeface="微软雅黑" panose="020B0503020204020204" pitchFamily="34" charset="-122"/>
               <a:ea typeface="微软雅黑" panose="020B0503020204020204" pitchFamily="34" charset="-122"/>
             </a:endParaRPr>
           </a:p>
           <a:p>
-            <a:pPr marL="514350" indent="-514350">
-              <a:buFont typeface="+mj-lt"/>
-              <a:buAutoNum type="arabicPeriod"/>
-            </a:pPr>
-            <a:r>
-              <a:rPr lang="zh-CN" altLang="en-US" dirty="0" smtClean="0">
-                <a:latin typeface="微软雅黑" panose="020B0503020204020204" pitchFamily="34" charset="-122"/>
-                <a:ea typeface="微软雅黑" panose="020B0503020204020204" pitchFamily="34" charset="-122"/>
-              </a:rPr>
-              <a:t>插件</a:t>
-            </a:r>
-            <a:r>
-              <a:rPr lang="zh-CN" altLang="en-US" dirty="0">
-                <a:latin typeface="微软雅黑" panose="020B0503020204020204" pitchFamily="34" charset="-122"/>
-                <a:ea typeface="微软雅黑" panose="020B0503020204020204" pitchFamily="34" charset="-122"/>
-              </a:rPr>
-              <a:t>的四大组件完全不需要在</a:t>
-            </a:r>
-            <a:r>
-              <a:rPr lang="en-US" altLang="zh-CN" dirty="0">
-                <a:latin typeface="微软雅黑" panose="020B0503020204020204" pitchFamily="34" charset="-122"/>
-                <a:ea typeface="微软雅黑" panose="020B0503020204020204" pitchFamily="34" charset="-122"/>
-              </a:rPr>
-              <a:t>Host</a:t>
-            </a:r>
-            <a:r>
-              <a:rPr lang="zh-CN" altLang="en-US" dirty="0">
-                <a:latin typeface="微软雅黑" panose="020B0503020204020204" pitchFamily="34" charset="-122"/>
-                <a:ea typeface="微软雅黑" panose="020B0503020204020204" pitchFamily="34" charset="-122"/>
-              </a:rPr>
-              <a:t>程序中注册，支持</a:t>
-            </a:r>
-            <a:r>
-              <a:rPr lang="en-US" altLang="zh-CN" dirty="0">
-                <a:latin typeface="微软雅黑" panose="020B0503020204020204" pitchFamily="34" charset="-122"/>
-                <a:ea typeface="微软雅黑" panose="020B0503020204020204" pitchFamily="34" charset="-122"/>
-              </a:rPr>
-              <a:t>Service</a:t>
-            </a:r>
-            <a:r>
-              <a:rPr lang="zh-CN" altLang="en-US" dirty="0">
-                <a:latin typeface="微软雅黑" panose="020B0503020204020204" pitchFamily="34" charset="-122"/>
-                <a:ea typeface="微软雅黑" panose="020B0503020204020204" pitchFamily="34" charset="-122"/>
-              </a:rPr>
-              <a:t>、</a:t>
-            </a:r>
-            <a:r>
-              <a:rPr lang="en-US" altLang="zh-CN" dirty="0">
-                <a:latin typeface="微软雅黑" panose="020B0503020204020204" pitchFamily="34" charset="-122"/>
-                <a:ea typeface="微软雅黑" panose="020B0503020204020204" pitchFamily="34" charset="-122"/>
-              </a:rPr>
-              <a:t>Activity</a:t>
-            </a:r>
-            <a:r>
-              <a:rPr lang="zh-CN" altLang="en-US" dirty="0">
-                <a:latin typeface="微软雅黑" panose="020B0503020204020204" pitchFamily="34" charset="-122"/>
-                <a:ea typeface="微软雅黑" panose="020B0503020204020204" pitchFamily="34" charset="-122"/>
-              </a:rPr>
-              <a:t>、</a:t>
-            </a:r>
-            <a:r>
-              <a:rPr lang="en-US" altLang="zh-CN" dirty="0" err="1">
-                <a:latin typeface="微软雅黑" panose="020B0503020204020204" pitchFamily="34" charset="-122"/>
-                <a:ea typeface="微软雅黑" panose="020B0503020204020204" pitchFamily="34" charset="-122"/>
-              </a:rPr>
-              <a:t>BroadcastReceiver</a:t>
-            </a:r>
-            <a:r>
-              <a:rPr lang="zh-CN" altLang="en-US" dirty="0">
-                <a:latin typeface="微软雅黑" panose="020B0503020204020204" pitchFamily="34" charset="-122"/>
-                <a:ea typeface="微软雅黑" panose="020B0503020204020204" pitchFamily="34" charset="-122"/>
-              </a:rPr>
-              <a:t>、</a:t>
-            </a:r>
-            <a:r>
-              <a:rPr lang="en-US" altLang="zh-CN" dirty="0" err="1">
-                <a:latin typeface="微软雅黑" panose="020B0503020204020204" pitchFamily="34" charset="-122"/>
-                <a:ea typeface="微软雅黑" panose="020B0503020204020204" pitchFamily="34" charset="-122"/>
-              </a:rPr>
-              <a:t>ContentProvider</a:t>
-            </a:r>
-            <a:r>
-              <a:rPr lang="zh-CN" altLang="en-US" dirty="0">
-                <a:latin typeface="微软雅黑" panose="020B0503020204020204" pitchFamily="34" charset="-122"/>
-                <a:ea typeface="微软雅黑" panose="020B0503020204020204" pitchFamily="34" charset="-122"/>
-              </a:rPr>
-              <a:t>四大组件 </a:t>
-            </a:r>
-            <a:endParaRPr lang="en-US" altLang="zh-CN" dirty="0" smtClean="0">
+            <a:r>
+              <a:rPr lang="zh-CN" altLang="en-US" sz="1800" dirty="0" smtClean="0">
+                <a:latin typeface="微软雅黑" panose="020B0503020204020204" pitchFamily="34" charset="-122"/>
+                <a:ea typeface="微软雅黑" panose="020B0503020204020204" pitchFamily="34" charset="-122"/>
+              </a:rPr>
+              <a:t>页面跳转和参数传递</a:t>
+            </a:r>
+            <a:endParaRPr lang="en-US" altLang="zh-CN" sz="1800" smtClean="0">
               <a:latin typeface="微软雅黑" panose="020B0503020204020204" pitchFamily="34" charset="-122"/>
               <a:ea typeface="微软雅黑" panose="020B0503020204020204" pitchFamily="34" charset="-122"/>
             </a:endParaRPr>
           </a:p>
           <a:p>
-            <a:pPr marL="514350" indent="-514350">
-              <a:buFont typeface="+mj-lt"/>
-              <a:buAutoNum type="arabicPeriod"/>
-            </a:pPr>
-            <a:r>
-              <a:rPr lang="zh-CN" altLang="en-US" dirty="0" smtClean="0">
-                <a:latin typeface="微软雅黑" panose="020B0503020204020204" pitchFamily="34" charset="-122"/>
-                <a:ea typeface="微软雅黑" panose="020B0503020204020204" pitchFamily="34" charset="-122"/>
-              </a:rPr>
-              <a:t>插件</a:t>
-            </a:r>
-            <a:r>
-              <a:rPr lang="zh-CN" altLang="en-US" dirty="0">
-                <a:latin typeface="微软雅黑" panose="020B0503020204020204" pitchFamily="34" charset="-122"/>
-                <a:ea typeface="微软雅黑" panose="020B0503020204020204" pitchFamily="34" charset="-122"/>
-              </a:rPr>
-              <a:t>之间、</a:t>
-            </a:r>
-            <a:r>
-              <a:rPr lang="en-US" altLang="zh-CN" dirty="0">
-                <a:latin typeface="微软雅黑" panose="020B0503020204020204" pitchFamily="34" charset="-122"/>
-                <a:ea typeface="微软雅黑" panose="020B0503020204020204" pitchFamily="34" charset="-122"/>
-              </a:rPr>
-              <a:t>Host</a:t>
-            </a:r>
-            <a:r>
-              <a:rPr lang="zh-CN" altLang="en-US" dirty="0">
-                <a:latin typeface="微软雅黑" panose="020B0503020204020204" pitchFamily="34" charset="-122"/>
-                <a:ea typeface="微软雅黑" panose="020B0503020204020204" pitchFamily="34" charset="-122"/>
-              </a:rPr>
-              <a:t>程序与插件之间会互相认为对方已经”安装”在系统上了。 </a:t>
-            </a:r>
-            <a:endParaRPr lang="en-US" altLang="zh-CN" dirty="0" smtClean="0">
+            <a:endParaRPr lang="en-US" altLang="zh-CN" sz="1800" dirty="0" smtClean="0">
               <a:latin typeface="微软雅黑" panose="020B0503020204020204" pitchFamily="34" charset="-122"/>
               <a:ea typeface="微软雅黑" panose="020B0503020204020204" pitchFamily="34" charset="-122"/>
             </a:endParaRPr>
           </a:p>
-          <a:p>
-            <a:pPr marL="514350" indent="-514350">
-              <a:buFont typeface="+mj-lt"/>
-              <a:buAutoNum type="arabicPeriod"/>
-            </a:pPr>
-            <a:r>
-              <a:rPr lang="en-US" altLang="zh-CN" dirty="0" smtClean="0">
-                <a:latin typeface="微软雅黑" panose="020B0503020204020204" pitchFamily="34" charset="-122"/>
-                <a:ea typeface="微软雅黑" panose="020B0503020204020204" pitchFamily="34" charset="-122"/>
-              </a:rPr>
-              <a:t>API</a:t>
-            </a:r>
-            <a:r>
-              <a:rPr lang="zh-CN" altLang="en-US" dirty="0">
-                <a:latin typeface="微软雅黑" panose="020B0503020204020204" pitchFamily="34" charset="-122"/>
-                <a:ea typeface="微软雅黑" panose="020B0503020204020204" pitchFamily="34" charset="-122"/>
-              </a:rPr>
-              <a:t>低侵入性：极少的</a:t>
-            </a:r>
-            <a:r>
-              <a:rPr lang="en-US" altLang="zh-CN" dirty="0">
-                <a:latin typeface="微软雅黑" panose="020B0503020204020204" pitchFamily="34" charset="-122"/>
-                <a:ea typeface="微软雅黑" panose="020B0503020204020204" pitchFamily="34" charset="-122"/>
-              </a:rPr>
-              <a:t>API</a:t>
-            </a:r>
-            <a:r>
-              <a:rPr lang="zh-CN" altLang="en-US" dirty="0">
-                <a:latin typeface="微软雅黑" panose="020B0503020204020204" pitchFamily="34" charset="-122"/>
-                <a:ea typeface="微软雅黑" panose="020B0503020204020204" pitchFamily="34" charset="-122"/>
-              </a:rPr>
-              <a:t>。</a:t>
-            </a:r>
-            <a:r>
-              <a:rPr lang="en-US" altLang="zh-CN" dirty="0">
-                <a:latin typeface="微软雅黑" panose="020B0503020204020204" pitchFamily="34" charset="-122"/>
-                <a:ea typeface="微软雅黑" panose="020B0503020204020204" pitchFamily="34" charset="-122"/>
-              </a:rPr>
-              <a:t>HOST</a:t>
-            </a:r>
-            <a:r>
-              <a:rPr lang="zh-CN" altLang="en-US" dirty="0">
-                <a:latin typeface="微软雅黑" panose="020B0503020204020204" pitchFamily="34" charset="-122"/>
-                <a:ea typeface="微软雅黑" panose="020B0503020204020204" pitchFamily="34" charset="-122"/>
-              </a:rPr>
-              <a:t>程序只是需要一行代码即可集成</a:t>
-            </a:r>
-            <a:r>
-              <a:rPr lang="en-US" altLang="zh-CN" dirty="0">
-                <a:latin typeface="微软雅黑" panose="020B0503020204020204" pitchFamily="34" charset="-122"/>
-                <a:ea typeface="微软雅黑" panose="020B0503020204020204" pitchFamily="34" charset="-122"/>
-              </a:rPr>
-              <a:t>Droid Plugin </a:t>
-            </a:r>
-            <a:endParaRPr lang="en-US" altLang="zh-CN" dirty="0" smtClean="0">
-              <a:latin typeface="微软雅黑" panose="020B0503020204020204" pitchFamily="34" charset="-122"/>
-              <a:ea typeface="微软雅黑" panose="020B0503020204020204" pitchFamily="34" charset="-122"/>
-            </a:endParaRPr>
-          </a:p>
-          <a:p>
-            <a:pPr marL="514350" indent="-514350">
-              <a:buFont typeface="+mj-lt"/>
-              <a:buAutoNum type="arabicPeriod"/>
-            </a:pPr>
-            <a:r>
-              <a:rPr lang="zh-CN" altLang="en-US" dirty="0" smtClean="0">
-                <a:latin typeface="微软雅黑" panose="020B0503020204020204" pitchFamily="34" charset="-122"/>
-                <a:ea typeface="微软雅黑" panose="020B0503020204020204" pitchFamily="34" charset="-122"/>
-              </a:rPr>
-              <a:t>超</a:t>
-            </a:r>
-            <a:r>
-              <a:rPr lang="zh-CN" altLang="en-US" dirty="0">
-                <a:latin typeface="微软雅黑" panose="020B0503020204020204" pitchFamily="34" charset="-122"/>
-                <a:ea typeface="微软雅黑" panose="020B0503020204020204" pitchFamily="34" charset="-122"/>
-              </a:rPr>
-              <a:t>强隔离：插件之间、插件与</a:t>
-            </a:r>
-            <a:r>
-              <a:rPr lang="en-US" altLang="zh-CN" dirty="0">
-                <a:latin typeface="微软雅黑" panose="020B0503020204020204" pitchFamily="34" charset="-122"/>
-                <a:ea typeface="微软雅黑" panose="020B0503020204020204" pitchFamily="34" charset="-122"/>
-              </a:rPr>
-              <a:t>Host</a:t>
-            </a:r>
-            <a:r>
-              <a:rPr lang="zh-CN" altLang="en-US" dirty="0">
-                <a:latin typeface="微软雅黑" panose="020B0503020204020204" pitchFamily="34" charset="-122"/>
-                <a:ea typeface="微软雅黑" panose="020B0503020204020204" pitchFamily="34" charset="-122"/>
-              </a:rPr>
-              <a:t>之间完全的代码级别的隔离：不能互相调用对方的代码。通讯只能使用</a:t>
-            </a:r>
-            <a:r>
-              <a:rPr lang="en-US" altLang="zh-CN" dirty="0">
-                <a:latin typeface="微软雅黑" panose="020B0503020204020204" pitchFamily="34" charset="-122"/>
-                <a:ea typeface="微软雅黑" panose="020B0503020204020204" pitchFamily="34" charset="-122"/>
-              </a:rPr>
-              <a:t>Android</a:t>
-            </a:r>
-            <a:r>
-              <a:rPr lang="zh-CN" altLang="en-US" dirty="0">
-                <a:latin typeface="微软雅黑" panose="020B0503020204020204" pitchFamily="34" charset="-122"/>
-                <a:ea typeface="微软雅黑" panose="020B0503020204020204" pitchFamily="34" charset="-122"/>
-              </a:rPr>
-              <a:t>系统级别的通讯方法。 </a:t>
-            </a:r>
-            <a:endParaRPr lang="en-US" altLang="zh-CN" dirty="0" smtClean="0">
-              <a:latin typeface="微软雅黑" panose="020B0503020204020204" pitchFamily="34" charset="-122"/>
-              <a:ea typeface="微软雅黑" panose="020B0503020204020204" pitchFamily="34" charset="-122"/>
-            </a:endParaRPr>
-          </a:p>
-          <a:p>
-            <a:pPr marL="514350" indent="-514350">
-              <a:buFont typeface="+mj-lt"/>
-              <a:buAutoNum type="arabicPeriod"/>
-            </a:pPr>
-            <a:r>
-              <a:rPr lang="zh-CN" altLang="en-US" dirty="0" smtClean="0">
-                <a:latin typeface="微软雅黑" panose="020B0503020204020204" pitchFamily="34" charset="-122"/>
-                <a:ea typeface="微软雅黑" panose="020B0503020204020204" pitchFamily="34" charset="-122"/>
-              </a:rPr>
-              <a:t>支持</a:t>
-            </a:r>
-            <a:r>
-              <a:rPr lang="zh-CN" altLang="en-US" dirty="0">
-                <a:latin typeface="微软雅黑" panose="020B0503020204020204" pitchFamily="34" charset="-122"/>
-                <a:ea typeface="微软雅黑" panose="020B0503020204020204" pitchFamily="34" charset="-122"/>
-              </a:rPr>
-              <a:t>所有系统</a:t>
-            </a:r>
-            <a:r>
-              <a:rPr lang="en-US" altLang="zh-CN" dirty="0">
-                <a:latin typeface="微软雅黑" panose="020B0503020204020204" pitchFamily="34" charset="-122"/>
-                <a:ea typeface="微软雅黑" panose="020B0503020204020204" pitchFamily="34" charset="-122"/>
-              </a:rPr>
-              <a:t>API </a:t>
-            </a:r>
-            <a:endParaRPr lang="en-US" altLang="zh-CN" dirty="0" smtClean="0">
-              <a:latin typeface="微软雅黑" panose="020B0503020204020204" pitchFamily="34" charset="-122"/>
-              <a:ea typeface="微软雅黑" panose="020B0503020204020204" pitchFamily="34" charset="-122"/>
-            </a:endParaRPr>
-          </a:p>
-          <a:p>
-            <a:pPr marL="514350" indent="-514350">
-              <a:buFont typeface="+mj-lt"/>
-              <a:buAutoNum type="arabicPeriod"/>
-            </a:pPr>
-            <a:r>
-              <a:rPr lang="zh-CN" altLang="en-US" dirty="0" smtClean="0">
-                <a:latin typeface="微软雅黑" panose="020B0503020204020204" pitchFamily="34" charset="-122"/>
-                <a:ea typeface="微软雅黑" panose="020B0503020204020204" pitchFamily="34" charset="-122"/>
-              </a:rPr>
-              <a:t>资源</a:t>
-            </a:r>
-            <a:r>
-              <a:rPr lang="zh-CN" altLang="en-US" dirty="0">
-                <a:latin typeface="微软雅黑" panose="020B0503020204020204" pitchFamily="34" charset="-122"/>
-                <a:ea typeface="微软雅黑" panose="020B0503020204020204" pitchFamily="34" charset="-122"/>
-              </a:rPr>
-              <a:t>完全隔离：插件之间、与</a:t>
-            </a:r>
-            <a:r>
-              <a:rPr lang="en-US" altLang="zh-CN" dirty="0">
-                <a:latin typeface="微软雅黑" panose="020B0503020204020204" pitchFamily="34" charset="-122"/>
-                <a:ea typeface="微软雅黑" panose="020B0503020204020204" pitchFamily="34" charset="-122"/>
-              </a:rPr>
-              <a:t>Host</a:t>
-            </a:r>
-            <a:r>
-              <a:rPr lang="zh-CN" altLang="en-US" dirty="0">
-                <a:latin typeface="微软雅黑" panose="020B0503020204020204" pitchFamily="34" charset="-122"/>
-                <a:ea typeface="微软雅黑" panose="020B0503020204020204" pitchFamily="34" charset="-122"/>
-              </a:rPr>
-              <a:t>之间实现了资源完全隔离，不会出现资源窜用的情况。 </a:t>
-            </a:r>
-            <a:endParaRPr lang="en-US" altLang="zh-CN" dirty="0" smtClean="0">
-              <a:latin typeface="微软雅黑" panose="020B0503020204020204" pitchFamily="34" charset="-122"/>
-              <a:ea typeface="微软雅黑" panose="020B0503020204020204" pitchFamily="34" charset="-122"/>
-            </a:endParaRPr>
-          </a:p>
-          <a:p>
-            <a:pPr marL="514350" indent="-514350">
-              <a:buFont typeface="+mj-lt"/>
-              <a:buAutoNum type="arabicPeriod"/>
-            </a:pPr>
-            <a:r>
-              <a:rPr lang="zh-CN" altLang="en-US" dirty="0" smtClean="0">
-                <a:latin typeface="微软雅黑" panose="020B0503020204020204" pitchFamily="34" charset="-122"/>
-                <a:ea typeface="微软雅黑" panose="020B0503020204020204" pitchFamily="34" charset="-122"/>
-              </a:rPr>
-              <a:t>实现</a:t>
-            </a:r>
-            <a:r>
-              <a:rPr lang="zh-CN" altLang="en-US" dirty="0">
-                <a:latin typeface="微软雅黑" panose="020B0503020204020204" pitchFamily="34" charset="-122"/>
-                <a:ea typeface="微软雅黑" panose="020B0503020204020204" pitchFamily="34" charset="-122"/>
-              </a:rPr>
-              <a:t>了进程管理，插件的空进程会被及时回收，占用内存低。 </a:t>
-            </a:r>
-            <a:endParaRPr lang="en-US" altLang="zh-CN" dirty="0" smtClean="0">
-              <a:latin typeface="微软雅黑" panose="020B0503020204020204" pitchFamily="34" charset="-122"/>
-              <a:ea typeface="微软雅黑" panose="020B0503020204020204" pitchFamily="34" charset="-122"/>
-            </a:endParaRPr>
-          </a:p>
-          <a:p>
-            <a:pPr marL="514350" indent="-514350">
-              <a:buFont typeface="+mj-lt"/>
-              <a:buAutoNum type="arabicPeriod"/>
-            </a:pPr>
-            <a:r>
-              <a:rPr lang="zh-CN" altLang="en-US" dirty="0" smtClean="0">
-                <a:latin typeface="微软雅黑" panose="020B0503020204020204" pitchFamily="34" charset="-122"/>
-                <a:ea typeface="微软雅黑" panose="020B0503020204020204" pitchFamily="34" charset="-122"/>
-              </a:rPr>
-              <a:t>插件</a:t>
-            </a:r>
-            <a:r>
-              <a:rPr lang="zh-CN" altLang="en-US" dirty="0">
-                <a:latin typeface="微软雅黑" panose="020B0503020204020204" pitchFamily="34" charset="-122"/>
-                <a:ea typeface="微软雅黑" panose="020B0503020204020204" pitchFamily="34" charset="-122"/>
-              </a:rPr>
-              <a:t>的静态广播会被当作动态处理，如果插件没有运行（即没有插件进程运行），其静态广播也永远不会被触发。</a:t>
-            </a:r>
-          </a:p>
-          <a:p>
-            <a:endParaRPr lang="zh-CN" altLang="en-US" dirty="0"/>
-          </a:p>
         </p:txBody>
       </p:sp>
     </p:spTree>
     <p:extLst>
       <p:ext uri="{BB962C8B-B14F-4D97-AF65-F5344CB8AC3E}">
-        <p14:creationId xmlns:p14="http://schemas.microsoft.com/office/powerpoint/2010/main" val="1085413739"/>
+        <p14:creationId xmlns:p14="http://schemas.microsoft.com/office/powerpoint/2010/main" val="3436006570"/>
       </p:ext>
     </p:extLst>
   </p:cSld>
@@ -4950,6 +4941,29 @@
       </p:grpSpPr>
       <p:sp>
         <p:nvSpPr>
+          <p:cNvPr id="2" name="标题 1"/>
+          <p:cNvSpPr>
+            <a:spLocks noGrp="1"/>
+          </p:cNvSpPr>
+          <p:nvPr>
+            <p:ph type="title"/>
+          </p:nvPr>
+        </p:nvSpPr>
+        <p:spPr/>
+        <p:txBody>
+          <a:bodyPr/>
+          <a:lstStyle/>
+          <a:p>
+            <a:r>
+              <a:rPr lang="en-US" altLang="zh-CN" dirty="0" smtClean="0"/>
+              <a:t>Droid Plugin --360 </a:t>
+            </a:r>
+            <a:endParaRPr lang="zh-CN" altLang="en-US" dirty="0"/>
+          </a:p>
+        </p:txBody>
+      </p:sp>
+      <p:sp>
+        <p:nvSpPr>
           <p:cNvPr id="3" name="内容占位符 2"/>
           <p:cNvSpPr>
             <a:spLocks noGrp="1"/>
@@ -4958,10 +4972,15 @@
             <p:ph idx="1"/>
           </p:nvPr>
         </p:nvSpPr>
-        <p:spPr/>
+        <p:spPr>
+          <a:xfrm>
+            <a:off x="457200" y="1600200"/>
+            <a:ext cx="8229600" cy="4781128"/>
+          </a:xfrm>
+        </p:spPr>
         <p:txBody>
           <a:bodyPr>
-            <a:normAutofit/>
+            <a:normAutofit fontScale="55000" lnSpcReduction="20000"/>
           </a:bodyPr>
           <a:lstStyle/>
           <a:p>
@@ -4969,379 +4988,468 @@
               <a:buNone/>
             </a:pPr>
             <a:r>
-              <a:rPr lang="zh-CN" altLang="en-US" sz="1800" b="1" dirty="0" smtClean="0">
-                <a:latin typeface="微软雅黑" panose="020B0503020204020204" pitchFamily="34" charset="-122"/>
-                <a:ea typeface="微软雅黑" panose="020B0503020204020204" pitchFamily="34" charset="-122"/>
-              </a:rPr>
-              <a:t>限制和缺陷</a:t>
-            </a:r>
-            <a:r>
-              <a:rPr lang="en-US" altLang="zh-CN" sz="1800" b="1" dirty="0" smtClean="0">
-                <a:latin typeface="微软雅黑" panose="020B0503020204020204" pitchFamily="34" charset="-122"/>
-                <a:ea typeface="微软雅黑" panose="020B0503020204020204" pitchFamily="34" charset="-122"/>
-              </a:rPr>
-              <a:t>:</a:t>
-            </a:r>
-            <a:r>
-              <a:rPr lang="zh-CN" altLang="en-US" sz="1800" dirty="0" smtClean="0">
+              <a:rPr lang="zh-CN" altLang="en-US" b="1" dirty="0" smtClean="0">
+                <a:latin typeface="微软雅黑" panose="020B0503020204020204" pitchFamily="34" charset="-122"/>
+                <a:ea typeface="微软雅黑" panose="020B0503020204020204" pitchFamily="34" charset="-122"/>
+              </a:rPr>
+              <a:t>特点：</a:t>
+            </a:r>
+            <a:r>
+              <a:rPr lang="zh-CN" altLang="en-US" dirty="0">
                 <a:latin typeface="微软雅黑" panose="020B0503020204020204" pitchFamily="34" charset="-122"/>
                 <a:ea typeface="微软雅黑" panose="020B0503020204020204" pitchFamily="34" charset="-122"/>
               </a:rPr>
               <a:t> </a:t>
             </a:r>
-            <a:endParaRPr lang="en-US" altLang="zh-CN" sz="1800" dirty="0" smtClean="0">
+            <a:endParaRPr lang="en-US" altLang="zh-CN" dirty="0" smtClean="0">
               <a:latin typeface="微软雅黑" panose="020B0503020204020204" pitchFamily="34" charset="-122"/>
               <a:ea typeface="微软雅黑" panose="020B0503020204020204" pitchFamily="34" charset="-122"/>
             </a:endParaRPr>
           </a:p>
           <a:p>
-            <a:pPr>
+            <a:pPr marL="514350" indent="-514350">
               <a:buFont typeface="+mj-lt"/>
               <a:buAutoNum type="arabicPeriod"/>
             </a:pPr>
             <a:r>
-              <a:rPr lang="zh-CN" altLang="en-US" sz="1800" dirty="0" smtClean="0">
-                <a:latin typeface="微软雅黑" panose="020B0503020204020204" pitchFamily="34" charset="-122"/>
-                <a:ea typeface="微软雅黑" panose="020B0503020204020204" pitchFamily="34" charset="-122"/>
-              </a:rPr>
-              <a:t>加载时界面存在明显的等待。</a:t>
-            </a:r>
-            <a:r>
-              <a:rPr lang="en-US" altLang="zh-CN" sz="1800" dirty="0" smtClean="0">
-                <a:latin typeface="微软雅黑" panose="020B0503020204020204" pitchFamily="34" charset="-122"/>
-                <a:ea typeface="微软雅黑" panose="020B0503020204020204" pitchFamily="34" charset="-122"/>
-              </a:rPr>
-              <a:t>(</a:t>
-            </a:r>
-            <a:r>
-              <a:rPr lang="zh-CN" altLang="en-US" sz="1800" dirty="0" smtClean="0">
-                <a:latin typeface="微软雅黑" panose="020B0503020204020204" pitchFamily="34" charset="-122"/>
-                <a:ea typeface="微软雅黑" panose="020B0503020204020204" pitchFamily="34" charset="-122"/>
-              </a:rPr>
-              <a:t>参见</a:t>
-            </a:r>
-            <a:r>
-              <a:rPr lang="en-US" altLang="zh-CN" sz="1800" dirty="0" smtClean="0">
-                <a:latin typeface="微软雅黑" panose="020B0503020204020204" pitchFamily="34" charset="-122"/>
-                <a:ea typeface="微软雅黑" panose="020B0503020204020204" pitchFamily="34" charset="-122"/>
-              </a:rPr>
-              <a:t>360</a:t>
-            </a:r>
-            <a:r>
-              <a:rPr lang="zh-CN" altLang="en-US" sz="1800" dirty="0" smtClean="0">
-                <a:latin typeface="微软雅黑" panose="020B0503020204020204" pitchFamily="34" charset="-122"/>
-                <a:ea typeface="微软雅黑" panose="020B0503020204020204" pitchFamily="34" charset="-122"/>
-              </a:rPr>
-              <a:t>市场管理界面中的”手机清理”功能</a:t>
-            </a:r>
-            <a:r>
-              <a:rPr lang="en-US" altLang="zh-CN" sz="1800" dirty="0" smtClean="0">
-                <a:latin typeface="微软雅黑" panose="020B0503020204020204" pitchFamily="34" charset="-122"/>
-                <a:ea typeface="微软雅黑" panose="020B0503020204020204" pitchFamily="34" charset="-122"/>
-              </a:rPr>
-              <a:t>) </a:t>
-            </a:r>
-          </a:p>
-          <a:p>
-            <a:pPr>
+              <a:rPr lang="zh-CN" altLang="en-US" dirty="0" smtClean="0">
+                <a:latin typeface="微软雅黑" panose="020B0503020204020204" pitchFamily="34" charset="-122"/>
+                <a:ea typeface="微软雅黑" panose="020B0503020204020204" pitchFamily="34" charset="-122"/>
+              </a:rPr>
+              <a:t>支持</a:t>
+            </a:r>
+            <a:r>
+              <a:rPr lang="en-US" altLang="zh-CN" dirty="0" err="1">
+                <a:latin typeface="微软雅黑" panose="020B0503020204020204" pitchFamily="34" charset="-122"/>
+                <a:ea typeface="微软雅黑" panose="020B0503020204020204" pitchFamily="34" charset="-122"/>
+              </a:rPr>
+              <a:t>Androd</a:t>
+            </a:r>
+            <a:r>
+              <a:rPr lang="en-US" altLang="zh-CN" dirty="0">
+                <a:latin typeface="微软雅黑" panose="020B0503020204020204" pitchFamily="34" charset="-122"/>
+                <a:ea typeface="微软雅黑" panose="020B0503020204020204" pitchFamily="34" charset="-122"/>
+              </a:rPr>
+              <a:t> 2.3</a:t>
+            </a:r>
+            <a:r>
+              <a:rPr lang="zh-CN" altLang="en-US" dirty="0">
+                <a:latin typeface="微软雅黑" panose="020B0503020204020204" pitchFamily="34" charset="-122"/>
+                <a:ea typeface="微软雅黑" panose="020B0503020204020204" pitchFamily="34" charset="-122"/>
+              </a:rPr>
+              <a:t>以上系统 </a:t>
+            </a:r>
+            <a:endParaRPr lang="en-US" altLang="zh-CN" dirty="0" smtClean="0">
+              <a:latin typeface="微软雅黑" panose="020B0503020204020204" pitchFamily="34" charset="-122"/>
+              <a:ea typeface="微软雅黑" panose="020B0503020204020204" pitchFamily="34" charset="-122"/>
+            </a:endParaRPr>
+          </a:p>
+          <a:p>
+            <a:pPr marL="514350" indent="-514350">
               <a:buFont typeface="+mj-lt"/>
               <a:buAutoNum type="arabicPeriod"/>
             </a:pPr>
             <a:r>
-              <a:rPr lang="zh-CN" altLang="en-US" sz="1800" dirty="0" smtClean="0">
-                <a:latin typeface="微软雅黑" panose="020B0503020204020204" pitchFamily="34" charset="-122"/>
-                <a:ea typeface="微软雅黑" panose="020B0503020204020204" pitchFamily="34" charset="-122"/>
-              </a:rPr>
-              <a:t>无法在插件中发送具有自定义资源的</a:t>
-            </a:r>
-            <a:r>
-              <a:rPr lang="en-US" altLang="zh-CN" sz="1800" dirty="0" smtClean="0">
-                <a:latin typeface="微软雅黑" panose="020B0503020204020204" pitchFamily="34" charset="-122"/>
-                <a:ea typeface="微软雅黑" panose="020B0503020204020204" pitchFamily="34" charset="-122"/>
-              </a:rPr>
-              <a:t>Notification</a:t>
-            </a:r>
-            <a:r>
-              <a:rPr lang="zh-CN" altLang="en-US" sz="1800" dirty="0" smtClean="0">
-                <a:latin typeface="微软雅黑" panose="020B0503020204020204" pitchFamily="34" charset="-122"/>
-                <a:ea typeface="微软雅黑" panose="020B0503020204020204" pitchFamily="34" charset="-122"/>
-              </a:rPr>
-              <a:t>，例如： </a:t>
-            </a:r>
-            <a:r>
-              <a:rPr lang="en-US" altLang="zh-CN" sz="1800" dirty="0" smtClean="0">
-                <a:latin typeface="微软雅黑" panose="020B0503020204020204" pitchFamily="34" charset="-122"/>
-                <a:ea typeface="微软雅黑" panose="020B0503020204020204" pitchFamily="34" charset="-122"/>
-              </a:rPr>
-              <a:t>a. </a:t>
-            </a:r>
-            <a:r>
-              <a:rPr lang="zh-CN" altLang="en-US" sz="1800" dirty="0" smtClean="0">
-                <a:latin typeface="微软雅黑" panose="020B0503020204020204" pitchFamily="34" charset="-122"/>
-                <a:ea typeface="微软雅黑" panose="020B0503020204020204" pitchFamily="34" charset="-122"/>
-              </a:rPr>
-              <a:t>带自定义</a:t>
-            </a:r>
-            <a:r>
-              <a:rPr lang="en-US" altLang="zh-CN" sz="1800" dirty="0" err="1" smtClean="0">
-                <a:latin typeface="微软雅黑" panose="020B0503020204020204" pitchFamily="34" charset="-122"/>
-                <a:ea typeface="微软雅黑" panose="020B0503020204020204" pitchFamily="34" charset="-122"/>
-              </a:rPr>
-              <a:t>RemoteLayout</a:t>
-            </a:r>
-            <a:r>
-              <a:rPr lang="zh-CN" altLang="en-US" sz="1800" dirty="0" smtClean="0">
-                <a:latin typeface="微软雅黑" panose="020B0503020204020204" pitchFamily="34" charset="-122"/>
-                <a:ea typeface="微软雅黑" panose="020B0503020204020204" pitchFamily="34" charset="-122"/>
-              </a:rPr>
-              <a:t>的</a:t>
-            </a:r>
-            <a:r>
-              <a:rPr lang="en-US" altLang="zh-CN" sz="1800" dirty="0" smtClean="0">
-                <a:latin typeface="微软雅黑" panose="020B0503020204020204" pitchFamily="34" charset="-122"/>
-                <a:ea typeface="微软雅黑" panose="020B0503020204020204" pitchFamily="34" charset="-122"/>
-              </a:rPr>
-              <a:t>Notification b. </a:t>
-            </a:r>
-            <a:r>
-              <a:rPr lang="zh-CN" altLang="en-US" sz="1800" dirty="0" smtClean="0">
-                <a:latin typeface="微软雅黑" panose="020B0503020204020204" pitchFamily="34" charset="-122"/>
-                <a:ea typeface="微软雅黑" panose="020B0503020204020204" pitchFamily="34" charset="-122"/>
-              </a:rPr>
-              <a:t>图标通过</a:t>
-            </a:r>
-            <a:r>
-              <a:rPr lang="en-US" altLang="zh-CN" sz="1800" dirty="0" err="1" smtClean="0">
-                <a:latin typeface="微软雅黑" panose="020B0503020204020204" pitchFamily="34" charset="-122"/>
-                <a:ea typeface="微软雅黑" panose="020B0503020204020204" pitchFamily="34" charset="-122"/>
-              </a:rPr>
-              <a:t>R.drawable.XXX</a:t>
-            </a:r>
-            <a:r>
-              <a:rPr lang="zh-CN" altLang="en-US" sz="1800" dirty="0" smtClean="0">
-                <a:latin typeface="微软雅黑" panose="020B0503020204020204" pitchFamily="34" charset="-122"/>
-                <a:ea typeface="微软雅黑" panose="020B0503020204020204" pitchFamily="34" charset="-122"/>
-              </a:rPr>
-              <a:t>指定的通知（插件系统会自动将其转化为</a:t>
-            </a:r>
-            <a:r>
-              <a:rPr lang="en-US" altLang="zh-CN" sz="1800" dirty="0" smtClean="0">
-                <a:latin typeface="微软雅黑" panose="020B0503020204020204" pitchFamily="34" charset="-122"/>
-                <a:ea typeface="微软雅黑" panose="020B0503020204020204" pitchFamily="34" charset="-122"/>
-              </a:rPr>
-              <a:t>Bitmap</a:t>
-            </a:r>
-            <a:r>
-              <a:rPr lang="zh-CN" altLang="en-US" sz="1800" dirty="0" smtClean="0">
-                <a:latin typeface="微软雅黑" panose="020B0503020204020204" pitchFamily="34" charset="-122"/>
-                <a:ea typeface="微软雅黑" panose="020B0503020204020204" pitchFamily="34" charset="-122"/>
-              </a:rPr>
-              <a:t>） </a:t>
-            </a:r>
-            <a:endParaRPr lang="en-US" altLang="zh-CN" sz="1800" dirty="0" smtClean="0">
+              <a:rPr lang="zh-CN" altLang="en-US" dirty="0" smtClean="0">
+                <a:latin typeface="微软雅黑" panose="020B0503020204020204" pitchFamily="34" charset="-122"/>
+                <a:ea typeface="微软雅黑" panose="020B0503020204020204" pitchFamily="34" charset="-122"/>
+              </a:rPr>
+              <a:t>插件</a:t>
+            </a:r>
+            <a:r>
+              <a:rPr lang="en-US" altLang="zh-CN" dirty="0">
+                <a:latin typeface="微软雅黑" panose="020B0503020204020204" pitchFamily="34" charset="-122"/>
+                <a:ea typeface="微软雅黑" panose="020B0503020204020204" pitchFamily="34" charset="-122"/>
+              </a:rPr>
+              <a:t>APK</a:t>
+            </a:r>
+            <a:r>
+              <a:rPr lang="zh-CN" altLang="en-US" dirty="0">
+                <a:latin typeface="微软雅黑" panose="020B0503020204020204" pitchFamily="34" charset="-122"/>
+                <a:ea typeface="微软雅黑" panose="020B0503020204020204" pitchFamily="34" charset="-122"/>
+              </a:rPr>
+              <a:t>完全不需做任何修改，可以独立安装运行、也可以做插件运行。要以插件模式运行某个</a:t>
+            </a:r>
+            <a:r>
+              <a:rPr lang="en-US" altLang="zh-CN" dirty="0">
+                <a:latin typeface="微软雅黑" panose="020B0503020204020204" pitchFamily="34" charset="-122"/>
+                <a:ea typeface="微软雅黑" panose="020B0503020204020204" pitchFamily="34" charset="-122"/>
+              </a:rPr>
+              <a:t>APK</a:t>
+            </a:r>
+            <a:r>
+              <a:rPr lang="zh-CN" altLang="en-US" dirty="0">
+                <a:latin typeface="微软雅黑" panose="020B0503020204020204" pitchFamily="34" charset="-122"/>
+                <a:ea typeface="微软雅黑" panose="020B0503020204020204" pitchFamily="34" charset="-122"/>
+              </a:rPr>
+              <a:t>，你无需重新编译、无需知道其源码</a:t>
+            </a:r>
+            <a:r>
+              <a:rPr lang="zh-CN" altLang="en-US" dirty="0" smtClean="0">
+                <a:latin typeface="微软雅黑" panose="020B0503020204020204" pitchFamily="34" charset="-122"/>
+                <a:ea typeface="微软雅黑" panose="020B0503020204020204" pitchFamily="34" charset="-122"/>
+              </a:rPr>
+              <a:t>。</a:t>
+            </a:r>
+            <a:endParaRPr lang="en-US" altLang="zh-CN" dirty="0" smtClean="0">
               <a:latin typeface="微软雅黑" panose="020B0503020204020204" pitchFamily="34" charset="-122"/>
               <a:ea typeface="微软雅黑" panose="020B0503020204020204" pitchFamily="34" charset="-122"/>
             </a:endParaRPr>
           </a:p>
           <a:p>
-            <a:pPr>
+            <a:pPr marL="514350" indent="-514350">
               <a:buFont typeface="+mj-lt"/>
               <a:buAutoNum type="arabicPeriod"/>
             </a:pPr>
             <a:r>
-              <a:rPr lang="zh-CN" altLang="en-US" sz="1800" dirty="0" smtClean="0">
-                <a:latin typeface="微软雅黑" panose="020B0503020204020204" pitchFamily="34" charset="-122"/>
-                <a:ea typeface="微软雅黑" panose="020B0503020204020204" pitchFamily="34" charset="-122"/>
-              </a:rPr>
-              <a:t>无法在插件中注册一些具有特殊</a:t>
-            </a:r>
-            <a:r>
-              <a:rPr lang="en-US" altLang="zh-CN" sz="1800" dirty="0" smtClean="0">
-                <a:latin typeface="微软雅黑" panose="020B0503020204020204" pitchFamily="34" charset="-122"/>
-                <a:ea typeface="微软雅黑" panose="020B0503020204020204" pitchFamily="34" charset="-122"/>
-              </a:rPr>
-              <a:t>Intent Filter</a:t>
-            </a:r>
-            <a:r>
-              <a:rPr lang="zh-CN" altLang="en-US" sz="1800" dirty="0" smtClean="0">
-                <a:latin typeface="微软雅黑" panose="020B0503020204020204" pitchFamily="34" charset="-122"/>
-                <a:ea typeface="微软雅黑" panose="020B0503020204020204" pitchFamily="34" charset="-122"/>
-              </a:rPr>
-              <a:t>的</a:t>
-            </a:r>
-            <a:r>
-              <a:rPr lang="en-US" altLang="zh-CN" sz="1800" dirty="0" smtClean="0">
+              <a:rPr lang="zh-CN" altLang="en-US" dirty="0" smtClean="0">
+                <a:latin typeface="微软雅黑" panose="020B0503020204020204" pitchFamily="34" charset="-122"/>
+                <a:ea typeface="微软雅黑" panose="020B0503020204020204" pitchFamily="34" charset="-122"/>
+              </a:rPr>
+              <a:t>插件</a:t>
+            </a:r>
+            <a:r>
+              <a:rPr lang="zh-CN" altLang="en-US" dirty="0">
+                <a:latin typeface="微软雅黑" panose="020B0503020204020204" pitchFamily="34" charset="-122"/>
+                <a:ea typeface="微软雅黑" panose="020B0503020204020204" pitchFamily="34" charset="-122"/>
+              </a:rPr>
+              <a:t>的四大组件完全不需要在</a:t>
+            </a:r>
+            <a:r>
+              <a:rPr lang="en-US" altLang="zh-CN" dirty="0">
+                <a:latin typeface="微软雅黑" panose="020B0503020204020204" pitchFamily="34" charset="-122"/>
+                <a:ea typeface="微软雅黑" panose="020B0503020204020204" pitchFamily="34" charset="-122"/>
+              </a:rPr>
+              <a:t>Host</a:t>
+            </a:r>
+            <a:r>
+              <a:rPr lang="zh-CN" altLang="en-US" dirty="0">
+                <a:latin typeface="微软雅黑" panose="020B0503020204020204" pitchFamily="34" charset="-122"/>
+                <a:ea typeface="微软雅黑" panose="020B0503020204020204" pitchFamily="34" charset="-122"/>
+              </a:rPr>
+              <a:t>程序中注册，支持</a:t>
+            </a:r>
+            <a:r>
+              <a:rPr lang="en-US" altLang="zh-CN" dirty="0">
                 <a:latin typeface="微软雅黑" panose="020B0503020204020204" pitchFamily="34" charset="-122"/>
                 <a:ea typeface="微软雅黑" panose="020B0503020204020204" pitchFamily="34" charset="-122"/>
               </a:rPr>
               <a:t>Service</a:t>
             </a:r>
             <a:r>
-              <a:rPr lang="zh-CN" altLang="en-US" sz="1800" dirty="0" smtClean="0">
+              <a:rPr lang="zh-CN" altLang="en-US" dirty="0">
                 <a:latin typeface="微软雅黑" panose="020B0503020204020204" pitchFamily="34" charset="-122"/>
                 <a:ea typeface="微软雅黑" panose="020B0503020204020204" pitchFamily="34" charset="-122"/>
               </a:rPr>
               <a:t>、</a:t>
             </a:r>
             <a:r>
-              <a:rPr lang="en-US" altLang="zh-CN" sz="1800" dirty="0" smtClean="0">
+              <a:rPr lang="en-US" altLang="zh-CN" dirty="0">
                 <a:latin typeface="微软雅黑" panose="020B0503020204020204" pitchFamily="34" charset="-122"/>
                 <a:ea typeface="微软雅黑" panose="020B0503020204020204" pitchFamily="34" charset="-122"/>
               </a:rPr>
               <a:t>Activity</a:t>
             </a:r>
             <a:r>
-              <a:rPr lang="zh-CN" altLang="en-US" sz="1800" dirty="0" smtClean="0">
+              <a:rPr lang="zh-CN" altLang="en-US" dirty="0">
                 <a:latin typeface="微软雅黑" panose="020B0503020204020204" pitchFamily="34" charset="-122"/>
                 <a:ea typeface="微软雅黑" panose="020B0503020204020204" pitchFamily="34" charset="-122"/>
               </a:rPr>
               <a:t>、</a:t>
             </a:r>
             <a:r>
-              <a:rPr lang="en-US" altLang="zh-CN" sz="1800" dirty="0" err="1" smtClean="0">
+              <a:rPr lang="en-US" altLang="zh-CN" dirty="0" err="1">
                 <a:latin typeface="微软雅黑" panose="020B0503020204020204" pitchFamily="34" charset="-122"/>
                 <a:ea typeface="微软雅黑" panose="020B0503020204020204" pitchFamily="34" charset="-122"/>
               </a:rPr>
               <a:t>BroadcastReceiver</a:t>
             </a:r>
             <a:r>
-              <a:rPr lang="zh-CN" altLang="en-US" sz="1800" dirty="0" smtClean="0">
+              <a:rPr lang="zh-CN" altLang="en-US" dirty="0">
                 <a:latin typeface="微软雅黑" panose="020B0503020204020204" pitchFamily="34" charset="-122"/>
                 <a:ea typeface="微软雅黑" panose="020B0503020204020204" pitchFamily="34" charset="-122"/>
               </a:rPr>
               <a:t>、</a:t>
             </a:r>
             <a:r>
-              <a:rPr lang="en-US" altLang="zh-CN" sz="1800" dirty="0" err="1" smtClean="0">
+              <a:rPr lang="en-US" altLang="zh-CN" dirty="0" err="1">
                 <a:latin typeface="微软雅黑" panose="020B0503020204020204" pitchFamily="34" charset="-122"/>
                 <a:ea typeface="微软雅黑" panose="020B0503020204020204" pitchFamily="34" charset="-122"/>
               </a:rPr>
               <a:t>ContentProvider</a:t>
             </a:r>
             <a:r>
-              <a:rPr lang="zh-CN" altLang="en-US" sz="1800" dirty="0" smtClean="0">
-                <a:latin typeface="微软雅黑" panose="020B0503020204020204" pitchFamily="34" charset="-122"/>
-                <a:ea typeface="微软雅黑" panose="020B0503020204020204" pitchFamily="34" charset="-122"/>
-              </a:rPr>
-              <a:t>等组件以供</a:t>
-            </a:r>
-            <a:r>
-              <a:rPr lang="en-US" altLang="zh-CN" sz="1800" dirty="0" smtClean="0">
-                <a:latin typeface="微软雅黑" panose="020B0503020204020204" pitchFamily="34" charset="-122"/>
-                <a:ea typeface="微软雅黑" panose="020B0503020204020204" pitchFamily="34" charset="-122"/>
-              </a:rPr>
-              <a:t>Android</a:t>
-            </a:r>
-            <a:r>
-              <a:rPr lang="zh-CN" altLang="en-US" sz="1800" dirty="0" smtClean="0">
-                <a:latin typeface="微软雅黑" panose="020B0503020204020204" pitchFamily="34" charset="-122"/>
-                <a:ea typeface="微软雅黑" panose="020B0503020204020204" pitchFamily="34" charset="-122"/>
-              </a:rPr>
-              <a:t>系统、已经安装的其他</a:t>
-            </a:r>
-            <a:r>
-              <a:rPr lang="en-US" altLang="zh-CN" sz="1800" dirty="0" smtClean="0">
-                <a:latin typeface="微软雅黑" panose="020B0503020204020204" pitchFamily="34" charset="-122"/>
-                <a:ea typeface="微软雅黑" panose="020B0503020204020204" pitchFamily="34" charset="-122"/>
-              </a:rPr>
-              <a:t>APP</a:t>
-            </a:r>
-            <a:r>
-              <a:rPr lang="zh-CN" altLang="en-US" sz="1800" dirty="0" smtClean="0">
-                <a:latin typeface="微软雅黑" panose="020B0503020204020204" pitchFamily="34" charset="-122"/>
-                <a:ea typeface="微软雅黑" panose="020B0503020204020204" pitchFamily="34" charset="-122"/>
-              </a:rPr>
-              <a:t>调用。</a:t>
-            </a:r>
-            <a:endParaRPr lang="en-US" altLang="zh-CN" sz="1800" dirty="0" smtClean="0">
+              <a:rPr lang="zh-CN" altLang="en-US" dirty="0">
+                <a:latin typeface="微软雅黑" panose="020B0503020204020204" pitchFamily="34" charset="-122"/>
+                <a:ea typeface="微软雅黑" panose="020B0503020204020204" pitchFamily="34" charset="-122"/>
+              </a:rPr>
+              <a:t>四大组件 </a:t>
+            </a:r>
+            <a:endParaRPr lang="en-US" altLang="zh-CN" dirty="0" smtClean="0">
               <a:latin typeface="微软雅黑" panose="020B0503020204020204" pitchFamily="34" charset="-122"/>
               <a:ea typeface="微软雅黑" panose="020B0503020204020204" pitchFamily="34" charset="-122"/>
             </a:endParaRPr>
           </a:p>
           <a:p>
-            <a:pPr>
+            <a:pPr marL="514350" indent="-514350">
               <a:buFont typeface="+mj-lt"/>
               <a:buAutoNum type="arabicPeriod"/>
             </a:pPr>
             <a:r>
-              <a:rPr lang="zh-CN" altLang="en-US" sz="1800" dirty="0" smtClean="0">
-                <a:latin typeface="微软雅黑" panose="020B0503020204020204" pitchFamily="34" charset="-122"/>
-                <a:ea typeface="微软雅黑" panose="020B0503020204020204" pitchFamily="34" charset="-122"/>
-              </a:rPr>
-              <a:t>缺乏对</a:t>
-            </a:r>
-            <a:r>
-              <a:rPr lang="en-US" altLang="zh-CN" sz="1800" dirty="0" smtClean="0">
-                <a:latin typeface="微软雅黑" panose="020B0503020204020204" pitchFamily="34" charset="-122"/>
-                <a:ea typeface="微软雅黑" panose="020B0503020204020204" pitchFamily="34" charset="-122"/>
-              </a:rPr>
-              <a:t>Native</a:t>
-            </a:r>
-            <a:r>
-              <a:rPr lang="zh-CN" altLang="en-US" sz="1800" dirty="0" smtClean="0">
-                <a:latin typeface="微软雅黑" panose="020B0503020204020204" pitchFamily="34" charset="-122"/>
-                <a:ea typeface="微软雅黑" panose="020B0503020204020204" pitchFamily="34" charset="-122"/>
-              </a:rPr>
-              <a:t>层的</a:t>
-            </a:r>
-            <a:r>
-              <a:rPr lang="en-US" altLang="zh-CN" sz="1800" dirty="0" smtClean="0">
-                <a:latin typeface="微软雅黑" panose="020B0503020204020204" pitchFamily="34" charset="-122"/>
-                <a:ea typeface="微软雅黑" panose="020B0503020204020204" pitchFamily="34" charset="-122"/>
-              </a:rPr>
-              <a:t>Hook</a:t>
-            </a:r>
-            <a:r>
-              <a:rPr lang="zh-CN" altLang="en-US" sz="1800" dirty="0" smtClean="0">
-                <a:latin typeface="微软雅黑" panose="020B0503020204020204" pitchFamily="34" charset="-122"/>
-                <a:ea typeface="微软雅黑" panose="020B0503020204020204" pitchFamily="34" charset="-122"/>
-              </a:rPr>
-              <a:t>，对某些带</a:t>
-            </a:r>
-            <a:r>
-              <a:rPr lang="en-US" altLang="zh-CN" sz="1800" dirty="0" smtClean="0">
-                <a:latin typeface="微软雅黑" panose="020B0503020204020204" pitchFamily="34" charset="-122"/>
-                <a:ea typeface="微软雅黑" panose="020B0503020204020204" pitchFamily="34" charset="-122"/>
-              </a:rPr>
-              <a:t>native</a:t>
-            </a:r>
-            <a:r>
-              <a:rPr lang="zh-CN" altLang="en-US" sz="1800" dirty="0" smtClean="0">
-                <a:latin typeface="微软雅黑" panose="020B0503020204020204" pitchFamily="34" charset="-122"/>
-                <a:ea typeface="微软雅黑" panose="020B0503020204020204" pitchFamily="34" charset="-122"/>
-              </a:rPr>
-              <a:t>代码的</a:t>
-            </a:r>
-            <a:r>
-              <a:rPr lang="en-US" altLang="zh-CN" sz="1800" dirty="0" err="1" smtClean="0">
-                <a:latin typeface="微软雅黑" panose="020B0503020204020204" pitchFamily="34" charset="-122"/>
-                <a:ea typeface="微软雅黑" panose="020B0503020204020204" pitchFamily="34" charset="-122"/>
-              </a:rPr>
-              <a:t>apk</a:t>
-            </a:r>
-            <a:r>
-              <a:rPr lang="zh-CN" altLang="en-US" sz="1800" dirty="0" smtClean="0">
-                <a:latin typeface="微软雅黑" panose="020B0503020204020204" pitchFamily="34" charset="-122"/>
-                <a:ea typeface="微软雅黑" panose="020B0503020204020204" pitchFamily="34" charset="-122"/>
-              </a:rPr>
-              <a:t>支持不好，可能无法运行。比如一部分游戏无法当作插件运行。</a:t>
-            </a:r>
-            <a:endParaRPr lang="en-US" altLang="zh-CN" sz="1800" dirty="0" smtClean="0">
+              <a:rPr lang="zh-CN" altLang="en-US" dirty="0" smtClean="0">
+                <a:latin typeface="微软雅黑" panose="020B0503020204020204" pitchFamily="34" charset="-122"/>
+                <a:ea typeface="微软雅黑" panose="020B0503020204020204" pitchFamily="34" charset="-122"/>
+              </a:rPr>
+              <a:t>插件</a:t>
+            </a:r>
+            <a:r>
+              <a:rPr lang="zh-CN" altLang="en-US" dirty="0">
+                <a:latin typeface="微软雅黑" panose="020B0503020204020204" pitchFamily="34" charset="-122"/>
+                <a:ea typeface="微软雅黑" panose="020B0503020204020204" pitchFamily="34" charset="-122"/>
+              </a:rPr>
+              <a:t>之间、</a:t>
+            </a:r>
+            <a:r>
+              <a:rPr lang="en-US" altLang="zh-CN" dirty="0">
+                <a:latin typeface="微软雅黑" panose="020B0503020204020204" pitchFamily="34" charset="-122"/>
+                <a:ea typeface="微软雅黑" panose="020B0503020204020204" pitchFamily="34" charset="-122"/>
+              </a:rPr>
+              <a:t>Host</a:t>
+            </a:r>
+            <a:r>
+              <a:rPr lang="zh-CN" altLang="en-US" dirty="0">
+                <a:latin typeface="微软雅黑" panose="020B0503020204020204" pitchFamily="34" charset="-122"/>
+                <a:ea typeface="微软雅黑" panose="020B0503020204020204" pitchFamily="34" charset="-122"/>
+              </a:rPr>
+              <a:t>程序与插件之间会互相认为对方已经”安装”在系统上了。 </a:t>
+            </a:r>
+            <a:endParaRPr lang="en-US" altLang="zh-CN" dirty="0" smtClean="0">
               <a:latin typeface="微软雅黑" panose="020B0503020204020204" pitchFamily="34" charset="-122"/>
               <a:ea typeface="微软雅黑" panose="020B0503020204020204" pitchFamily="34" charset="-122"/>
             </a:endParaRPr>
           </a:p>
           <a:p>
-            <a:pPr>
+            <a:pPr marL="514350" indent="-514350">
               <a:buFont typeface="+mj-lt"/>
               <a:buAutoNum type="arabicPeriod"/>
             </a:pPr>
             <a:r>
-              <a:rPr lang="zh-CN" altLang="en-US" sz="1800" dirty="0" smtClean="0">
-                <a:latin typeface="微软雅黑" panose="020B0503020204020204" pitchFamily="34" charset="-122"/>
-                <a:ea typeface="微软雅黑" panose="020B0503020204020204" pitchFamily="34" charset="-122"/>
-              </a:rPr>
-              <a:t>数据交互和等待令人抓狂。</a:t>
+              <a:rPr lang="en-US" altLang="zh-CN" dirty="0" smtClean="0">
+                <a:latin typeface="微软雅黑" panose="020B0503020204020204" pitchFamily="34" charset="-122"/>
+                <a:ea typeface="微软雅黑" panose="020B0503020204020204" pitchFamily="34" charset="-122"/>
+              </a:rPr>
+              <a:t>API</a:t>
+            </a:r>
+            <a:r>
+              <a:rPr lang="zh-CN" altLang="en-US" dirty="0">
+                <a:latin typeface="微软雅黑" panose="020B0503020204020204" pitchFamily="34" charset="-122"/>
+                <a:ea typeface="微软雅黑" panose="020B0503020204020204" pitchFamily="34" charset="-122"/>
+              </a:rPr>
+              <a:t>低侵入性：极少的</a:t>
+            </a:r>
+            <a:r>
+              <a:rPr lang="en-US" altLang="zh-CN" dirty="0">
+                <a:latin typeface="微软雅黑" panose="020B0503020204020204" pitchFamily="34" charset="-122"/>
+                <a:ea typeface="微软雅黑" panose="020B0503020204020204" pitchFamily="34" charset="-122"/>
+              </a:rPr>
+              <a:t>API</a:t>
+            </a:r>
+            <a:r>
+              <a:rPr lang="zh-CN" altLang="en-US" dirty="0">
+                <a:latin typeface="微软雅黑" panose="020B0503020204020204" pitchFamily="34" charset="-122"/>
+                <a:ea typeface="微软雅黑" panose="020B0503020204020204" pitchFamily="34" charset="-122"/>
+              </a:rPr>
+              <a:t>。</a:t>
+            </a:r>
+            <a:r>
+              <a:rPr lang="en-US" altLang="zh-CN" dirty="0">
+                <a:latin typeface="微软雅黑" panose="020B0503020204020204" pitchFamily="34" charset="-122"/>
+                <a:ea typeface="微软雅黑" panose="020B0503020204020204" pitchFamily="34" charset="-122"/>
+              </a:rPr>
+              <a:t>HOST</a:t>
+            </a:r>
+            <a:r>
+              <a:rPr lang="zh-CN" altLang="en-US" dirty="0">
+                <a:latin typeface="微软雅黑" panose="020B0503020204020204" pitchFamily="34" charset="-122"/>
+                <a:ea typeface="微软雅黑" panose="020B0503020204020204" pitchFamily="34" charset="-122"/>
+              </a:rPr>
+              <a:t>程序只是需要一行代码即可集成</a:t>
+            </a:r>
+            <a:r>
+              <a:rPr lang="en-US" altLang="zh-CN" dirty="0">
+                <a:latin typeface="微软雅黑" panose="020B0503020204020204" pitchFamily="34" charset="-122"/>
+                <a:ea typeface="微软雅黑" panose="020B0503020204020204" pitchFamily="34" charset="-122"/>
+              </a:rPr>
+              <a:t>Droid Plugin </a:t>
+            </a:r>
+            <a:endParaRPr lang="en-US" altLang="zh-CN" dirty="0" smtClean="0">
+              <a:latin typeface="微软雅黑" panose="020B0503020204020204" pitchFamily="34" charset="-122"/>
+              <a:ea typeface="微软雅黑" panose="020B0503020204020204" pitchFamily="34" charset="-122"/>
+            </a:endParaRPr>
+          </a:p>
+          <a:p>
+            <a:pPr marL="514350" indent="-514350">
+              <a:buFont typeface="+mj-lt"/>
+              <a:buAutoNum type="arabicPeriod"/>
+            </a:pPr>
+            <a:r>
+              <a:rPr lang="zh-CN" altLang="en-US" dirty="0" smtClean="0">
+                <a:latin typeface="微软雅黑" panose="020B0503020204020204" pitchFamily="34" charset="-122"/>
+                <a:ea typeface="微软雅黑" panose="020B0503020204020204" pitchFamily="34" charset="-122"/>
+              </a:rPr>
+              <a:t>超</a:t>
+            </a:r>
+            <a:r>
+              <a:rPr lang="zh-CN" altLang="en-US" dirty="0">
+                <a:latin typeface="微软雅黑" panose="020B0503020204020204" pitchFamily="34" charset="-122"/>
+                <a:ea typeface="微软雅黑" panose="020B0503020204020204" pitchFamily="34" charset="-122"/>
+              </a:rPr>
+              <a:t>强隔离：插件之间、插件与</a:t>
+            </a:r>
+            <a:r>
+              <a:rPr lang="en-US" altLang="zh-CN" dirty="0">
+                <a:latin typeface="微软雅黑" panose="020B0503020204020204" pitchFamily="34" charset="-122"/>
+                <a:ea typeface="微软雅黑" panose="020B0503020204020204" pitchFamily="34" charset="-122"/>
+              </a:rPr>
+              <a:t>Host</a:t>
+            </a:r>
+            <a:r>
+              <a:rPr lang="zh-CN" altLang="en-US" dirty="0">
+                <a:latin typeface="微软雅黑" panose="020B0503020204020204" pitchFamily="34" charset="-122"/>
+                <a:ea typeface="微软雅黑" panose="020B0503020204020204" pitchFamily="34" charset="-122"/>
+              </a:rPr>
+              <a:t>之间完全的代码级别的隔离：不能互相调用对方的代码。通讯只能使用</a:t>
+            </a:r>
+            <a:r>
+              <a:rPr lang="en-US" altLang="zh-CN" dirty="0">
+                <a:latin typeface="微软雅黑" panose="020B0503020204020204" pitchFamily="34" charset="-122"/>
+                <a:ea typeface="微软雅黑" panose="020B0503020204020204" pitchFamily="34" charset="-122"/>
+              </a:rPr>
+              <a:t>Android</a:t>
+            </a:r>
+            <a:r>
+              <a:rPr lang="zh-CN" altLang="en-US" dirty="0">
+                <a:latin typeface="微软雅黑" panose="020B0503020204020204" pitchFamily="34" charset="-122"/>
+                <a:ea typeface="微软雅黑" panose="020B0503020204020204" pitchFamily="34" charset="-122"/>
+              </a:rPr>
+              <a:t>系统级别的通讯方法。 </a:t>
+            </a:r>
+            <a:endParaRPr lang="en-US" altLang="zh-CN" dirty="0" smtClean="0">
+              <a:latin typeface="微软雅黑" panose="020B0503020204020204" pitchFamily="34" charset="-122"/>
+              <a:ea typeface="微软雅黑" panose="020B0503020204020204" pitchFamily="34" charset="-122"/>
+            </a:endParaRPr>
+          </a:p>
+          <a:p>
+            <a:pPr marL="514350" indent="-514350">
+              <a:buFont typeface="+mj-lt"/>
+              <a:buAutoNum type="arabicPeriod"/>
+            </a:pPr>
+            <a:r>
+              <a:rPr lang="zh-CN" altLang="en-US" dirty="0" smtClean="0">
+                <a:latin typeface="微软雅黑" panose="020B0503020204020204" pitchFamily="34" charset="-122"/>
+                <a:ea typeface="微软雅黑" panose="020B0503020204020204" pitchFamily="34" charset="-122"/>
+              </a:rPr>
+              <a:t>支持</a:t>
+            </a:r>
+            <a:r>
+              <a:rPr lang="zh-CN" altLang="en-US" dirty="0">
+                <a:latin typeface="微软雅黑" panose="020B0503020204020204" pitchFamily="34" charset="-122"/>
+                <a:ea typeface="微软雅黑" panose="020B0503020204020204" pitchFamily="34" charset="-122"/>
+              </a:rPr>
+              <a:t>所有系统</a:t>
+            </a:r>
+            <a:r>
+              <a:rPr lang="en-US" altLang="zh-CN" dirty="0">
+                <a:latin typeface="微软雅黑" panose="020B0503020204020204" pitchFamily="34" charset="-122"/>
+                <a:ea typeface="微软雅黑" panose="020B0503020204020204" pitchFamily="34" charset="-122"/>
+              </a:rPr>
+              <a:t>API </a:t>
+            </a:r>
+            <a:endParaRPr lang="en-US" altLang="zh-CN" dirty="0" smtClean="0">
+              <a:latin typeface="微软雅黑" panose="020B0503020204020204" pitchFamily="34" charset="-122"/>
+              <a:ea typeface="微软雅黑" panose="020B0503020204020204" pitchFamily="34" charset="-122"/>
+            </a:endParaRPr>
+          </a:p>
+          <a:p>
+            <a:pPr marL="514350" indent="-514350">
+              <a:buFont typeface="+mj-lt"/>
+              <a:buAutoNum type="arabicPeriod"/>
+            </a:pPr>
+            <a:r>
+              <a:rPr lang="zh-CN" altLang="en-US" dirty="0" smtClean="0">
+                <a:latin typeface="微软雅黑" panose="020B0503020204020204" pitchFamily="34" charset="-122"/>
+                <a:ea typeface="微软雅黑" panose="020B0503020204020204" pitchFamily="34" charset="-122"/>
+              </a:rPr>
+              <a:t>资源</a:t>
+            </a:r>
+            <a:r>
+              <a:rPr lang="zh-CN" altLang="en-US" dirty="0">
+                <a:latin typeface="微软雅黑" panose="020B0503020204020204" pitchFamily="34" charset="-122"/>
+                <a:ea typeface="微软雅黑" panose="020B0503020204020204" pitchFamily="34" charset="-122"/>
+              </a:rPr>
+              <a:t>完全隔离：插件之间、与</a:t>
+            </a:r>
+            <a:r>
+              <a:rPr lang="en-US" altLang="zh-CN" dirty="0">
+                <a:latin typeface="微软雅黑" panose="020B0503020204020204" pitchFamily="34" charset="-122"/>
+                <a:ea typeface="微软雅黑" panose="020B0503020204020204" pitchFamily="34" charset="-122"/>
+              </a:rPr>
+              <a:t>Host</a:t>
+            </a:r>
+            <a:r>
+              <a:rPr lang="zh-CN" altLang="en-US" dirty="0">
+                <a:latin typeface="微软雅黑" panose="020B0503020204020204" pitchFamily="34" charset="-122"/>
+                <a:ea typeface="微软雅黑" panose="020B0503020204020204" pitchFamily="34" charset="-122"/>
+              </a:rPr>
+              <a:t>之间实现了资源完全隔离，不会出现资源窜用的情况。 </a:t>
+            </a:r>
+            <a:endParaRPr lang="en-US" altLang="zh-CN" dirty="0" smtClean="0">
+              <a:latin typeface="微软雅黑" panose="020B0503020204020204" pitchFamily="34" charset="-122"/>
+              <a:ea typeface="微软雅黑" panose="020B0503020204020204" pitchFamily="34" charset="-122"/>
+            </a:endParaRPr>
+          </a:p>
+          <a:p>
+            <a:pPr marL="514350" indent="-514350">
+              <a:buFont typeface="+mj-lt"/>
+              <a:buAutoNum type="arabicPeriod"/>
+            </a:pPr>
+            <a:r>
+              <a:rPr lang="zh-CN" altLang="en-US" dirty="0" smtClean="0">
+                <a:latin typeface="微软雅黑" panose="020B0503020204020204" pitchFamily="34" charset="-122"/>
+                <a:ea typeface="微软雅黑" panose="020B0503020204020204" pitchFamily="34" charset="-122"/>
+              </a:rPr>
+              <a:t>实现</a:t>
+            </a:r>
+            <a:r>
+              <a:rPr lang="zh-CN" altLang="en-US" dirty="0">
+                <a:latin typeface="微软雅黑" panose="020B0503020204020204" pitchFamily="34" charset="-122"/>
+                <a:ea typeface="微软雅黑" panose="020B0503020204020204" pitchFamily="34" charset="-122"/>
+              </a:rPr>
+              <a:t>了进程管理，插件的空进程会被及时回收，占用内存低。 </a:t>
+            </a:r>
+            <a:endParaRPr lang="en-US" altLang="zh-CN" dirty="0" smtClean="0">
+              <a:latin typeface="微软雅黑" panose="020B0503020204020204" pitchFamily="34" charset="-122"/>
+              <a:ea typeface="微软雅黑" panose="020B0503020204020204" pitchFamily="34" charset="-122"/>
+            </a:endParaRPr>
+          </a:p>
+          <a:p>
+            <a:pPr marL="514350" indent="-514350">
+              <a:buFont typeface="+mj-lt"/>
+              <a:buAutoNum type="arabicPeriod"/>
+            </a:pPr>
+            <a:r>
+              <a:rPr lang="zh-CN" altLang="en-US" dirty="0" smtClean="0">
+                <a:latin typeface="微软雅黑" panose="020B0503020204020204" pitchFamily="34" charset="-122"/>
+                <a:ea typeface="微软雅黑" panose="020B0503020204020204" pitchFamily="34" charset="-122"/>
+              </a:rPr>
+              <a:t>插件</a:t>
+            </a:r>
+            <a:r>
+              <a:rPr lang="zh-CN" altLang="en-US" dirty="0">
+                <a:latin typeface="微软雅黑" panose="020B0503020204020204" pitchFamily="34" charset="-122"/>
+                <a:ea typeface="微软雅黑" panose="020B0503020204020204" pitchFamily="34" charset="-122"/>
+              </a:rPr>
+              <a:t>的静态广播会被当作动态处理，如果插件没有运行（即没有插件进程运行），其静态广播也永远不会被触发。</a:t>
             </a:r>
           </a:p>
           <a:p>
@@ -5352,7 +5460,7 @@
     </p:spTree>
     <p:extLst>
       <p:ext uri="{BB962C8B-B14F-4D97-AF65-F5344CB8AC3E}">
-        <p14:creationId xmlns:p14="http://schemas.microsoft.com/office/powerpoint/2010/main" val="394981629"/>
+        <p14:creationId xmlns:p14="http://schemas.microsoft.com/office/powerpoint/2010/main" val="1085413739"/>
       </p:ext>
     </p:extLst>
   </p:cSld>
@@ -5388,12 +5496,12 @@
       </p:grpSpPr>
       <p:sp>
         <p:nvSpPr>
-          <p:cNvPr id="2" name="标题 1"/>
-          <p:cNvSpPr>
-            <a:spLocks noGrp="1"/>
-          </p:cNvSpPr>
-          <p:nvPr>
-            <p:ph type="title"/>
+          <p:cNvPr id="3" name="内容占位符 2"/>
+          <p:cNvSpPr>
+            <a:spLocks noGrp="1"/>
+          </p:cNvSpPr>
+          <p:nvPr>
+            <p:ph idx="1"/>
           </p:nvPr>
         </p:nvSpPr>
         <p:spPr/>
@@ -5403,40 +5511,6 @@
           </a:bodyPr>
           <a:lstStyle/>
           <a:p>
-            <a:r>
-              <a:rPr lang="en-US" altLang="zh-CN" dirty="0" smtClean="0"/>
-              <a:t>Small --</a:t>
-            </a:r>
-            <a:r>
-              <a:rPr lang="en-US" altLang="zh-CN" dirty="0" err="1" smtClean="0"/>
-              <a:t>wequick</a:t>
-            </a:r>
-            <a:endParaRPr lang="zh-CN" altLang="en-US" dirty="0"/>
-          </a:p>
-        </p:txBody>
-      </p:sp>
-      <p:sp>
-        <p:nvSpPr>
-          <p:cNvPr id="3" name="内容占位符 2"/>
-          <p:cNvSpPr>
-            <a:spLocks noGrp="1"/>
-          </p:cNvSpPr>
-          <p:nvPr>
-            <p:ph idx="1"/>
-          </p:nvPr>
-        </p:nvSpPr>
-        <p:spPr>
-          <a:xfrm>
-            <a:off x="457200" y="1600200"/>
-            <a:ext cx="8229600" cy="4781128"/>
-          </a:xfrm>
-        </p:spPr>
-        <p:txBody>
-          <a:bodyPr>
-            <a:normAutofit/>
-          </a:bodyPr>
-          <a:lstStyle/>
-          <a:p>
             <a:pPr marL="0" indent="0">
               <a:buNone/>
             </a:pPr>
@@ -5445,10 +5519,17 @@
                 <a:latin typeface="微软雅黑" panose="020B0503020204020204" pitchFamily="34" charset="-122"/>
                 <a:ea typeface="微软雅黑" panose="020B0503020204020204" pitchFamily="34" charset="-122"/>
               </a:rPr>
-              <a:t>特点：</a:t>
-            </a:r>
-            <a:r>
-              <a:rPr lang="zh-CN" altLang="en-US" sz="1800" dirty="0">
+              <a:t>限制和缺陷</a:t>
+            </a:r>
+            <a:r>
+              <a:rPr lang="en-US" altLang="zh-CN" sz="1800" b="1" dirty="0" smtClean="0">
+                <a:latin typeface="微软雅黑" panose="020B0503020204020204" pitchFamily="34" charset="-122"/>
+                <a:ea typeface="微软雅黑" panose="020B0503020204020204" pitchFamily="34" charset="-122"/>
+              </a:rPr>
+              <a:t>:</a:t>
+            </a:r>
+            <a:r>
+              <a:rPr lang="zh-CN" altLang="en-US" sz="1800" dirty="0" smtClean="0">
                 <a:latin typeface="微软雅黑" panose="020B0503020204020204" pitchFamily="34" charset="-122"/>
                 <a:ea typeface="微软雅黑" panose="020B0503020204020204" pitchFamily="34" charset="-122"/>
               </a:rPr>
@@ -5460,7 +5541,7 @@
             </a:endParaRPr>
           </a:p>
           <a:p>
-            <a:pPr marL="514350" indent="-514350">
+            <a:pPr>
               <a:buFont typeface="+mj-lt"/>
               <a:buAutoNum type="arabicPeriod"/>
             </a:pPr>
@@ -5469,248 +5550,355 @@
                 <a:latin typeface="微软雅黑" panose="020B0503020204020204" pitchFamily="34" charset="-122"/>
                 <a:ea typeface="微软雅黑" panose="020B0503020204020204" pitchFamily="34" charset="-122"/>
               </a:rPr>
-              <a:t>完美内置</a:t>
-            </a:r>
-          </a:p>
-          <a:p>
-            <a:pPr marL="0" indent="0">
-              <a:buNone/>
+              <a:t>加载时界面存在明显的等待。</a:t>
+            </a:r>
+            <a:r>
+              <a:rPr lang="en-US" altLang="zh-CN" sz="1800" dirty="0" smtClean="0">
+                <a:latin typeface="微软雅黑" panose="020B0503020204020204" pitchFamily="34" charset="-122"/>
+                <a:ea typeface="微软雅黑" panose="020B0503020204020204" pitchFamily="34" charset="-122"/>
+              </a:rPr>
+              <a:t>(</a:t>
+            </a:r>
+            <a:r>
+              <a:rPr lang="zh-CN" altLang="en-US" sz="1800" dirty="0" smtClean="0">
+                <a:latin typeface="微软雅黑" panose="020B0503020204020204" pitchFamily="34" charset="-122"/>
+                <a:ea typeface="微软雅黑" panose="020B0503020204020204" pitchFamily="34" charset="-122"/>
+              </a:rPr>
+              <a:t>参见</a:t>
+            </a:r>
+            <a:r>
+              <a:rPr lang="en-US" altLang="zh-CN" sz="1800" dirty="0" smtClean="0">
+                <a:latin typeface="微软雅黑" panose="020B0503020204020204" pitchFamily="34" charset="-122"/>
+                <a:ea typeface="微软雅黑" panose="020B0503020204020204" pitchFamily="34" charset="-122"/>
+              </a:rPr>
+              <a:t>360</a:t>
+            </a:r>
+            <a:r>
+              <a:rPr lang="zh-CN" altLang="en-US" sz="1800" dirty="0" smtClean="0">
+                <a:latin typeface="微软雅黑" panose="020B0503020204020204" pitchFamily="34" charset="-122"/>
+                <a:ea typeface="微软雅黑" panose="020B0503020204020204" pitchFamily="34" charset="-122"/>
+              </a:rPr>
+              <a:t>市场管理界面中的”手机清理”功能</a:t>
+            </a:r>
+            <a:r>
+              <a:rPr lang="en-US" altLang="zh-CN" sz="1800" dirty="0" smtClean="0">
+                <a:latin typeface="微软雅黑" panose="020B0503020204020204" pitchFamily="34" charset="-122"/>
+                <a:ea typeface="微软雅黑" panose="020B0503020204020204" pitchFamily="34" charset="-122"/>
+              </a:rPr>
+              <a:t>) </a:t>
+            </a:r>
+          </a:p>
+          <a:p>
+            <a:pPr>
+              <a:buFont typeface="+mj-lt"/>
+              <a:buAutoNum type="arabicPeriod"/>
             </a:pPr>
             <a:r>
               <a:rPr lang="zh-CN" altLang="en-US" sz="1800" dirty="0" smtClean="0">
                 <a:latin typeface="微软雅黑" panose="020B0503020204020204" pitchFamily="34" charset="-122"/>
                 <a:ea typeface="微软雅黑" panose="020B0503020204020204" pitchFamily="34" charset="-122"/>
               </a:rPr>
-              <a:t>       所有插件支持内置于宿主包中</a:t>
-            </a:r>
-          </a:p>
-          <a:p>
-            <a:pPr marL="0" indent="0">
-              <a:buNone/>
+              <a:t>无法在插件中发送具有自定义资源的</a:t>
+            </a:r>
+            <a:r>
+              <a:rPr lang="en-US" altLang="zh-CN" sz="1800" dirty="0" smtClean="0">
+                <a:latin typeface="微软雅黑" panose="020B0503020204020204" pitchFamily="34" charset="-122"/>
+                <a:ea typeface="微软雅黑" panose="020B0503020204020204" pitchFamily="34" charset="-122"/>
+              </a:rPr>
+              <a:t>Notification</a:t>
+            </a:r>
+            <a:r>
+              <a:rPr lang="zh-CN" altLang="en-US" sz="1800" dirty="0" smtClean="0">
+                <a:latin typeface="微软雅黑" panose="020B0503020204020204" pitchFamily="34" charset="-122"/>
+                <a:ea typeface="微软雅黑" panose="020B0503020204020204" pitchFamily="34" charset="-122"/>
+              </a:rPr>
+              <a:t>，例如： </a:t>
+            </a:r>
+            <a:r>
+              <a:rPr lang="en-US" altLang="zh-CN" sz="1800" dirty="0" smtClean="0">
+                <a:latin typeface="微软雅黑" panose="020B0503020204020204" pitchFamily="34" charset="-122"/>
+                <a:ea typeface="微软雅黑" panose="020B0503020204020204" pitchFamily="34" charset="-122"/>
+              </a:rPr>
+              <a:t>a. </a:t>
+            </a:r>
+            <a:r>
+              <a:rPr lang="zh-CN" altLang="en-US" sz="1800" dirty="0" smtClean="0">
+                <a:latin typeface="微软雅黑" panose="020B0503020204020204" pitchFamily="34" charset="-122"/>
+                <a:ea typeface="微软雅黑" panose="020B0503020204020204" pitchFamily="34" charset="-122"/>
+              </a:rPr>
+              <a:t>带自定义</a:t>
+            </a:r>
+            <a:r>
+              <a:rPr lang="en-US" altLang="zh-CN" sz="1800" dirty="0" err="1" smtClean="0">
+                <a:latin typeface="微软雅黑" panose="020B0503020204020204" pitchFamily="34" charset="-122"/>
+                <a:ea typeface="微软雅黑" panose="020B0503020204020204" pitchFamily="34" charset="-122"/>
+              </a:rPr>
+              <a:t>RemoteLayout</a:t>
+            </a:r>
+            <a:r>
+              <a:rPr lang="zh-CN" altLang="en-US" sz="1800" dirty="0" smtClean="0">
+                <a:latin typeface="微软雅黑" panose="020B0503020204020204" pitchFamily="34" charset="-122"/>
+                <a:ea typeface="微软雅黑" panose="020B0503020204020204" pitchFamily="34" charset="-122"/>
+              </a:rPr>
+              <a:t>的</a:t>
+            </a:r>
+            <a:r>
+              <a:rPr lang="en-US" altLang="zh-CN" sz="1800" dirty="0" smtClean="0">
+                <a:latin typeface="微软雅黑" panose="020B0503020204020204" pitchFamily="34" charset="-122"/>
+                <a:ea typeface="微软雅黑" panose="020B0503020204020204" pitchFamily="34" charset="-122"/>
+              </a:rPr>
+              <a:t>Notification b. </a:t>
+            </a:r>
+            <a:r>
+              <a:rPr lang="zh-CN" altLang="en-US" sz="1800" dirty="0" smtClean="0">
+                <a:latin typeface="微软雅黑" panose="020B0503020204020204" pitchFamily="34" charset="-122"/>
+                <a:ea typeface="微软雅黑" panose="020B0503020204020204" pitchFamily="34" charset="-122"/>
+              </a:rPr>
+              <a:t>图标通过</a:t>
+            </a:r>
+            <a:r>
+              <a:rPr lang="en-US" altLang="zh-CN" sz="1800" dirty="0" err="1" smtClean="0">
+                <a:latin typeface="微软雅黑" panose="020B0503020204020204" pitchFamily="34" charset="-122"/>
+                <a:ea typeface="微软雅黑" panose="020B0503020204020204" pitchFamily="34" charset="-122"/>
+              </a:rPr>
+              <a:t>R.drawable.XXX</a:t>
+            </a:r>
+            <a:r>
+              <a:rPr lang="zh-CN" altLang="en-US" sz="1800" dirty="0" smtClean="0">
+                <a:latin typeface="微软雅黑" panose="020B0503020204020204" pitchFamily="34" charset="-122"/>
+                <a:ea typeface="微软雅黑" panose="020B0503020204020204" pitchFamily="34" charset="-122"/>
+              </a:rPr>
+              <a:t>指定的通知（插件系统会自动将其转化为</a:t>
+            </a:r>
+            <a:r>
+              <a:rPr lang="en-US" altLang="zh-CN" sz="1800" dirty="0" smtClean="0">
+                <a:latin typeface="微软雅黑" panose="020B0503020204020204" pitchFamily="34" charset="-122"/>
+                <a:ea typeface="微软雅黑" panose="020B0503020204020204" pitchFamily="34" charset="-122"/>
+              </a:rPr>
+              <a:t>Bitmap</a:t>
+            </a:r>
+            <a:r>
+              <a:rPr lang="zh-CN" altLang="en-US" sz="1800" dirty="0" smtClean="0">
+                <a:latin typeface="微软雅黑" panose="020B0503020204020204" pitchFamily="34" charset="-122"/>
+                <a:ea typeface="微软雅黑" panose="020B0503020204020204" pitchFamily="34" charset="-122"/>
+              </a:rPr>
+              <a:t>） </a:t>
+            </a:r>
+            <a:endParaRPr lang="en-US" altLang="zh-CN" sz="1800" dirty="0" smtClean="0">
+              <a:latin typeface="微软雅黑" panose="020B0503020204020204" pitchFamily="34" charset="-122"/>
+              <a:ea typeface="微软雅黑" panose="020B0503020204020204" pitchFamily="34" charset="-122"/>
+            </a:endParaRPr>
+          </a:p>
+          <a:p>
+            <a:pPr>
+              <a:buFont typeface="+mj-lt"/>
+              <a:buAutoNum type="arabicPeriod"/>
             </a:pPr>
             <a:r>
+              <a:rPr lang="zh-CN" altLang="en-US" sz="1800" dirty="0" smtClean="0">
+                <a:latin typeface="微软雅黑" panose="020B0503020204020204" pitchFamily="34" charset="-122"/>
+                <a:ea typeface="微软雅黑" panose="020B0503020204020204" pitchFamily="34" charset="-122"/>
+              </a:rPr>
+              <a:t>无法在插件中注册一些具有特殊</a:t>
+            </a:r>
+            <a:r>
               <a:rPr lang="en-US" altLang="zh-CN" sz="1800" dirty="0" smtClean="0">
                 <a:latin typeface="微软雅黑" panose="020B0503020204020204" pitchFamily="34" charset="-122"/>
                 <a:ea typeface="微软雅黑" panose="020B0503020204020204" pitchFamily="34" charset="-122"/>
               </a:rPr>
-              <a:t>2.    </a:t>
-            </a:r>
-            <a:r>
-              <a:rPr lang="zh-CN" altLang="en-US" sz="1800" dirty="0" smtClean="0">
-                <a:latin typeface="微软雅黑" panose="020B0503020204020204" pitchFamily="34" charset="-122"/>
-                <a:ea typeface="微软雅黑" panose="020B0503020204020204" pitchFamily="34" charset="-122"/>
-              </a:rPr>
-              <a:t>高度透明</a:t>
-            </a:r>
-          </a:p>
-          <a:p>
-            <a:pPr marL="0" indent="0">
-              <a:buNone/>
+              <a:t>Intent Filter</a:t>
+            </a:r>
+            <a:r>
+              <a:rPr lang="zh-CN" altLang="en-US" sz="1800" dirty="0" smtClean="0">
+                <a:latin typeface="微软雅黑" panose="020B0503020204020204" pitchFamily="34" charset="-122"/>
+                <a:ea typeface="微软雅黑" panose="020B0503020204020204" pitchFamily="34" charset="-122"/>
+              </a:rPr>
+              <a:t>的</a:t>
+            </a:r>
+            <a:r>
+              <a:rPr lang="en-US" altLang="zh-CN" sz="1800" dirty="0" smtClean="0">
+                <a:latin typeface="微软雅黑" panose="020B0503020204020204" pitchFamily="34" charset="-122"/>
+                <a:ea typeface="微软雅黑" panose="020B0503020204020204" pitchFamily="34" charset="-122"/>
+              </a:rPr>
+              <a:t>Service</a:t>
+            </a:r>
+            <a:r>
+              <a:rPr lang="zh-CN" altLang="en-US" sz="1800" dirty="0" smtClean="0">
+                <a:latin typeface="微软雅黑" panose="020B0503020204020204" pitchFamily="34" charset="-122"/>
+                <a:ea typeface="微软雅黑" panose="020B0503020204020204" pitchFamily="34" charset="-122"/>
+              </a:rPr>
+              <a:t>、</a:t>
+            </a:r>
+            <a:r>
+              <a:rPr lang="en-US" altLang="zh-CN" sz="1800" dirty="0" smtClean="0">
+                <a:latin typeface="微软雅黑" panose="020B0503020204020204" pitchFamily="34" charset="-122"/>
+                <a:ea typeface="微软雅黑" panose="020B0503020204020204" pitchFamily="34" charset="-122"/>
+              </a:rPr>
+              <a:t>Activity</a:t>
+            </a:r>
+            <a:r>
+              <a:rPr lang="zh-CN" altLang="en-US" sz="1800" dirty="0" smtClean="0">
+                <a:latin typeface="微软雅黑" panose="020B0503020204020204" pitchFamily="34" charset="-122"/>
+                <a:ea typeface="微软雅黑" panose="020B0503020204020204" pitchFamily="34" charset="-122"/>
+              </a:rPr>
+              <a:t>、</a:t>
+            </a:r>
+            <a:r>
+              <a:rPr lang="en-US" altLang="zh-CN" sz="1800" dirty="0" err="1" smtClean="0">
+                <a:latin typeface="微软雅黑" panose="020B0503020204020204" pitchFamily="34" charset="-122"/>
+                <a:ea typeface="微软雅黑" panose="020B0503020204020204" pitchFamily="34" charset="-122"/>
+              </a:rPr>
+              <a:t>BroadcastReceiver</a:t>
+            </a:r>
+            <a:r>
+              <a:rPr lang="zh-CN" altLang="en-US" sz="1800" dirty="0" smtClean="0">
+                <a:latin typeface="微软雅黑" panose="020B0503020204020204" pitchFamily="34" charset="-122"/>
+                <a:ea typeface="微软雅黑" panose="020B0503020204020204" pitchFamily="34" charset="-122"/>
+              </a:rPr>
+              <a:t>、</a:t>
+            </a:r>
+            <a:r>
+              <a:rPr lang="en-US" altLang="zh-CN" sz="1800" dirty="0" err="1" smtClean="0">
+                <a:latin typeface="微软雅黑" panose="020B0503020204020204" pitchFamily="34" charset="-122"/>
+                <a:ea typeface="微软雅黑" panose="020B0503020204020204" pitchFamily="34" charset="-122"/>
+              </a:rPr>
+              <a:t>ContentProvider</a:t>
+            </a:r>
+            <a:r>
+              <a:rPr lang="zh-CN" altLang="en-US" sz="1800" dirty="0" smtClean="0">
+                <a:latin typeface="微软雅黑" panose="020B0503020204020204" pitchFamily="34" charset="-122"/>
+                <a:ea typeface="微软雅黑" panose="020B0503020204020204" pitchFamily="34" charset="-122"/>
+              </a:rPr>
+              <a:t>等组件以供</a:t>
+            </a:r>
+            <a:r>
+              <a:rPr lang="en-US" altLang="zh-CN" sz="1800" dirty="0" smtClean="0">
+                <a:latin typeface="微软雅黑" panose="020B0503020204020204" pitchFamily="34" charset="-122"/>
+                <a:ea typeface="微软雅黑" panose="020B0503020204020204" pitchFamily="34" charset="-122"/>
+              </a:rPr>
+              <a:t>Android</a:t>
+            </a:r>
+            <a:r>
+              <a:rPr lang="zh-CN" altLang="en-US" sz="1800" dirty="0" smtClean="0">
+                <a:latin typeface="微软雅黑" panose="020B0503020204020204" pitchFamily="34" charset="-122"/>
+                <a:ea typeface="微软雅黑" panose="020B0503020204020204" pitchFamily="34" charset="-122"/>
+              </a:rPr>
+              <a:t>系统、已经安装的其他</a:t>
+            </a:r>
+            <a:r>
+              <a:rPr lang="en-US" altLang="zh-CN" sz="1800" dirty="0" smtClean="0">
+                <a:latin typeface="微软雅黑" panose="020B0503020204020204" pitchFamily="34" charset="-122"/>
+                <a:ea typeface="微软雅黑" panose="020B0503020204020204" pitchFamily="34" charset="-122"/>
+              </a:rPr>
+              <a:t>APP</a:t>
+            </a:r>
+            <a:r>
+              <a:rPr lang="zh-CN" altLang="en-US" sz="1800" dirty="0" smtClean="0">
+                <a:latin typeface="微软雅黑" panose="020B0503020204020204" pitchFamily="34" charset="-122"/>
+                <a:ea typeface="微软雅黑" panose="020B0503020204020204" pitchFamily="34" charset="-122"/>
+              </a:rPr>
+              <a:t>调用。</a:t>
+            </a:r>
+            <a:endParaRPr lang="en-US" altLang="zh-CN" sz="1800" dirty="0" smtClean="0">
+              <a:latin typeface="微软雅黑" panose="020B0503020204020204" pitchFamily="34" charset="-122"/>
+              <a:ea typeface="微软雅黑" panose="020B0503020204020204" pitchFamily="34" charset="-122"/>
+            </a:endParaRPr>
+          </a:p>
+          <a:p>
+            <a:pPr>
+              <a:buFont typeface="+mj-lt"/>
+              <a:buAutoNum type="arabicPeriod"/>
             </a:pPr>
             <a:r>
               <a:rPr lang="zh-CN" altLang="en-US" sz="1800" dirty="0" smtClean="0">
                 <a:latin typeface="微软雅黑" panose="020B0503020204020204" pitchFamily="34" charset="-122"/>
                 <a:ea typeface="微软雅黑" panose="020B0503020204020204" pitchFamily="34" charset="-122"/>
               </a:rPr>
-              <a:t>       插件编码、布局编写方式与独立应用开发无异</a:t>
-            </a:r>
-          </a:p>
-          <a:p>
-            <a:pPr marL="0" indent="0">
-              <a:buNone/>
+              <a:t>缺乏对</a:t>
+            </a:r>
+            <a:r>
+              <a:rPr lang="en-US" altLang="zh-CN" sz="1800" dirty="0" smtClean="0">
+                <a:latin typeface="微软雅黑" panose="020B0503020204020204" pitchFamily="34" charset="-122"/>
+                <a:ea typeface="微软雅黑" panose="020B0503020204020204" pitchFamily="34" charset="-122"/>
+              </a:rPr>
+              <a:t>Native</a:t>
+            </a:r>
+            <a:r>
+              <a:rPr lang="zh-CN" altLang="en-US" sz="1800" dirty="0" smtClean="0">
+                <a:latin typeface="微软雅黑" panose="020B0503020204020204" pitchFamily="34" charset="-122"/>
+                <a:ea typeface="微软雅黑" panose="020B0503020204020204" pitchFamily="34" charset="-122"/>
+              </a:rPr>
+              <a:t>层的</a:t>
+            </a:r>
+            <a:r>
+              <a:rPr lang="en-US" altLang="zh-CN" sz="1800" dirty="0" smtClean="0">
+                <a:latin typeface="微软雅黑" panose="020B0503020204020204" pitchFamily="34" charset="-122"/>
+                <a:ea typeface="微软雅黑" panose="020B0503020204020204" pitchFamily="34" charset="-122"/>
+              </a:rPr>
+              <a:t>Hook</a:t>
+            </a:r>
+            <a:r>
+              <a:rPr lang="zh-CN" altLang="en-US" sz="1800" dirty="0" smtClean="0">
+                <a:latin typeface="微软雅黑" panose="020B0503020204020204" pitchFamily="34" charset="-122"/>
+                <a:ea typeface="微软雅黑" panose="020B0503020204020204" pitchFamily="34" charset="-122"/>
+              </a:rPr>
+              <a:t>，对某些带</a:t>
+            </a:r>
+            <a:r>
+              <a:rPr lang="en-US" altLang="zh-CN" sz="1800" dirty="0" smtClean="0">
+                <a:latin typeface="微软雅黑" panose="020B0503020204020204" pitchFamily="34" charset="-122"/>
+                <a:ea typeface="微软雅黑" panose="020B0503020204020204" pitchFamily="34" charset="-122"/>
+              </a:rPr>
+              <a:t>native</a:t>
+            </a:r>
+            <a:r>
+              <a:rPr lang="zh-CN" altLang="en-US" sz="1800" dirty="0" smtClean="0">
+                <a:latin typeface="微软雅黑" panose="020B0503020204020204" pitchFamily="34" charset="-122"/>
+                <a:ea typeface="微软雅黑" panose="020B0503020204020204" pitchFamily="34" charset="-122"/>
+              </a:rPr>
+              <a:t>代码的</a:t>
+            </a:r>
+            <a:r>
+              <a:rPr lang="en-US" altLang="zh-CN" sz="1800" dirty="0" err="1" smtClean="0">
+                <a:latin typeface="微软雅黑" panose="020B0503020204020204" pitchFamily="34" charset="-122"/>
+                <a:ea typeface="微软雅黑" panose="020B0503020204020204" pitchFamily="34" charset="-122"/>
+              </a:rPr>
+              <a:t>apk</a:t>
+            </a:r>
+            <a:r>
+              <a:rPr lang="zh-CN" altLang="en-US" sz="1800" dirty="0" smtClean="0">
+                <a:latin typeface="微软雅黑" panose="020B0503020204020204" pitchFamily="34" charset="-122"/>
+                <a:ea typeface="微软雅黑" panose="020B0503020204020204" pitchFamily="34" charset="-122"/>
+              </a:rPr>
+              <a:t>支持不好，可能无法运行。比如一部分游戏无法当作插件运行。</a:t>
+            </a:r>
+            <a:endParaRPr lang="en-US" altLang="zh-CN" sz="1800" dirty="0" smtClean="0">
+              <a:latin typeface="微软雅黑" panose="020B0503020204020204" pitchFamily="34" charset="-122"/>
+              <a:ea typeface="微软雅黑" panose="020B0503020204020204" pitchFamily="34" charset="-122"/>
+            </a:endParaRPr>
+          </a:p>
+          <a:p>
+            <a:pPr>
+              <a:buFont typeface="+mj-lt"/>
+              <a:buAutoNum type="arabicPeriod"/>
             </a:pPr>
             <a:r>
               <a:rPr lang="zh-CN" altLang="en-US" sz="1800" dirty="0" smtClean="0">
                 <a:latin typeface="微软雅黑" panose="020B0503020204020204" pitchFamily="34" charset="-122"/>
                 <a:ea typeface="微软雅黑" panose="020B0503020204020204" pitchFamily="34" charset="-122"/>
               </a:rPr>
-              <a:t>       插件代码调试与整包开发无异</a:t>
-            </a:r>
-          </a:p>
-          <a:p>
-            <a:pPr marL="0" indent="0">
-              <a:buNone/>
-            </a:pPr>
-            <a:r>
-              <a:rPr lang="en-US" altLang="zh-CN" sz="1800" dirty="0" smtClean="0">
-                <a:latin typeface="微软雅黑" panose="020B0503020204020204" pitchFamily="34" charset="-122"/>
-                <a:ea typeface="微软雅黑" panose="020B0503020204020204" pitchFamily="34" charset="-122"/>
-              </a:rPr>
-              <a:t>3.    </a:t>
-            </a:r>
-            <a:r>
-              <a:rPr lang="zh-CN" altLang="en-US" sz="1800" dirty="0" smtClean="0">
-                <a:latin typeface="微软雅黑" panose="020B0503020204020204" pitchFamily="34" charset="-122"/>
-                <a:ea typeface="微软雅黑" panose="020B0503020204020204" pitchFamily="34" charset="-122"/>
-              </a:rPr>
-              <a:t>极致剪裁</a:t>
-            </a:r>
-          </a:p>
-          <a:p>
-            <a:pPr marL="0" indent="0">
-              <a:buNone/>
-            </a:pPr>
-            <a:r>
-              <a:rPr lang="zh-CN" altLang="en-US" sz="1800" dirty="0" smtClean="0">
-                <a:latin typeface="微软雅黑" panose="020B0503020204020204" pitchFamily="34" charset="-122"/>
-                <a:ea typeface="微软雅黑" panose="020B0503020204020204" pitchFamily="34" charset="-122"/>
-              </a:rPr>
-              <a:t>       对插件分离所有一切能分离的公共代码、资源</a:t>
-            </a:r>
-          </a:p>
-          <a:p>
-            <a:pPr marL="0" indent="0">
-              <a:buNone/>
-            </a:pPr>
-            <a:r>
-              <a:rPr lang="en-US" altLang="zh-CN" sz="1800" dirty="0" smtClean="0">
-                <a:latin typeface="微软雅黑" panose="020B0503020204020204" pitchFamily="34" charset="-122"/>
-                <a:ea typeface="微软雅黑" panose="020B0503020204020204" pitchFamily="34" charset="-122"/>
-              </a:rPr>
-              <a:t>4.    </a:t>
-            </a:r>
-            <a:r>
-              <a:rPr lang="zh-CN" altLang="en-US" sz="1800" dirty="0" smtClean="0">
-                <a:latin typeface="微软雅黑" panose="020B0503020204020204" pitchFamily="34" charset="-122"/>
-                <a:ea typeface="微软雅黑" panose="020B0503020204020204" pitchFamily="34" charset="-122"/>
-              </a:rPr>
-              <a:t>无缝链接</a:t>
-            </a:r>
-          </a:p>
-          <a:p>
-            <a:pPr marL="0" indent="0">
-              <a:buNone/>
-            </a:pPr>
-            <a:r>
-              <a:rPr lang="zh-CN" altLang="en-US" sz="1800" dirty="0" smtClean="0">
-                <a:latin typeface="微软雅黑" panose="020B0503020204020204" pitchFamily="34" charset="-122"/>
-                <a:ea typeface="微软雅黑" panose="020B0503020204020204" pitchFamily="34" charset="-122"/>
-              </a:rPr>
-              <a:t>       通过设定</a:t>
-            </a:r>
-            <a:r>
-              <a:rPr lang="en-US" altLang="zh-CN" sz="1800" dirty="0" smtClean="0">
-                <a:latin typeface="微软雅黑" panose="020B0503020204020204" pitchFamily="34" charset="-122"/>
-                <a:ea typeface="微软雅黑" panose="020B0503020204020204" pitchFamily="34" charset="-122"/>
-              </a:rPr>
-              <a:t>URI</a:t>
-            </a:r>
-            <a:r>
-              <a:rPr lang="zh-CN" altLang="en-US" sz="1800" dirty="0" smtClean="0">
-                <a:latin typeface="微软雅黑" panose="020B0503020204020204" pitchFamily="34" charset="-122"/>
-                <a:ea typeface="微软雅黑" panose="020B0503020204020204" pitchFamily="34" charset="-122"/>
-              </a:rPr>
-              <a:t>，宿主、本地化应用插件、本地化</a:t>
-            </a:r>
-            <a:r>
-              <a:rPr lang="en-US" altLang="zh-CN" sz="1800" dirty="0" smtClean="0">
-                <a:latin typeface="微软雅黑" panose="020B0503020204020204" pitchFamily="34" charset="-122"/>
-                <a:ea typeface="微软雅黑" panose="020B0503020204020204" pitchFamily="34" charset="-122"/>
-              </a:rPr>
-              <a:t>web</a:t>
-            </a:r>
-            <a:r>
-              <a:rPr lang="zh-CN" altLang="en-US" sz="1800" dirty="0" smtClean="0">
-                <a:latin typeface="微软雅黑" panose="020B0503020204020204" pitchFamily="34" charset="-122"/>
-                <a:ea typeface="微软雅黑" panose="020B0503020204020204" pitchFamily="34" charset="-122"/>
-              </a:rPr>
-              <a:t>插件、在线网页，以及任何自定义的插件之间能够相互调起与传递参数</a:t>
-            </a:r>
-          </a:p>
-          <a:p>
-            <a:pPr marL="0" indent="0">
-              <a:buNone/>
-            </a:pPr>
-            <a:r>
-              <a:rPr lang="en-US" altLang="zh-CN" sz="1800" dirty="0" smtClean="0">
-                <a:latin typeface="微软雅黑" panose="020B0503020204020204" pitchFamily="34" charset="-122"/>
-                <a:ea typeface="微软雅黑" panose="020B0503020204020204" pitchFamily="34" charset="-122"/>
-              </a:rPr>
-              <a:t>5.    </a:t>
-            </a:r>
-            <a:r>
-              <a:rPr lang="zh-CN" altLang="en-US" sz="1800" dirty="0" smtClean="0">
-                <a:latin typeface="微软雅黑" panose="020B0503020204020204" pitchFamily="34" charset="-122"/>
-                <a:ea typeface="微软雅黑" panose="020B0503020204020204" pitchFamily="34" charset="-122"/>
-              </a:rPr>
-              <a:t>跨平台</a:t>
-            </a:r>
-          </a:p>
-          <a:p>
-            <a:pPr marL="0" indent="0">
-              <a:buNone/>
-            </a:pPr>
-            <a:r>
-              <a:rPr lang="zh-CN" altLang="en-US" sz="1800" dirty="0" smtClean="0">
-                <a:latin typeface="微软雅黑" panose="020B0503020204020204" pitchFamily="34" charset="-122"/>
-                <a:ea typeface="微软雅黑" panose="020B0503020204020204" pitchFamily="34" charset="-122"/>
-              </a:rPr>
-              <a:t>       目前已支持</a:t>
-            </a:r>
-            <a:r>
-              <a:rPr lang="en-US" altLang="zh-CN" sz="1800" dirty="0" smtClean="0">
-                <a:latin typeface="微软雅黑" panose="020B0503020204020204" pitchFamily="34" charset="-122"/>
-                <a:ea typeface="微软雅黑" panose="020B0503020204020204" pitchFamily="34" charset="-122"/>
-              </a:rPr>
-              <a:t>Android</a:t>
-            </a:r>
-            <a:r>
-              <a:rPr lang="zh-CN" altLang="en-US" sz="1800" dirty="0" smtClean="0">
-                <a:latin typeface="微软雅黑" panose="020B0503020204020204" pitchFamily="34" charset="-122"/>
-                <a:ea typeface="微软雅黑" panose="020B0503020204020204" pitchFamily="34" charset="-122"/>
-              </a:rPr>
-              <a:t>、</a:t>
-            </a:r>
-            <a:r>
-              <a:rPr lang="en-US" altLang="zh-CN" sz="1800" dirty="0" smtClean="0">
-                <a:latin typeface="微软雅黑" panose="020B0503020204020204" pitchFamily="34" charset="-122"/>
-                <a:ea typeface="微软雅黑" panose="020B0503020204020204" pitchFamily="34" charset="-122"/>
-              </a:rPr>
-              <a:t>iOS</a:t>
-            </a:r>
-            <a:r>
-              <a:rPr lang="zh-CN" altLang="en-US" sz="1800" dirty="0" smtClean="0">
-                <a:latin typeface="微软雅黑" panose="020B0503020204020204" pitchFamily="34" charset="-122"/>
-                <a:ea typeface="微软雅黑" panose="020B0503020204020204" pitchFamily="34" charset="-122"/>
-              </a:rPr>
-              <a:t>以及</a:t>
-            </a:r>
-            <a:r>
-              <a:rPr lang="en-US" altLang="zh-CN" sz="1800" dirty="0" smtClean="0">
-                <a:latin typeface="微软雅黑" panose="020B0503020204020204" pitchFamily="34" charset="-122"/>
-                <a:ea typeface="微软雅黑" panose="020B0503020204020204" pitchFamily="34" charset="-122"/>
-              </a:rPr>
-              <a:t>html5</a:t>
-            </a:r>
-            <a:r>
-              <a:rPr lang="zh-CN" altLang="en-US" sz="1800" dirty="0" smtClean="0">
-                <a:latin typeface="微软雅黑" panose="020B0503020204020204" pitchFamily="34" charset="-122"/>
-                <a:ea typeface="微软雅黑" panose="020B0503020204020204" pitchFamily="34" charset="-122"/>
-              </a:rPr>
-              <a:t>插件。并且三者之间可以通过同一套</a:t>
-            </a:r>
-            <a:r>
-              <a:rPr lang="en-US" altLang="zh-CN" sz="1800" dirty="0" err="1" smtClean="0">
-                <a:latin typeface="微软雅黑" panose="020B0503020204020204" pitchFamily="34" charset="-122"/>
-                <a:ea typeface="微软雅黑" panose="020B0503020204020204" pitchFamily="34" charset="-122"/>
-              </a:rPr>
-              <a:t>Javascript</a:t>
-            </a:r>
-            <a:r>
-              <a:rPr lang="zh-CN" altLang="en-US" sz="1800" dirty="0" smtClean="0">
-                <a:latin typeface="微软雅黑" panose="020B0503020204020204" pitchFamily="34" charset="-122"/>
-                <a:ea typeface="微软雅黑" panose="020B0503020204020204" pitchFamily="34" charset="-122"/>
-              </a:rPr>
-              <a:t>接口进行通信。</a:t>
-            </a:r>
-            <a:endParaRPr lang="zh-CN" altLang="en-US" sz="1800" dirty="0"/>
+              <a:t>数据交互和等待令人抓狂。</a:t>
+            </a:r>
+          </a:p>
+          <a:p>
+            <a:endParaRPr lang="zh-CN" altLang="en-US" dirty="0"/>
           </a:p>
         </p:txBody>
       </p:sp>
     </p:spTree>
     <p:extLst>
       <p:ext uri="{BB962C8B-B14F-4D97-AF65-F5344CB8AC3E}">
-        <p14:creationId xmlns:p14="http://schemas.microsoft.com/office/powerpoint/2010/main" val="20545327"/>
+        <p14:creationId xmlns:p14="http://schemas.microsoft.com/office/powerpoint/2010/main" val="394981629"/>
       </p:ext>
     </p:extLst>
   </p:cSld>
@@ -5746,12 +5934,12 @@
       </p:grpSpPr>
       <p:sp>
         <p:nvSpPr>
-          <p:cNvPr id="3" name="内容占位符 2"/>
-          <p:cNvSpPr>
-            <a:spLocks noGrp="1"/>
-          </p:cNvSpPr>
-          <p:nvPr>
-            <p:ph idx="1"/>
+          <p:cNvPr id="2" name="标题 1"/>
+          <p:cNvSpPr>
+            <a:spLocks noGrp="1"/>
+          </p:cNvSpPr>
+          <p:nvPr>
+            <p:ph type="title"/>
           </p:nvPr>
         </p:nvSpPr>
         <p:spPr/>
@@ -5761,6 +5949,40 @@
           </a:bodyPr>
           <a:lstStyle/>
           <a:p>
+            <a:r>
+              <a:rPr lang="en-US" altLang="zh-CN" dirty="0" smtClean="0"/>
+              <a:t>Small --</a:t>
+            </a:r>
+            <a:r>
+              <a:rPr lang="en-US" altLang="zh-CN" dirty="0" err="1" smtClean="0"/>
+              <a:t>wequick</a:t>
+            </a:r>
+            <a:endParaRPr lang="zh-CN" altLang="en-US" dirty="0"/>
+          </a:p>
+        </p:txBody>
+      </p:sp>
+      <p:sp>
+        <p:nvSpPr>
+          <p:cNvPr id="3" name="内容占位符 2"/>
+          <p:cNvSpPr>
+            <a:spLocks noGrp="1"/>
+          </p:cNvSpPr>
+          <p:nvPr>
+            <p:ph idx="1"/>
+          </p:nvPr>
+        </p:nvSpPr>
+        <p:spPr>
+          <a:xfrm>
+            <a:off x="457200" y="1600200"/>
+            <a:ext cx="8229600" cy="4781128"/>
+          </a:xfrm>
+        </p:spPr>
+        <p:txBody>
+          <a:bodyPr>
+            <a:normAutofit/>
+          </a:bodyPr>
+          <a:lstStyle/>
+          <a:p>
             <a:pPr marL="0" indent="0">
               <a:buNone/>
             </a:pPr>
@@ -5769,17 +5991,10 @@
                 <a:latin typeface="微软雅黑" panose="020B0503020204020204" pitchFamily="34" charset="-122"/>
                 <a:ea typeface="微软雅黑" panose="020B0503020204020204" pitchFamily="34" charset="-122"/>
               </a:rPr>
-              <a:t>限制和缺陷</a:t>
-            </a:r>
-            <a:r>
-              <a:rPr lang="en-US" altLang="zh-CN" sz="1800" b="1" dirty="0" smtClean="0">
-                <a:latin typeface="微软雅黑" panose="020B0503020204020204" pitchFamily="34" charset="-122"/>
-                <a:ea typeface="微软雅黑" panose="020B0503020204020204" pitchFamily="34" charset="-122"/>
-              </a:rPr>
-              <a:t>:</a:t>
-            </a:r>
-            <a:r>
-              <a:rPr lang="zh-CN" altLang="en-US" sz="1800" dirty="0" smtClean="0">
+              <a:t>特点：</a:t>
+            </a:r>
+            <a:r>
+              <a:rPr lang="zh-CN" altLang="en-US" sz="1800" dirty="0">
                 <a:latin typeface="微软雅黑" panose="020B0503020204020204" pitchFamily="34" charset="-122"/>
                 <a:ea typeface="微软雅黑" panose="020B0503020204020204" pitchFamily="34" charset="-122"/>
               </a:rPr>
@@ -5791,304 +6006,257 @@
             </a:endParaRPr>
           </a:p>
           <a:p>
-            <a:pPr>
+            <a:pPr marL="514350" indent="-514350">
               <a:buFont typeface="+mj-lt"/>
               <a:buAutoNum type="arabicPeriod"/>
             </a:pPr>
             <a:r>
-              <a:rPr lang="zh-CN" altLang="en-US" sz="1800" dirty="0">
-                <a:latin typeface="微软雅黑" panose="020B0503020204020204" pitchFamily="34" charset="-122"/>
-                <a:ea typeface="微软雅黑" panose="020B0503020204020204" pitchFamily="34" charset="-122"/>
-              </a:rPr>
-              <a:t>加载插件优先级 </a:t>
-            </a:r>
-            <a:br>
-              <a:rPr lang="zh-CN" altLang="en-US" sz="1800" dirty="0">
-                <a:latin typeface="微软雅黑" panose="020B0503020204020204" pitchFamily="34" charset="-122"/>
-                <a:ea typeface="微软雅黑" panose="020B0503020204020204" pitchFamily="34" charset="-122"/>
-              </a:rPr>
-            </a:br>
-            <a:r>
-              <a:rPr lang="zh-CN" altLang="en-US" sz="1800" dirty="0">
-                <a:latin typeface="微软雅黑" panose="020B0503020204020204" pitchFamily="34" charset="-122"/>
-                <a:ea typeface="微软雅黑" panose="020B0503020204020204" pitchFamily="34" charset="-122"/>
-              </a:rPr>
-              <a:t>目前</a:t>
-            </a:r>
-            <a:r>
-              <a:rPr lang="en-US" altLang="zh-CN" sz="1800" dirty="0">
-                <a:latin typeface="微软雅黑" panose="020B0503020204020204" pitchFamily="34" charset="-122"/>
-                <a:ea typeface="微软雅黑" panose="020B0503020204020204" pitchFamily="34" charset="-122"/>
-              </a:rPr>
-              <a:t>load</a:t>
-            </a:r>
-            <a:r>
-              <a:rPr lang="zh-CN" altLang="en-US" sz="1800" dirty="0">
-                <a:latin typeface="微软雅黑" panose="020B0503020204020204" pitchFamily="34" charset="-122"/>
-                <a:ea typeface="微软雅黑" panose="020B0503020204020204" pitchFamily="34" charset="-122"/>
-              </a:rPr>
-              <a:t>插件的时候是把所有插件都加载进来才算准备好，应该改为只加载必备插件就可以发准备好回调让主流程继续跑，其他插件在后台继续加载；</a:t>
-            </a:r>
-          </a:p>
-          <a:p>
-            <a:pPr>
-              <a:buFont typeface="+mj-lt"/>
-              <a:buAutoNum type="arabicPeriod"/>
+              <a:rPr lang="zh-CN" altLang="en-US" sz="1800" dirty="0" smtClean="0">
+                <a:latin typeface="微软雅黑" panose="020B0503020204020204" pitchFamily="34" charset="-122"/>
+                <a:ea typeface="微软雅黑" panose="020B0503020204020204" pitchFamily="34" charset="-122"/>
+              </a:rPr>
+              <a:t>完美内置</a:t>
+            </a:r>
+          </a:p>
+          <a:p>
+            <a:pPr marL="0" indent="0">
+              <a:buNone/>
             </a:pPr>
             <a:r>
-              <a:rPr lang="zh-CN" altLang="en-US" sz="1800" dirty="0">
-                <a:latin typeface="微软雅黑" panose="020B0503020204020204" pitchFamily="34" charset="-122"/>
-                <a:ea typeface="微软雅黑" panose="020B0503020204020204" pitchFamily="34" charset="-122"/>
-              </a:rPr>
-              <a:t>优化通过</a:t>
-            </a:r>
-            <a:r>
-              <a:rPr lang="en-US" altLang="zh-CN" sz="1800" dirty="0" err="1">
-                <a:latin typeface="微软雅黑" panose="020B0503020204020204" pitchFamily="34" charset="-122"/>
-                <a:ea typeface="微软雅黑" panose="020B0503020204020204" pitchFamily="34" charset="-122"/>
-              </a:rPr>
-              <a:t>PackageManager</a:t>
-            </a:r>
-            <a:r>
-              <a:rPr lang="zh-CN" altLang="en-US" sz="1800" dirty="0">
-                <a:latin typeface="微软雅黑" panose="020B0503020204020204" pitchFamily="34" charset="-122"/>
-                <a:ea typeface="微软雅黑" panose="020B0503020204020204" pitchFamily="34" charset="-122"/>
-              </a:rPr>
-              <a:t>获取包内</a:t>
-            </a:r>
-            <a:r>
-              <a:rPr lang="en-US" altLang="zh-CN" sz="1800" dirty="0">
-                <a:latin typeface="微软雅黑" panose="020B0503020204020204" pitchFamily="34" charset="-122"/>
-                <a:ea typeface="微软雅黑" panose="020B0503020204020204" pitchFamily="34" charset="-122"/>
-              </a:rPr>
-              <a:t>Activity</a:t>
-            </a:r>
-            <a:r>
-              <a:rPr lang="zh-CN" altLang="en-US" sz="1800" dirty="0">
-                <a:latin typeface="微软雅黑" panose="020B0503020204020204" pitchFamily="34" charset="-122"/>
-                <a:ea typeface="微软雅黑" panose="020B0503020204020204" pitchFamily="34" charset="-122"/>
-              </a:rPr>
-              <a:t>信息 </a:t>
-            </a:r>
-            <a:br>
-              <a:rPr lang="zh-CN" altLang="en-US" sz="1800" dirty="0">
-                <a:latin typeface="微软雅黑" panose="020B0503020204020204" pitchFamily="34" charset="-122"/>
-                <a:ea typeface="微软雅黑" panose="020B0503020204020204" pitchFamily="34" charset="-122"/>
-              </a:rPr>
-            </a:br>
-            <a:r>
-              <a:rPr lang="zh-CN" altLang="en-US" sz="1800" dirty="0">
-                <a:latin typeface="微软雅黑" panose="020B0503020204020204" pitchFamily="34" charset="-122"/>
-                <a:ea typeface="微软雅黑" panose="020B0503020204020204" pitchFamily="34" charset="-122"/>
-              </a:rPr>
-              <a:t>经实际测试，通过</a:t>
-            </a:r>
-            <a:r>
-              <a:rPr lang="en-US" altLang="zh-CN" sz="1800" dirty="0" err="1">
-                <a:latin typeface="微软雅黑" panose="020B0503020204020204" pitchFamily="34" charset="-122"/>
-                <a:ea typeface="微软雅黑" panose="020B0503020204020204" pitchFamily="34" charset="-122"/>
-              </a:rPr>
-              <a:t>PackageManager</a:t>
-            </a:r>
-            <a:r>
-              <a:rPr lang="zh-CN" altLang="en-US" sz="1800" dirty="0">
-                <a:latin typeface="微软雅黑" panose="020B0503020204020204" pitchFamily="34" charset="-122"/>
-                <a:ea typeface="微软雅黑" panose="020B0503020204020204" pitchFamily="34" charset="-122"/>
-              </a:rPr>
-              <a:t>获取包内</a:t>
-            </a:r>
-            <a:r>
-              <a:rPr lang="en-US" altLang="zh-CN" sz="1800" dirty="0">
-                <a:latin typeface="微软雅黑" panose="020B0503020204020204" pitchFamily="34" charset="-122"/>
-                <a:ea typeface="微软雅黑" panose="020B0503020204020204" pitchFamily="34" charset="-122"/>
-              </a:rPr>
-              <a:t>Activity</a:t>
-            </a:r>
-            <a:r>
-              <a:rPr lang="zh-CN" altLang="en-US" sz="1800" dirty="0">
-                <a:latin typeface="微软雅黑" panose="020B0503020204020204" pitchFamily="34" charset="-122"/>
-                <a:ea typeface="微软雅黑" panose="020B0503020204020204" pitchFamily="34" charset="-122"/>
-              </a:rPr>
-              <a:t>信息会耗时很大（</a:t>
-            </a:r>
-            <a:r>
-              <a:rPr lang="en-US" altLang="zh-CN" sz="1800" dirty="0">
-                <a:latin typeface="微软雅黑" panose="020B0503020204020204" pitchFamily="34" charset="-122"/>
-                <a:ea typeface="微软雅黑" panose="020B0503020204020204" pitchFamily="34" charset="-122"/>
-              </a:rPr>
-              <a:t>700ms</a:t>
-            </a:r>
-            <a:r>
-              <a:rPr lang="zh-CN" altLang="en-US" sz="1800" dirty="0">
-                <a:latin typeface="微软雅黑" panose="020B0503020204020204" pitchFamily="34" charset="-122"/>
-                <a:ea typeface="微软雅黑" panose="020B0503020204020204" pitchFamily="34" charset="-122"/>
-              </a:rPr>
-              <a:t>），但是加载插件又需要插件包里的</a:t>
-            </a:r>
-            <a:r>
-              <a:rPr lang="en-US" altLang="zh-CN" sz="1800" dirty="0">
-                <a:latin typeface="微软雅黑" panose="020B0503020204020204" pitchFamily="34" charset="-122"/>
-                <a:ea typeface="微软雅黑" panose="020B0503020204020204" pitchFamily="34" charset="-122"/>
-              </a:rPr>
-              <a:t>activity</a:t>
-            </a:r>
-            <a:r>
-              <a:rPr lang="zh-CN" altLang="en-US" sz="1800" dirty="0">
-                <a:latin typeface="微软雅黑" panose="020B0503020204020204" pitchFamily="34" charset="-122"/>
-                <a:ea typeface="微软雅黑" panose="020B0503020204020204" pitchFamily="34" charset="-122"/>
-              </a:rPr>
-              <a:t>的信息，拟通过在打包时提取相应信息放入文件，加载插件只需要读取文件解析就行了；</a:t>
-            </a:r>
-          </a:p>
-          <a:p>
-            <a:pPr>
-              <a:buFont typeface="+mj-lt"/>
-              <a:buAutoNum type="arabicPeriod"/>
+              <a:rPr lang="zh-CN" altLang="en-US" sz="1800" dirty="0" smtClean="0">
+                <a:latin typeface="微软雅黑" panose="020B0503020204020204" pitchFamily="34" charset="-122"/>
+                <a:ea typeface="微软雅黑" panose="020B0503020204020204" pitchFamily="34" charset="-122"/>
+              </a:rPr>
+              <a:t>       所有插件支持内置于宿主包中</a:t>
+            </a:r>
+          </a:p>
+          <a:p>
+            <a:pPr marL="0" indent="0">
+              <a:buNone/>
             </a:pPr>
             <a:r>
-              <a:rPr lang="zh-CN" altLang="en-US" sz="1800" dirty="0">
-                <a:latin typeface="微软雅黑" panose="020B0503020204020204" pitchFamily="34" charset="-122"/>
-                <a:ea typeface="微软雅黑" panose="020B0503020204020204" pitchFamily="34" charset="-122"/>
-              </a:rPr>
-              <a:t>插件合法性校验 </a:t>
-            </a:r>
-            <a:br>
-              <a:rPr lang="zh-CN" altLang="en-US" sz="1800" dirty="0">
-                <a:latin typeface="微软雅黑" panose="020B0503020204020204" pitchFamily="34" charset="-122"/>
-                <a:ea typeface="微软雅黑" panose="020B0503020204020204" pitchFamily="34" charset="-122"/>
-              </a:rPr>
-            </a:br>
-            <a:r>
-              <a:rPr lang="zh-CN" altLang="en-US" sz="1800" dirty="0">
-                <a:latin typeface="微软雅黑" panose="020B0503020204020204" pitchFamily="34" charset="-122"/>
-                <a:ea typeface="微软雅黑" panose="020B0503020204020204" pitchFamily="34" charset="-122"/>
-              </a:rPr>
-              <a:t>目前的插件合法性是通过包的签名对比来实现的，也是调用的</a:t>
-            </a:r>
-            <a:r>
-              <a:rPr lang="en-US" altLang="zh-CN" sz="1800" dirty="0" err="1">
-                <a:latin typeface="微软雅黑" panose="020B0503020204020204" pitchFamily="34" charset="-122"/>
-                <a:ea typeface="微软雅黑" panose="020B0503020204020204" pitchFamily="34" charset="-122"/>
-              </a:rPr>
-              <a:t>PackageManager</a:t>
-            </a:r>
-            <a:r>
-              <a:rPr lang="zh-CN" altLang="en-US" sz="1800" dirty="0">
-                <a:latin typeface="微软雅黑" panose="020B0503020204020204" pitchFamily="34" charset="-122"/>
-                <a:ea typeface="微软雅黑" panose="020B0503020204020204" pitchFamily="34" charset="-122"/>
-              </a:rPr>
-              <a:t>，效率比较低</a:t>
-            </a:r>
-            <a:r>
-              <a:rPr lang="en-US" altLang="zh-CN" sz="1800" dirty="0">
-                <a:latin typeface="微软雅黑" panose="020B0503020204020204" pitchFamily="34" charset="-122"/>
-                <a:ea typeface="微软雅黑" panose="020B0503020204020204" pitchFamily="34" charset="-122"/>
-              </a:rPr>
-              <a:t>.</a:t>
-            </a:r>
-          </a:p>
-          <a:p>
-            <a:pPr>
-              <a:buFont typeface="+mj-lt"/>
-              <a:buAutoNum type="arabicPeriod"/>
+              <a:rPr lang="en-US" altLang="zh-CN" sz="1800" dirty="0" smtClean="0">
+                <a:latin typeface="微软雅黑" panose="020B0503020204020204" pitchFamily="34" charset="-122"/>
+                <a:ea typeface="微软雅黑" panose="020B0503020204020204" pitchFamily="34" charset="-122"/>
+              </a:rPr>
+              <a:t>2.    </a:t>
+            </a:r>
+            <a:r>
+              <a:rPr lang="zh-CN" altLang="en-US" sz="1800" dirty="0" smtClean="0">
+                <a:latin typeface="微软雅黑" panose="020B0503020204020204" pitchFamily="34" charset="-122"/>
+                <a:ea typeface="微软雅黑" panose="020B0503020204020204" pitchFamily="34" charset="-122"/>
+              </a:rPr>
+              <a:t>高度透明</a:t>
+            </a:r>
+          </a:p>
+          <a:p>
+            <a:pPr marL="0" indent="0">
+              <a:buNone/>
             </a:pPr>
             <a:r>
-              <a:rPr lang="zh-CN" altLang="en-US" sz="1800" dirty="0">
-                <a:latin typeface="微软雅黑" panose="020B0503020204020204" pitchFamily="34" charset="-122"/>
-                <a:ea typeface="微软雅黑" panose="020B0503020204020204" pitchFamily="34" charset="-122"/>
-              </a:rPr>
-              <a:t>字符串资源超过</a:t>
-            </a:r>
-            <a:r>
-              <a:rPr lang="en-US" altLang="zh-CN" sz="1800" dirty="0">
-                <a:latin typeface="微软雅黑" panose="020B0503020204020204" pitchFamily="34" charset="-122"/>
-                <a:ea typeface="微软雅黑" panose="020B0503020204020204" pitchFamily="34" charset="-122"/>
-              </a:rPr>
-              <a:t>128</a:t>
-            </a:r>
-            <a:r>
-              <a:rPr lang="zh-CN" altLang="en-US" sz="1800" dirty="0">
-                <a:latin typeface="微软雅黑" panose="020B0503020204020204" pitchFamily="34" charset="-122"/>
-                <a:ea typeface="微软雅黑" panose="020B0503020204020204" pitchFamily="34" charset="-122"/>
-              </a:rPr>
-              <a:t>编译报错问题 </a:t>
-            </a:r>
-            <a:br>
-              <a:rPr lang="zh-CN" altLang="en-US" sz="1800" dirty="0">
-                <a:latin typeface="微软雅黑" panose="020B0503020204020204" pitchFamily="34" charset="-122"/>
-                <a:ea typeface="微软雅黑" panose="020B0503020204020204" pitchFamily="34" charset="-122"/>
-              </a:rPr>
-            </a:br>
-            <a:r>
-              <a:rPr lang="zh-CN" altLang="en-US" sz="1800" dirty="0">
-                <a:latin typeface="微软雅黑" panose="020B0503020204020204" pitchFamily="34" charset="-122"/>
-                <a:ea typeface="微软雅黑" panose="020B0503020204020204" pitchFamily="34" charset="-122"/>
-              </a:rPr>
-              <a:t>目前发现插件处理资源的时候，如果工程中存在</a:t>
-            </a:r>
-            <a:r>
-              <a:rPr lang="en-US" altLang="zh-CN" sz="1800" dirty="0">
-                <a:latin typeface="微软雅黑" panose="020B0503020204020204" pitchFamily="34" charset="-122"/>
-                <a:ea typeface="微软雅黑" panose="020B0503020204020204" pitchFamily="34" charset="-122"/>
-              </a:rPr>
-              <a:t>strings.xml</a:t>
-            </a:r>
-            <a:r>
-              <a:rPr lang="zh-CN" altLang="en-US" sz="1800" dirty="0">
-                <a:latin typeface="微软雅黑" panose="020B0503020204020204" pitchFamily="34" charset="-122"/>
-                <a:ea typeface="微软雅黑" panose="020B0503020204020204" pitchFamily="34" charset="-122"/>
-              </a:rPr>
-              <a:t>中有字符串资源超过</a:t>
-            </a:r>
-            <a:r>
-              <a:rPr lang="en-US" altLang="zh-CN" sz="1800" dirty="0">
-                <a:latin typeface="微软雅黑" panose="020B0503020204020204" pitchFamily="34" charset="-122"/>
-                <a:ea typeface="微软雅黑" panose="020B0503020204020204" pitchFamily="34" charset="-122"/>
-              </a:rPr>
-              <a:t>128</a:t>
-            </a:r>
-            <a:r>
-              <a:rPr lang="zh-CN" altLang="en-US" sz="1800" dirty="0">
-                <a:latin typeface="微软雅黑" panose="020B0503020204020204" pitchFamily="34" charset="-122"/>
-                <a:ea typeface="微软雅黑" panose="020B0503020204020204" pitchFamily="34" charset="-122"/>
-              </a:rPr>
-              <a:t>字符就会报错</a:t>
-            </a:r>
-            <a:r>
-              <a:rPr lang="en-US" altLang="zh-CN" sz="1800" dirty="0">
-                <a:latin typeface="微软雅黑" panose="020B0503020204020204" pitchFamily="34" charset="-122"/>
-                <a:ea typeface="微软雅黑" panose="020B0503020204020204" pitchFamily="34" charset="-122"/>
-              </a:rPr>
-              <a:t>,</a:t>
-            </a:r>
-            <a:r>
-              <a:rPr lang="zh-CN" altLang="en-US" sz="1800" dirty="0">
-                <a:latin typeface="微软雅黑" panose="020B0503020204020204" pitchFamily="34" charset="-122"/>
-                <a:ea typeface="微软雅黑" panose="020B0503020204020204" pitchFamily="34" charset="-122"/>
-              </a:rPr>
-              <a:t>还有存在字符串样式的也会有问题；应该是作者对资源索引表中的</a:t>
-            </a:r>
-            <a:r>
-              <a:rPr lang="en-US" altLang="zh-CN" sz="1800" dirty="0" err="1">
-                <a:latin typeface="微软雅黑" panose="020B0503020204020204" pitchFamily="34" charset="-122"/>
-                <a:ea typeface="微软雅黑" panose="020B0503020204020204" pitchFamily="34" charset="-122"/>
-              </a:rPr>
-              <a:t>StringPoll</a:t>
-            </a:r>
-            <a:r>
-              <a:rPr lang="zh-CN" altLang="en-US" sz="1800" dirty="0">
-                <a:latin typeface="微软雅黑" panose="020B0503020204020204" pitchFamily="34" charset="-122"/>
-                <a:ea typeface="微软雅黑" panose="020B0503020204020204" pitchFamily="34" charset="-122"/>
-              </a:rPr>
-              <a:t>结构理解有误导致。</a:t>
-            </a:r>
+              <a:rPr lang="zh-CN" altLang="en-US" sz="1800" dirty="0" smtClean="0">
+                <a:latin typeface="微软雅黑" panose="020B0503020204020204" pitchFamily="34" charset="-122"/>
+                <a:ea typeface="微软雅黑" panose="020B0503020204020204" pitchFamily="34" charset="-122"/>
+              </a:rPr>
+              <a:t>       插件编码、布局编写方式与独立应用开发无异</a:t>
+            </a:r>
+          </a:p>
+          <a:p>
+            <a:pPr marL="0" indent="0">
+              <a:buNone/>
+            </a:pPr>
+            <a:r>
+              <a:rPr lang="zh-CN" altLang="en-US" sz="1800" dirty="0" smtClean="0">
+                <a:latin typeface="微软雅黑" panose="020B0503020204020204" pitchFamily="34" charset="-122"/>
+                <a:ea typeface="微软雅黑" panose="020B0503020204020204" pitchFamily="34" charset="-122"/>
+              </a:rPr>
+              <a:t>       插件代码调试与整包开发无异</a:t>
+            </a:r>
+          </a:p>
+          <a:p>
+            <a:pPr marL="0" indent="0">
+              <a:buNone/>
+            </a:pPr>
+            <a:r>
+              <a:rPr lang="en-US" altLang="zh-CN" sz="1800" dirty="0" smtClean="0">
+                <a:latin typeface="微软雅黑" panose="020B0503020204020204" pitchFamily="34" charset="-122"/>
+                <a:ea typeface="微软雅黑" panose="020B0503020204020204" pitchFamily="34" charset="-122"/>
+              </a:rPr>
+              <a:t>3.    </a:t>
+            </a:r>
+            <a:r>
+              <a:rPr lang="zh-CN" altLang="en-US" sz="1800" dirty="0" smtClean="0">
+                <a:latin typeface="微软雅黑" panose="020B0503020204020204" pitchFamily="34" charset="-122"/>
+                <a:ea typeface="微软雅黑" panose="020B0503020204020204" pitchFamily="34" charset="-122"/>
+              </a:rPr>
+              <a:t>极致剪裁</a:t>
+            </a:r>
+          </a:p>
+          <a:p>
+            <a:pPr marL="0" indent="0">
+              <a:buNone/>
+            </a:pPr>
+            <a:r>
+              <a:rPr lang="zh-CN" altLang="en-US" sz="1800" dirty="0" smtClean="0">
+                <a:latin typeface="微软雅黑" panose="020B0503020204020204" pitchFamily="34" charset="-122"/>
+                <a:ea typeface="微软雅黑" panose="020B0503020204020204" pitchFamily="34" charset="-122"/>
+              </a:rPr>
+              <a:t>       对插件分离所有一切能分离的公共代码、资源</a:t>
+            </a:r>
+          </a:p>
+          <a:p>
+            <a:pPr marL="0" indent="0">
+              <a:buNone/>
+            </a:pPr>
+            <a:r>
+              <a:rPr lang="en-US" altLang="zh-CN" sz="1800" dirty="0" smtClean="0">
+                <a:latin typeface="微软雅黑" panose="020B0503020204020204" pitchFamily="34" charset="-122"/>
+                <a:ea typeface="微软雅黑" panose="020B0503020204020204" pitchFamily="34" charset="-122"/>
+              </a:rPr>
+              <a:t>4.    </a:t>
+            </a:r>
+            <a:r>
+              <a:rPr lang="zh-CN" altLang="en-US" sz="1800" dirty="0" smtClean="0">
+                <a:latin typeface="微软雅黑" panose="020B0503020204020204" pitchFamily="34" charset="-122"/>
+                <a:ea typeface="微软雅黑" panose="020B0503020204020204" pitchFamily="34" charset="-122"/>
+              </a:rPr>
+              <a:t>无缝链接</a:t>
+            </a:r>
+          </a:p>
+          <a:p>
+            <a:pPr marL="0" indent="0">
+              <a:buNone/>
+            </a:pPr>
+            <a:r>
+              <a:rPr lang="zh-CN" altLang="en-US" sz="1800" dirty="0" smtClean="0">
+                <a:latin typeface="微软雅黑" panose="020B0503020204020204" pitchFamily="34" charset="-122"/>
+                <a:ea typeface="微软雅黑" panose="020B0503020204020204" pitchFamily="34" charset="-122"/>
+              </a:rPr>
+              <a:t>       通过设定</a:t>
+            </a:r>
+            <a:r>
+              <a:rPr lang="en-US" altLang="zh-CN" sz="1800" dirty="0" smtClean="0">
+                <a:latin typeface="微软雅黑" panose="020B0503020204020204" pitchFamily="34" charset="-122"/>
+                <a:ea typeface="微软雅黑" panose="020B0503020204020204" pitchFamily="34" charset="-122"/>
+              </a:rPr>
+              <a:t>URI</a:t>
+            </a:r>
+            <a:r>
+              <a:rPr lang="zh-CN" altLang="en-US" sz="1800" dirty="0" smtClean="0">
+                <a:latin typeface="微软雅黑" panose="020B0503020204020204" pitchFamily="34" charset="-122"/>
+                <a:ea typeface="微软雅黑" panose="020B0503020204020204" pitchFamily="34" charset="-122"/>
+              </a:rPr>
+              <a:t>，宿主、本地化应用插件、本地化</a:t>
+            </a:r>
+            <a:r>
+              <a:rPr lang="en-US" altLang="zh-CN" sz="1800" dirty="0" smtClean="0">
+                <a:latin typeface="微软雅黑" panose="020B0503020204020204" pitchFamily="34" charset="-122"/>
+                <a:ea typeface="微软雅黑" panose="020B0503020204020204" pitchFamily="34" charset="-122"/>
+              </a:rPr>
+              <a:t>web</a:t>
+            </a:r>
+            <a:r>
+              <a:rPr lang="zh-CN" altLang="en-US" sz="1800" dirty="0" smtClean="0">
+                <a:latin typeface="微软雅黑" panose="020B0503020204020204" pitchFamily="34" charset="-122"/>
+                <a:ea typeface="微软雅黑" panose="020B0503020204020204" pitchFamily="34" charset="-122"/>
+              </a:rPr>
+              <a:t>插件、在线网页，以及任何自定义的插件之间能够相互调起与传递参数</a:t>
+            </a:r>
+          </a:p>
+          <a:p>
+            <a:pPr marL="0" indent="0">
+              <a:buNone/>
+            </a:pPr>
+            <a:r>
+              <a:rPr lang="en-US" altLang="zh-CN" sz="1800" dirty="0" smtClean="0">
+                <a:latin typeface="微软雅黑" panose="020B0503020204020204" pitchFamily="34" charset="-122"/>
+                <a:ea typeface="微软雅黑" panose="020B0503020204020204" pitchFamily="34" charset="-122"/>
+              </a:rPr>
+              <a:t>5.    </a:t>
+            </a:r>
+            <a:r>
+              <a:rPr lang="zh-CN" altLang="en-US" sz="1800" dirty="0" smtClean="0">
+                <a:latin typeface="微软雅黑" panose="020B0503020204020204" pitchFamily="34" charset="-122"/>
+                <a:ea typeface="微软雅黑" panose="020B0503020204020204" pitchFamily="34" charset="-122"/>
+              </a:rPr>
+              <a:t>跨平台</a:t>
+            </a:r>
+          </a:p>
+          <a:p>
+            <a:pPr marL="0" indent="0">
+              <a:buNone/>
+            </a:pPr>
+            <a:r>
+              <a:rPr lang="zh-CN" altLang="en-US" sz="1800" dirty="0" smtClean="0">
+                <a:latin typeface="微软雅黑" panose="020B0503020204020204" pitchFamily="34" charset="-122"/>
+                <a:ea typeface="微软雅黑" panose="020B0503020204020204" pitchFamily="34" charset="-122"/>
+              </a:rPr>
+              <a:t>       目前已支持</a:t>
+            </a:r>
+            <a:r>
+              <a:rPr lang="en-US" altLang="zh-CN" sz="1800" dirty="0" smtClean="0">
+                <a:latin typeface="微软雅黑" panose="020B0503020204020204" pitchFamily="34" charset="-122"/>
+                <a:ea typeface="微软雅黑" panose="020B0503020204020204" pitchFamily="34" charset="-122"/>
+              </a:rPr>
+              <a:t>Android</a:t>
+            </a:r>
+            <a:r>
+              <a:rPr lang="zh-CN" altLang="en-US" sz="1800" dirty="0" smtClean="0">
+                <a:latin typeface="微软雅黑" panose="020B0503020204020204" pitchFamily="34" charset="-122"/>
+                <a:ea typeface="微软雅黑" panose="020B0503020204020204" pitchFamily="34" charset="-122"/>
+              </a:rPr>
+              <a:t>、</a:t>
+            </a:r>
+            <a:r>
+              <a:rPr lang="en-US" altLang="zh-CN" sz="1800" dirty="0" smtClean="0">
+                <a:latin typeface="微软雅黑" panose="020B0503020204020204" pitchFamily="34" charset="-122"/>
+                <a:ea typeface="微软雅黑" panose="020B0503020204020204" pitchFamily="34" charset="-122"/>
+              </a:rPr>
+              <a:t>iOS</a:t>
+            </a:r>
+            <a:r>
+              <a:rPr lang="zh-CN" altLang="en-US" sz="1800" dirty="0" smtClean="0">
+                <a:latin typeface="微软雅黑" panose="020B0503020204020204" pitchFamily="34" charset="-122"/>
+                <a:ea typeface="微软雅黑" panose="020B0503020204020204" pitchFamily="34" charset="-122"/>
+              </a:rPr>
+              <a:t>以及</a:t>
+            </a:r>
+            <a:r>
+              <a:rPr lang="en-US" altLang="zh-CN" sz="1800" dirty="0" smtClean="0">
+                <a:latin typeface="微软雅黑" panose="020B0503020204020204" pitchFamily="34" charset="-122"/>
+                <a:ea typeface="微软雅黑" panose="020B0503020204020204" pitchFamily="34" charset="-122"/>
+              </a:rPr>
+              <a:t>html5</a:t>
+            </a:r>
+            <a:r>
+              <a:rPr lang="zh-CN" altLang="en-US" sz="1800" dirty="0" smtClean="0">
+                <a:latin typeface="微软雅黑" panose="020B0503020204020204" pitchFamily="34" charset="-122"/>
+                <a:ea typeface="微软雅黑" panose="020B0503020204020204" pitchFamily="34" charset="-122"/>
+              </a:rPr>
+              <a:t>插件。并且三者之间可以通过同一套</a:t>
+            </a:r>
+            <a:r>
+              <a:rPr lang="en-US" altLang="zh-CN" sz="1800" dirty="0" err="1" smtClean="0">
+                <a:latin typeface="微软雅黑" panose="020B0503020204020204" pitchFamily="34" charset="-122"/>
+                <a:ea typeface="微软雅黑" panose="020B0503020204020204" pitchFamily="34" charset="-122"/>
+              </a:rPr>
+              <a:t>Javascript</a:t>
+            </a:r>
+            <a:r>
+              <a:rPr lang="zh-CN" altLang="en-US" sz="1800" dirty="0" smtClean="0">
+                <a:latin typeface="微软雅黑" panose="020B0503020204020204" pitchFamily="34" charset="-122"/>
+                <a:ea typeface="微软雅黑" panose="020B0503020204020204" pitchFamily="34" charset="-122"/>
+              </a:rPr>
+              <a:t>接口进行通信。</a:t>
+            </a:r>
+            <a:endParaRPr lang="zh-CN" altLang="en-US" sz="1800" dirty="0"/>
           </a:p>
         </p:txBody>
       </p:sp>
     </p:spTree>
     <p:extLst>
       <p:ext uri="{BB962C8B-B14F-4D97-AF65-F5344CB8AC3E}">
-        <p14:creationId xmlns:p14="http://schemas.microsoft.com/office/powerpoint/2010/main" val="1012896690"/>
+        <p14:creationId xmlns:p14="http://schemas.microsoft.com/office/powerpoint/2010/main" val="20545327"/>
       </p:ext>
     </p:extLst>
   </p:cSld>
@@ -6124,78 +6292,15 @@
       </p:grpSpPr>
       <p:sp>
         <p:nvSpPr>
-          <p:cNvPr id="2" name="标题 1"/>
-          <p:cNvSpPr>
-            <a:spLocks noGrp="1"/>
-          </p:cNvSpPr>
-          <p:nvPr>
-            <p:ph type="title"/>
+          <p:cNvPr id="3" name="内容占位符 2"/>
+          <p:cNvSpPr>
+            <a:spLocks noGrp="1"/>
+          </p:cNvSpPr>
+          <p:nvPr>
+            <p:ph idx="1"/>
           </p:nvPr>
         </p:nvSpPr>
         <p:spPr/>
-        <p:txBody>
-          <a:bodyPr>
-            <a:normAutofit fontScale="90000"/>
-          </a:bodyPr>
-          <a:lstStyle/>
-          <a:p>
-            <a:r>
-              <a:rPr lang="en-US" altLang="zh-CN" dirty="0" smtClean="0"/>
-              <a:t/>
-            </a:r>
-            <a:br>
-              <a:rPr lang="en-US" altLang="zh-CN" dirty="0" smtClean="0"/>
-            </a:br>
-            <a:r>
-              <a:rPr lang="en-US" altLang="zh-CN" dirty="0" smtClean="0"/>
-              <a:t>Dynamic-load-</a:t>
-            </a:r>
-            <a:r>
-              <a:rPr lang="en-US" altLang="zh-CN" dirty="0" err="1" smtClean="0"/>
-              <a:t>apk</a:t>
-            </a:r>
-            <a:r>
-              <a:rPr lang="en-US" altLang="zh-CN" dirty="0" smtClean="0"/>
-              <a:t/>
-            </a:r>
-            <a:br>
-              <a:rPr lang="en-US" altLang="zh-CN" dirty="0" smtClean="0"/>
-            </a:br>
-            <a:r>
-              <a:rPr lang="en-US" altLang="zh-CN" dirty="0" smtClean="0"/>
-              <a:t>-- </a:t>
-            </a:r>
-            <a:r>
-              <a:rPr lang="en-US" altLang="zh-CN" dirty="0" err="1" smtClean="0"/>
-              <a:t>singwhatiwanna</a:t>
-            </a:r>
-            <a:r>
-              <a:rPr lang="en-US" altLang="zh-CN" dirty="0"/>
-              <a:t/>
-            </a:r>
-            <a:br>
-              <a:rPr lang="en-US" altLang="zh-CN" dirty="0"/>
-            </a:br>
-            <a:endParaRPr lang="zh-CN" altLang="en-US" dirty="0"/>
-          </a:p>
-        </p:txBody>
-      </p:sp>
-      <p:sp>
-        <p:nvSpPr>
-          <p:cNvPr id="3" name="内容占位符 2"/>
-          <p:cNvSpPr>
-            <a:spLocks noGrp="1"/>
-          </p:cNvSpPr>
-          <p:nvPr>
-            <p:ph idx="1"/>
-          </p:nvPr>
-        </p:nvSpPr>
-        <p:spPr>
-          <a:xfrm>
-            <a:off x="457200" y="1600200"/>
-            <a:ext cx="8229600" cy="4781128"/>
-          </a:xfrm>
-        </p:spPr>
         <p:txBody>
           <a:bodyPr>
             <a:normAutofit/>
@@ -6210,10 +6315,17 @@
                 <a:latin typeface="微软雅黑" panose="020B0503020204020204" pitchFamily="34" charset="-122"/>
                 <a:ea typeface="微软雅黑" panose="020B0503020204020204" pitchFamily="34" charset="-122"/>
               </a:rPr>
-              <a:t>特点：</a:t>
-            </a:r>
-            <a:r>
-              <a:rPr lang="zh-CN" altLang="en-US" sz="1800" dirty="0">
+              <a:t>限制和缺陷</a:t>
+            </a:r>
+            <a:r>
+              <a:rPr lang="en-US" altLang="zh-CN" sz="1800" b="1" dirty="0" smtClean="0">
+                <a:latin typeface="微软雅黑" panose="020B0503020204020204" pitchFamily="34" charset="-122"/>
+                <a:ea typeface="微软雅黑" panose="020B0503020204020204" pitchFamily="34" charset="-122"/>
+              </a:rPr>
+              <a:t>:</a:t>
+            </a:r>
+            <a:r>
+              <a:rPr lang="zh-CN" altLang="en-US" sz="1800" dirty="0" smtClean="0">
                 <a:latin typeface="微软雅黑" panose="020B0503020204020204" pitchFamily="34" charset="-122"/>
                 <a:ea typeface="微软雅黑" panose="020B0503020204020204" pitchFamily="34" charset="-122"/>
               </a:rPr>
@@ -6225,7 +6337,7 @@
             </a:endParaRPr>
           </a:p>
           <a:p>
-            <a:pPr marL="514350" indent="-514350">
+            <a:pPr>
               <a:buFont typeface="+mj-lt"/>
               <a:buAutoNum type="arabicPeriod"/>
             </a:pPr>
@@ -6234,257 +6346,295 @@
                 <a:latin typeface="微软雅黑" panose="020B0503020204020204" pitchFamily="34" charset="-122"/>
                 <a:ea typeface="微软雅黑" panose="020B0503020204020204" pitchFamily="34" charset="-122"/>
               </a:rPr>
-              <a:t>开</a:t>
-            </a:r>
-            <a:r>
-              <a:rPr lang="zh-CN" altLang="en-US" sz="1800" dirty="0" smtClean="0">
-                <a:latin typeface="微软雅黑" panose="020B0503020204020204" pitchFamily="34" charset="-122"/>
-                <a:ea typeface="微软雅黑" panose="020B0503020204020204" pitchFamily="34" charset="-122"/>
-              </a:rPr>
-              <a:t>源</a:t>
-            </a:r>
-            <a:endParaRPr lang="en-US" altLang="zh-CN" sz="1800" dirty="0" smtClean="0">
-              <a:latin typeface="微软雅黑" panose="020B0503020204020204" pitchFamily="34" charset="-122"/>
-              <a:ea typeface="微软雅黑" panose="020B0503020204020204" pitchFamily="34" charset="-122"/>
-            </a:endParaRPr>
-          </a:p>
-          <a:p>
-            <a:pPr marL="514350" indent="-514350">
+              <a:t>加载插件优先级 </a:t>
+            </a:r>
+            <a:br>
+              <a:rPr lang="zh-CN" altLang="en-US" sz="1800" dirty="0">
+                <a:latin typeface="微软雅黑" panose="020B0503020204020204" pitchFamily="34" charset="-122"/>
+                <a:ea typeface="微软雅黑" panose="020B0503020204020204" pitchFamily="34" charset="-122"/>
+              </a:rPr>
+            </a:br>
+            <a:r>
+              <a:rPr lang="zh-CN" altLang="en-US" sz="1800" dirty="0">
+                <a:latin typeface="微软雅黑" panose="020B0503020204020204" pitchFamily="34" charset="-122"/>
+                <a:ea typeface="微软雅黑" panose="020B0503020204020204" pitchFamily="34" charset="-122"/>
+              </a:rPr>
+              <a:t>目前</a:t>
+            </a:r>
+            <a:r>
+              <a:rPr lang="en-US" altLang="zh-CN" sz="1800" dirty="0">
+                <a:latin typeface="微软雅黑" panose="020B0503020204020204" pitchFamily="34" charset="-122"/>
+                <a:ea typeface="微软雅黑" panose="020B0503020204020204" pitchFamily="34" charset="-122"/>
+              </a:rPr>
+              <a:t>load</a:t>
+            </a:r>
+            <a:r>
+              <a:rPr lang="zh-CN" altLang="en-US" sz="1800" dirty="0">
+                <a:latin typeface="微软雅黑" panose="020B0503020204020204" pitchFamily="34" charset="-122"/>
+                <a:ea typeface="微软雅黑" panose="020B0503020204020204" pitchFamily="34" charset="-122"/>
+              </a:rPr>
+              <a:t>插件的时候是把所有插件都加载进来才算准备好，应该改为只加载必备插件就可以发准备好回调让主流程继续跑，其他插件在后台继续加载；</a:t>
+            </a:r>
+          </a:p>
+          <a:p>
+            <a:pPr>
               <a:buFont typeface="+mj-lt"/>
               <a:buAutoNum type="arabicPeriod"/>
             </a:pPr>
             <a:r>
-              <a:rPr lang="zh-CN" altLang="en-US" sz="1800" dirty="0" smtClean="0">
-                <a:latin typeface="微软雅黑" panose="020B0503020204020204" pitchFamily="34" charset="-122"/>
-                <a:ea typeface="微软雅黑" panose="020B0503020204020204" pitchFamily="34" charset="-122"/>
-              </a:rPr>
-              <a:t>轻量级</a:t>
-            </a:r>
-            <a:r>
-              <a:rPr lang="zh-CN" altLang="en-US" sz="1800" dirty="0" smtClean="0"/>
-              <a:t>，只需引入</a:t>
-            </a:r>
-            <a:r>
-              <a:rPr lang="en-US" altLang="zh-CN" sz="1800" dirty="0" smtClean="0"/>
-              <a:t>dl-id.jar</a:t>
-            </a:r>
-          </a:p>
-          <a:p>
-            <a:pPr marL="514350" indent="-514350">
+              <a:rPr lang="zh-CN" altLang="en-US" sz="1800" dirty="0">
+                <a:latin typeface="微软雅黑" panose="020B0503020204020204" pitchFamily="34" charset="-122"/>
+                <a:ea typeface="微软雅黑" panose="020B0503020204020204" pitchFamily="34" charset="-122"/>
+              </a:rPr>
+              <a:t>优化通过</a:t>
+            </a:r>
+            <a:r>
+              <a:rPr lang="en-US" altLang="zh-CN" sz="1800" dirty="0" err="1">
+                <a:latin typeface="微软雅黑" panose="020B0503020204020204" pitchFamily="34" charset="-122"/>
+                <a:ea typeface="微软雅黑" panose="020B0503020204020204" pitchFamily="34" charset="-122"/>
+              </a:rPr>
+              <a:t>PackageManager</a:t>
+            </a:r>
+            <a:r>
+              <a:rPr lang="zh-CN" altLang="en-US" sz="1800" dirty="0">
+                <a:latin typeface="微软雅黑" panose="020B0503020204020204" pitchFamily="34" charset="-122"/>
+                <a:ea typeface="微软雅黑" panose="020B0503020204020204" pitchFamily="34" charset="-122"/>
+              </a:rPr>
+              <a:t>获取包内</a:t>
+            </a:r>
+            <a:r>
+              <a:rPr lang="en-US" altLang="zh-CN" sz="1800" dirty="0">
+                <a:latin typeface="微软雅黑" panose="020B0503020204020204" pitchFamily="34" charset="-122"/>
+                <a:ea typeface="微软雅黑" panose="020B0503020204020204" pitchFamily="34" charset="-122"/>
+              </a:rPr>
+              <a:t>Activity</a:t>
+            </a:r>
+            <a:r>
+              <a:rPr lang="zh-CN" altLang="en-US" sz="1800" dirty="0">
+                <a:latin typeface="微软雅黑" panose="020B0503020204020204" pitchFamily="34" charset="-122"/>
+                <a:ea typeface="微软雅黑" panose="020B0503020204020204" pitchFamily="34" charset="-122"/>
+              </a:rPr>
+              <a:t>信息 </a:t>
+            </a:r>
+            <a:br>
+              <a:rPr lang="zh-CN" altLang="en-US" sz="1800" dirty="0">
+                <a:latin typeface="微软雅黑" panose="020B0503020204020204" pitchFamily="34" charset="-122"/>
+                <a:ea typeface="微软雅黑" panose="020B0503020204020204" pitchFamily="34" charset="-122"/>
+              </a:rPr>
+            </a:br>
+            <a:r>
+              <a:rPr lang="zh-CN" altLang="en-US" sz="1800" dirty="0">
+                <a:latin typeface="微软雅黑" panose="020B0503020204020204" pitchFamily="34" charset="-122"/>
+                <a:ea typeface="微软雅黑" panose="020B0503020204020204" pitchFamily="34" charset="-122"/>
+              </a:rPr>
+              <a:t>经实际测试，通过</a:t>
+            </a:r>
+            <a:r>
+              <a:rPr lang="en-US" altLang="zh-CN" sz="1800" dirty="0" err="1">
+                <a:latin typeface="微软雅黑" panose="020B0503020204020204" pitchFamily="34" charset="-122"/>
+                <a:ea typeface="微软雅黑" panose="020B0503020204020204" pitchFamily="34" charset="-122"/>
+              </a:rPr>
+              <a:t>PackageManager</a:t>
+            </a:r>
+            <a:r>
+              <a:rPr lang="zh-CN" altLang="en-US" sz="1800" dirty="0">
+                <a:latin typeface="微软雅黑" panose="020B0503020204020204" pitchFamily="34" charset="-122"/>
+                <a:ea typeface="微软雅黑" panose="020B0503020204020204" pitchFamily="34" charset="-122"/>
+              </a:rPr>
+              <a:t>获取包内</a:t>
+            </a:r>
+            <a:r>
+              <a:rPr lang="en-US" altLang="zh-CN" sz="1800" dirty="0">
+                <a:latin typeface="微软雅黑" panose="020B0503020204020204" pitchFamily="34" charset="-122"/>
+                <a:ea typeface="微软雅黑" panose="020B0503020204020204" pitchFamily="34" charset="-122"/>
+              </a:rPr>
+              <a:t>Activity</a:t>
+            </a:r>
+            <a:r>
+              <a:rPr lang="zh-CN" altLang="en-US" sz="1800" dirty="0">
+                <a:latin typeface="微软雅黑" panose="020B0503020204020204" pitchFamily="34" charset="-122"/>
+                <a:ea typeface="微软雅黑" panose="020B0503020204020204" pitchFamily="34" charset="-122"/>
+              </a:rPr>
+              <a:t>信息会耗时很大（</a:t>
+            </a:r>
+            <a:r>
+              <a:rPr lang="en-US" altLang="zh-CN" sz="1800" dirty="0">
+                <a:latin typeface="微软雅黑" panose="020B0503020204020204" pitchFamily="34" charset="-122"/>
+                <a:ea typeface="微软雅黑" panose="020B0503020204020204" pitchFamily="34" charset="-122"/>
+              </a:rPr>
+              <a:t>700ms</a:t>
+            </a:r>
+            <a:r>
+              <a:rPr lang="zh-CN" altLang="en-US" sz="1800" dirty="0">
+                <a:latin typeface="微软雅黑" panose="020B0503020204020204" pitchFamily="34" charset="-122"/>
+                <a:ea typeface="微软雅黑" panose="020B0503020204020204" pitchFamily="34" charset="-122"/>
+              </a:rPr>
+              <a:t>），但是加载插件又需要插件包里的</a:t>
+            </a:r>
+            <a:r>
+              <a:rPr lang="en-US" altLang="zh-CN" sz="1800" dirty="0">
+                <a:latin typeface="微软雅黑" panose="020B0503020204020204" pitchFamily="34" charset="-122"/>
+                <a:ea typeface="微软雅黑" panose="020B0503020204020204" pitchFamily="34" charset="-122"/>
+              </a:rPr>
+              <a:t>activity</a:t>
+            </a:r>
+            <a:r>
+              <a:rPr lang="zh-CN" altLang="en-US" sz="1800" dirty="0">
+                <a:latin typeface="微软雅黑" panose="020B0503020204020204" pitchFamily="34" charset="-122"/>
+                <a:ea typeface="微软雅黑" panose="020B0503020204020204" pitchFamily="34" charset="-122"/>
+              </a:rPr>
+              <a:t>的信息，拟通过在打包时提取相应信息放入文件，加载插件只需要读取文件解析就行了；</a:t>
+            </a:r>
+          </a:p>
+          <a:p>
+            <a:pPr>
               <a:buFont typeface="+mj-lt"/>
               <a:buAutoNum type="arabicPeriod"/>
             </a:pPr>
             <a:r>
-              <a:rPr lang="zh-CN" altLang="en-US" sz="1800" dirty="0" smtClean="0">
-                <a:latin typeface="微软雅黑" panose="020B0503020204020204" pitchFamily="34" charset="-122"/>
-                <a:ea typeface="微软雅黑" panose="020B0503020204020204" pitchFamily="34" charset="-122"/>
-              </a:rPr>
-              <a:t>采用代理模式，容易进行扩展</a:t>
-            </a:r>
-            <a:endParaRPr lang="en-US" altLang="zh-CN" sz="1800" dirty="0" smtClean="0">
-              <a:latin typeface="微软雅黑" panose="020B0503020204020204" pitchFamily="34" charset="-122"/>
-              <a:ea typeface="微软雅黑" panose="020B0503020204020204" pitchFamily="34" charset="-122"/>
-            </a:endParaRPr>
-          </a:p>
-          <a:p>
-            <a:pPr marL="514350" indent="-514350">
+              <a:rPr lang="zh-CN" altLang="en-US" sz="1800" dirty="0">
+                <a:latin typeface="微软雅黑" panose="020B0503020204020204" pitchFamily="34" charset="-122"/>
+                <a:ea typeface="微软雅黑" panose="020B0503020204020204" pitchFamily="34" charset="-122"/>
+              </a:rPr>
+              <a:t>插件合法性校验 </a:t>
+            </a:r>
+            <a:br>
+              <a:rPr lang="zh-CN" altLang="en-US" sz="1800" dirty="0">
+                <a:latin typeface="微软雅黑" panose="020B0503020204020204" pitchFamily="34" charset="-122"/>
+                <a:ea typeface="微软雅黑" panose="020B0503020204020204" pitchFamily="34" charset="-122"/>
+              </a:rPr>
+            </a:br>
+            <a:r>
+              <a:rPr lang="zh-CN" altLang="en-US" sz="1800" dirty="0">
+                <a:latin typeface="微软雅黑" panose="020B0503020204020204" pitchFamily="34" charset="-122"/>
+                <a:ea typeface="微软雅黑" panose="020B0503020204020204" pitchFamily="34" charset="-122"/>
+              </a:rPr>
+              <a:t>目前的插件合法性是通过包的签名对比来实现的，也是调用的</a:t>
+            </a:r>
+            <a:r>
+              <a:rPr lang="en-US" altLang="zh-CN" sz="1800" dirty="0" err="1">
+                <a:latin typeface="微软雅黑" panose="020B0503020204020204" pitchFamily="34" charset="-122"/>
+                <a:ea typeface="微软雅黑" panose="020B0503020204020204" pitchFamily="34" charset="-122"/>
+              </a:rPr>
+              <a:t>PackageManager</a:t>
+            </a:r>
+            <a:r>
+              <a:rPr lang="zh-CN" altLang="en-US" sz="1800" dirty="0">
+                <a:latin typeface="微软雅黑" panose="020B0503020204020204" pitchFamily="34" charset="-122"/>
+                <a:ea typeface="微软雅黑" panose="020B0503020204020204" pitchFamily="34" charset="-122"/>
+              </a:rPr>
+              <a:t>，效率比较低</a:t>
+            </a:r>
+            <a:r>
+              <a:rPr lang="en-US" altLang="zh-CN" sz="1800" dirty="0">
+                <a:latin typeface="微软雅黑" panose="020B0503020204020204" pitchFamily="34" charset="-122"/>
+                <a:ea typeface="微软雅黑" panose="020B0503020204020204" pitchFamily="34" charset="-122"/>
+              </a:rPr>
+              <a:t>.</a:t>
+            </a:r>
+          </a:p>
+          <a:p>
+            <a:pPr>
               <a:buFont typeface="+mj-lt"/>
               <a:buAutoNum type="arabicPeriod"/>
             </a:pPr>
             <a:r>
-              <a:rPr lang="zh-CN" altLang="en-US" sz="1800" dirty="0" smtClean="0">
-                <a:latin typeface="微软雅黑" panose="020B0503020204020204" pitchFamily="34" charset="-122"/>
-                <a:ea typeface="微软雅黑" panose="020B0503020204020204" pitchFamily="34" charset="-122"/>
-              </a:rPr>
-              <a:t>支持</a:t>
-            </a:r>
-            <a:r>
-              <a:rPr lang="en-US" altLang="zh-CN" sz="1800" dirty="0" smtClean="0">
-                <a:latin typeface="微软雅黑" panose="020B0503020204020204" pitchFamily="34" charset="-122"/>
-                <a:ea typeface="微软雅黑" panose="020B0503020204020204" pitchFamily="34" charset="-122"/>
-              </a:rPr>
-              <a:t>android2.x</a:t>
-            </a:r>
-            <a:r>
-              <a:rPr lang="zh-CN" altLang="en-US" sz="1800" dirty="0" smtClean="0">
-                <a:latin typeface="微软雅黑" panose="020B0503020204020204" pitchFamily="34" charset="-122"/>
-                <a:ea typeface="微软雅黑" panose="020B0503020204020204" pitchFamily="34" charset="-122"/>
-              </a:rPr>
-              <a:t>版本</a:t>
-            </a:r>
-            <a:endParaRPr lang="en-US" altLang="zh-CN" sz="1800" dirty="0" smtClean="0">
-              <a:latin typeface="微软雅黑" panose="020B0503020204020204" pitchFamily="34" charset="-122"/>
-              <a:ea typeface="微软雅黑" panose="020B0503020204020204" pitchFamily="34" charset="-122"/>
-            </a:endParaRPr>
-          </a:p>
-          <a:p>
-            <a:pPr marL="514350" indent="-514350">
-              <a:buFont typeface="+mj-lt"/>
-              <a:buAutoNum type="arabicPeriod"/>
-            </a:pPr>
-            <a:r>
-              <a:rPr lang="zh-CN" altLang="en-US" sz="1800" dirty="0" smtClean="0">
-                <a:latin typeface="微软雅黑" panose="020B0503020204020204" pitchFamily="34" charset="-122"/>
-                <a:ea typeface="微软雅黑" panose="020B0503020204020204" pitchFamily="34" charset="-122"/>
-              </a:rPr>
-              <a:t>支持用</a:t>
-            </a:r>
-            <a:r>
-              <a:rPr lang="en-US" altLang="zh-CN" sz="1800" dirty="0" smtClean="0">
-                <a:latin typeface="微软雅黑" panose="020B0503020204020204" pitchFamily="34" charset="-122"/>
-                <a:ea typeface="微软雅黑" panose="020B0503020204020204" pitchFamily="34" charset="-122"/>
-              </a:rPr>
-              <a:t>R</a:t>
-            </a:r>
-            <a:r>
-              <a:rPr lang="zh-CN" altLang="en-US" sz="1800" dirty="0" smtClean="0">
-                <a:latin typeface="微软雅黑" panose="020B0503020204020204" pitchFamily="34" charset="-122"/>
-                <a:ea typeface="微软雅黑" panose="020B0503020204020204" pitchFamily="34" charset="-122"/>
-              </a:rPr>
-              <a:t>访问</a:t>
-            </a:r>
-            <a:r>
-              <a:rPr lang="en-US" altLang="zh-CN" sz="1800" dirty="0" smtClean="0">
-                <a:latin typeface="微软雅黑" panose="020B0503020204020204" pitchFamily="34" charset="-122"/>
-                <a:ea typeface="微软雅黑" panose="020B0503020204020204" pitchFamily="34" charset="-122"/>
-              </a:rPr>
-              <a:t>plugin</a:t>
-            </a:r>
-            <a:r>
-              <a:rPr lang="zh-CN" altLang="en-US" sz="1800" dirty="0" smtClean="0">
-                <a:latin typeface="微软雅黑" panose="020B0503020204020204" pitchFamily="34" charset="-122"/>
-                <a:ea typeface="微软雅黑" panose="020B0503020204020204" pitchFamily="34" charset="-122"/>
-              </a:rPr>
-              <a:t>资源（轻松实现非内置皮肤的应用换肤功能）</a:t>
-            </a:r>
-            <a:endParaRPr lang="en-US" altLang="zh-CN" sz="1800" dirty="0" smtClean="0">
-              <a:latin typeface="微软雅黑" panose="020B0503020204020204" pitchFamily="34" charset="-122"/>
-              <a:ea typeface="微软雅黑" panose="020B0503020204020204" pitchFamily="34" charset="-122"/>
-            </a:endParaRPr>
-          </a:p>
-          <a:p>
-            <a:pPr marL="514350" indent="-514350">
-              <a:buFont typeface="+mj-lt"/>
-              <a:buAutoNum type="arabicPeriod"/>
-            </a:pPr>
-            <a:r>
-              <a:rPr lang="zh-CN" altLang="en-US" sz="1800" dirty="0" smtClean="0">
-                <a:latin typeface="微软雅黑" panose="020B0503020204020204" pitchFamily="34" charset="-122"/>
-                <a:ea typeface="微软雅黑" panose="020B0503020204020204" pitchFamily="34" charset="-122"/>
-              </a:rPr>
-              <a:t>插件安装后仍可独立运行从而便于调试</a:t>
-            </a:r>
-            <a:endParaRPr lang="en-US" altLang="zh-CN" sz="1800" dirty="0" smtClean="0">
-              <a:latin typeface="微软雅黑" panose="020B0503020204020204" pitchFamily="34" charset="-122"/>
-              <a:ea typeface="微软雅黑" panose="020B0503020204020204" pitchFamily="34" charset="-122"/>
-            </a:endParaRPr>
-          </a:p>
-          <a:p>
-            <a:pPr marL="514350" indent="-514350">
-              <a:buFont typeface="+mj-lt"/>
-              <a:buAutoNum type="arabicPeriod"/>
-            </a:pPr>
-            <a:r>
-              <a:rPr lang="zh-CN" altLang="en-US" sz="1800" dirty="0" smtClean="0">
-                <a:latin typeface="微软雅黑" panose="020B0503020204020204" pitchFamily="34" charset="-122"/>
-                <a:ea typeface="微软雅黑" panose="020B0503020204020204" pitchFamily="34" charset="-122"/>
-              </a:rPr>
-              <a:t>多种开发方式，适用于实际开发的不同场景</a:t>
-            </a:r>
-            <a:endParaRPr lang="en-US" altLang="zh-CN" sz="1800" dirty="0" smtClean="0">
-              <a:latin typeface="微软雅黑" panose="020B0503020204020204" pitchFamily="34" charset="-122"/>
-              <a:ea typeface="微软雅黑" panose="020B0503020204020204" pitchFamily="34" charset="-122"/>
-            </a:endParaRPr>
-          </a:p>
-          <a:p>
-            <a:pPr marL="0" indent="0">
-              <a:buNone/>
-            </a:pPr>
-            <a:r>
-              <a:rPr lang="en-US" altLang="zh-CN" sz="1800" dirty="0" smtClean="0">
-                <a:latin typeface="微软雅黑" panose="020B0503020204020204" pitchFamily="34" charset="-122"/>
-                <a:ea typeface="微软雅黑" panose="020B0503020204020204" pitchFamily="34" charset="-122"/>
-              </a:rPr>
-              <a:t>        </a:t>
-            </a:r>
-            <a:r>
-              <a:rPr lang="zh-CN" altLang="en-US" sz="1800" dirty="0" smtClean="0">
-                <a:latin typeface="微软雅黑" panose="020B0503020204020204" pitchFamily="34" charset="-122"/>
-                <a:ea typeface="微软雅黑" panose="020B0503020204020204" pitchFamily="34" charset="-122"/>
-              </a:rPr>
-              <a:t>插件不依赖宿主（推荐模式）</a:t>
-            </a:r>
-            <a:endParaRPr lang="en-US" altLang="zh-CN" sz="1800" dirty="0" smtClean="0">
-              <a:latin typeface="微软雅黑" panose="020B0503020204020204" pitchFamily="34" charset="-122"/>
-              <a:ea typeface="微软雅黑" panose="020B0503020204020204" pitchFamily="34" charset="-122"/>
-            </a:endParaRPr>
-          </a:p>
-          <a:p>
-            <a:pPr marL="0" indent="0">
-              <a:buNone/>
-            </a:pPr>
+              <a:rPr lang="zh-CN" altLang="en-US" sz="1800" dirty="0">
+                <a:latin typeface="微软雅黑" panose="020B0503020204020204" pitchFamily="34" charset="-122"/>
+                <a:ea typeface="微软雅黑" panose="020B0503020204020204" pitchFamily="34" charset="-122"/>
+              </a:rPr>
+              <a:t>字符串资源超过</a:t>
+            </a:r>
             <a:r>
               <a:rPr lang="en-US" altLang="zh-CN" sz="1800" dirty="0">
                 <a:latin typeface="微软雅黑" panose="020B0503020204020204" pitchFamily="34" charset="-122"/>
                 <a:ea typeface="微软雅黑" panose="020B0503020204020204" pitchFamily="34" charset="-122"/>
               </a:rPr>
-              <a:t> </a:t>
-            </a:r>
-            <a:r>
-              <a:rPr lang="en-US" altLang="zh-CN" sz="1800" dirty="0" smtClean="0">
-                <a:latin typeface="微软雅黑" panose="020B0503020204020204" pitchFamily="34" charset="-122"/>
-                <a:ea typeface="微软雅黑" panose="020B0503020204020204" pitchFamily="34" charset="-122"/>
-              </a:rPr>
-              <a:t>       </a:t>
-            </a:r>
-            <a:r>
-              <a:rPr lang="zh-CN" altLang="en-US" sz="1800" dirty="0" smtClean="0">
-                <a:latin typeface="微软雅黑" panose="020B0503020204020204" pitchFamily="34" charset="-122"/>
-                <a:ea typeface="微软雅黑" panose="020B0503020204020204" pitchFamily="34" charset="-122"/>
-              </a:rPr>
-              <a:t>插件部分依赖宿主（宿主向插件提供接口）</a:t>
-            </a:r>
-            <a:endParaRPr lang="en-US" altLang="zh-CN" sz="1800" dirty="0" smtClean="0">
-              <a:latin typeface="微软雅黑" panose="020B0503020204020204" pitchFamily="34" charset="-122"/>
-              <a:ea typeface="微软雅黑" panose="020B0503020204020204" pitchFamily="34" charset="-122"/>
-            </a:endParaRPr>
-          </a:p>
-          <a:p>
-            <a:pPr marL="0" indent="0">
-              <a:buNone/>
-            </a:pPr>
+              <a:t>128</a:t>
+            </a:r>
+            <a:r>
+              <a:rPr lang="zh-CN" altLang="en-US" sz="1800" dirty="0">
+                <a:latin typeface="微软雅黑" panose="020B0503020204020204" pitchFamily="34" charset="-122"/>
+                <a:ea typeface="微软雅黑" panose="020B0503020204020204" pitchFamily="34" charset="-122"/>
+              </a:rPr>
+              <a:t>编译报错问题 </a:t>
+            </a:r>
+            <a:br>
+              <a:rPr lang="zh-CN" altLang="en-US" sz="1800" dirty="0">
+                <a:latin typeface="微软雅黑" panose="020B0503020204020204" pitchFamily="34" charset="-122"/>
+                <a:ea typeface="微软雅黑" panose="020B0503020204020204" pitchFamily="34" charset="-122"/>
+              </a:rPr>
+            </a:br>
+            <a:r>
+              <a:rPr lang="zh-CN" altLang="en-US" sz="1800" dirty="0">
+                <a:latin typeface="微软雅黑" panose="020B0503020204020204" pitchFamily="34" charset="-122"/>
+                <a:ea typeface="微软雅黑" panose="020B0503020204020204" pitchFamily="34" charset="-122"/>
+              </a:rPr>
+              <a:t>目前发现插件处理资源的时候，如果工程中存在</a:t>
+            </a:r>
             <a:r>
               <a:rPr lang="en-US" altLang="zh-CN" sz="1800" dirty="0">
                 <a:latin typeface="微软雅黑" panose="020B0503020204020204" pitchFamily="34" charset="-122"/>
                 <a:ea typeface="微软雅黑" panose="020B0503020204020204" pitchFamily="34" charset="-122"/>
               </a:rPr>
-              <a:t> </a:t>
-            </a:r>
-            <a:r>
-              <a:rPr lang="en-US" altLang="zh-CN" sz="1800" dirty="0" smtClean="0">
-                <a:latin typeface="微软雅黑" panose="020B0503020204020204" pitchFamily="34" charset="-122"/>
-                <a:ea typeface="微软雅黑" panose="020B0503020204020204" pitchFamily="34" charset="-122"/>
-              </a:rPr>
-              <a:t>       </a:t>
-            </a:r>
-            <a:r>
-              <a:rPr lang="zh-CN" altLang="en-US" sz="1800" dirty="0" smtClean="0">
-                <a:latin typeface="微软雅黑" panose="020B0503020204020204" pitchFamily="34" charset="-122"/>
-                <a:ea typeface="微软雅黑" panose="020B0503020204020204" pitchFamily="34" charset="-122"/>
-              </a:rPr>
-              <a:t>插件完全依赖宿主</a:t>
-            </a:r>
-            <a:endParaRPr lang="en-US" altLang="zh-CN" sz="1800" dirty="0" smtClean="0">
-              <a:latin typeface="微软雅黑" panose="020B0503020204020204" pitchFamily="34" charset="-122"/>
-              <a:ea typeface="微软雅黑" panose="020B0503020204020204" pitchFamily="34" charset="-122"/>
-            </a:endParaRPr>
+              <a:t>strings.xml</a:t>
+            </a:r>
+            <a:r>
+              <a:rPr lang="zh-CN" altLang="en-US" sz="1800" dirty="0">
+                <a:latin typeface="微软雅黑" panose="020B0503020204020204" pitchFamily="34" charset="-122"/>
+                <a:ea typeface="微软雅黑" panose="020B0503020204020204" pitchFamily="34" charset="-122"/>
+              </a:rPr>
+              <a:t>中有字符串资源超过</a:t>
+            </a:r>
+            <a:r>
+              <a:rPr lang="en-US" altLang="zh-CN" sz="1800" dirty="0">
+                <a:latin typeface="微软雅黑" panose="020B0503020204020204" pitchFamily="34" charset="-122"/>
+                <a:ea typeface="微软雅黑" panose="020B0503020204020204" pitchFamily="34" charset="-122"/>
+              </a:rPr>
+              <a:t>128</a:t>
+            </a:r>
+            <a:r>
+              <a:rPr lang="zh-CN" altLang="en-US" sz="1800" dirty="0">
+                <a:latin typeface="微软雅黑" panose="020B0503020204020204" pitchFamily="34" charset="-122"/>
+                <a:ea typeface="微软雅黑" panose="020B0503020204020204" pitchFamily="34" charset="-122"/>
+              </a:rPr>
+              <a:t>字符就会报错</a:t>
+            </a:r>
+            <a:r>
+              <a:rPr lang="en-US" altLang="zh-CN" sz="1800" dirty="0">
+                <a:latin typeface="微软雅黑" panose="020B0503020204020204" pitchFamily="34" charset="-122"/>
+                <a:ea typeface="微软雅黑" panose="020B0503020204020204" pitchFamily="34" charset="-122"/>
+              </a:rPr>
+              <a:t>,</a:t>
+            </a:r>
+            <a:r>
+              <a:rPr lang="zh-CN" altLang="en-US" sz="1800" dirty="0">
+                <a:latin typeface="微软雅黑" panose="020B0503020204020204" pitchFamily="34" charset="-122"/>
+                <a:ea typeface="微软雅黑" panose="020B0503020204020204" pitchFamily="34" charset="-122"/>
+              </a:rPr>
+              <a:t>还有存在字符串样式的也会有问题；应该是作者对资源索引表中的</a:t>
+            </a:r>
+            <a:r>
+              <a:rPr lang="en-US" altLang="zh-CN" sz="1800" dirty="0" err="1">
+                <a:latin typeface="微软雅黑" panose="020B0503020204020204" pitchFamily="34" charset="-122"/>
+                <a:ea typeface="微软雅黑" panose="020B0503020204020204" pitchFamily="34" charset="-122"/>
+              </a:rPr>
+              <a:t>StringPoll</a:t>
+            </a:r>
+            <a:r>
+              <a:rPr lang="zh-CN" altLang="en-US" sz="1800" dirty="0">
+                <a:latin typeface="微软雅黑" panose="020B0503020204020204" pitchFamily="34" charset="-122"/>
+                <a:ea typeface="微软雅黑" panose="020B0503020204020204" pitchFamily="34" charset="-122"/>
+              </a:rPr>
+              <a:t>结构理解有误导致。</a:t>
+            </a:r>
           </a:p>
         </p:txBody>
       </p:sp>
     </p:spTree>
     <p:extLst>
       <p:ext uri="{BB962C8B-B14F-4D97-AF65-F5344CB8AC3E}">
-        <p14:creationId xmlns:p14="http://schemas.microsoft.com/office/powerpoint/2010/main" val="3593746696"/>
+        <p14:creationId xmlns:p14="http://schemas.microsoft.com/office/powerpoint/2010/main" val="1012896690"/>
       </p:ext>
     </p:extLst>
   </p:cSld>
@@ -6520,6 +6670,64 @@
       </p:grpSpPr>
       <p:sp>
         <p:nvSpPr>
+          <p:cNvPr id="2" name="标题 1"/>
+          <p:cNvSpPr>
+            <a:spLocks noGrp="1"/>
+          </p:cNvSpPr>
+          <p:nvPr>
+            <p:ph type="title"/>
+          </p:nvPr>
+        </p:nvSpPr>
+        <p:spPr/>
+        <p:txBody>
+          <a:bodyPr>
+            <a:normAutofit fontScale="90000"/>
+          </a:bodyPr>
+          <a:lstStyle/>
+          <a:p>
+            <a:r>
+              <a:rPr lang="en-US" altLang="zh-CN" dirty="0" smtClean="0"/>
+              <a:t/>
+            </a:r>
+            <a:br>
+              <a:rPr lang="en-US" altLang="zh-CN" dirty="0" smtClean="0"/>
+            </a:br>
+            <a:r>
+              <a:rPr lang="en-US" altLang="zh-CN" dirty="0" smtClean="0"/>
+              <a:t>Dynamic-load-</a:t>
+            </a:r>
+            <a:r>
+              <a:rPr lang="en-US" altLang="zh-CN" dirty="0" err="1" smtClean="0"/>
+              <a:t>apk</a:t>
+            </a:r>
+            <a:r>
+              <a:rPr lang="en-US" altLang="zh-CN" dirty="0" smtClean="0"/>
+              <a:t/>
+            </a:r>
+            <a:br>
+              <a:rPr lang="en-US" altLang="zh-CN" dirty="0" smtClean="0"/>
+            </a:br>
+            <a:r>
+              <a:rPr lang="en-US" altLang="zh-CN" dirty="0" smtClean="0"/>
+              <a:t>-- </a:t>
+            </a:r>
+            <a:r>
+              <a:rPr lang="en-US" altLang="zh-CN" dirty="0" err="1" smtClean="0"/>
+              <a:t>singwhatiwanna</a:t>
+            </a:r>
+            <a:r>
+              <a:rPr lang="en-US" altLang="zh-CN" dirty="0"/>
+              <a:t/>
+            </a:r>
+            <a:br>
+              <a:rPr lang="en-US" altLang="zh-CN" dirty="0"/>
+            </a:br>
+            <a:endParaRPr lang="zh-CN" altLang="en-US" dirty="0"/>
+          </a:p>
+        </p:txBody>
+      </p:sp>
+      <p:sp>
+        <p:nvSpPr>
           <p:cNvPr id="3" name="内容占位符 2"/>
           <p:cNvSpPr>
             <a:spLocks noGrp="1"/>
@@ -6528,7 +6736,12 @@
             <p:ph idx="1"/>
           </p:nvPr>
         </p:nvSpPr>
-        <p:spPr/>
+        <p:spPr>
+          <a:xfrm>
+            <a:off x="457200" y="1600200"/>
+            <a:ext cx="8229600" cy="4781128"/>
+          </a:xfrm>
+        </p:spPr>
         <p:txBody>
           <a:bodyPr>
             <a:normAutofit/>
@@ -6543,17 +6756,10 @@
                 <a:latin typeface="微软雅黑" panose="020B0503020204020204" pitchFamily="34" charset="-122"/>
                 <a:ea typeface="微软雅黑" panose="020B0503020204020204" pitchFamily="34" charset="-122"/>
               </a:rPr>
-              <a:t>限制和缺陷</a:t>
-            </a:r>
-            <a:r>
-              <a:rPr lang="en-US" altLang="zh-CN" sz="1800" b="1" dirty="0" smtClean="0">
-                <a:latin typeface="微软雅黑" panose="020B0503020204020204" pitchFamily="34" charset="-122"/>
-                <a:ea typeface="微软雅黑" panose="020B0503020204020204" pitchFamily="34" charset="-122"/>
-              </a:rPr>
-              <a:t>:</a:t>
-            </a:r>
-            <a:r>
-              <a:rPr lang="zh-CN" altLang="en-US" sz="1800" dirty="0" smtClean="0">
+              <a:t>特点：</a:t>
+            </a:r>
+            <a:r>
+              <a:rPr lang="zh-CN" altLang="en-US" sz="1800" dirty="0">
                 <a:latin typeface="微软雅黑" panose="020B0503020204020204" pitchFamily="34" charset="-122"/>
                 <a:ea typeface="微软雅黑" panose="020B0503020204020204" pitchFamily="34" charset="-122"/>
               </a:rPr>
@@ -6565,30 +6771,23 @@
             </a:endParaRPr>
           </a:p>
           <a:p>
-            <a:pPr>
+            <a:pPr marL="514350" indent="-514350">
               <a:buFont typeface="+mj-lt"/>
               <a:buAutoNum type="arabicPeriod"/>
             </a:pPr>
             <a:r>
-              <a:rPr lang="zh-CN" altLang="en-US" sz="1800" dirty="0" smtClean="0">
-                <a:latin typeface="微软雅黑" panose="020B0503020204020204" pitchFamily="34" charset="-122"/>
-                <a:ea typeface="微软雅黑" panose="020B0503020204020204" pitchFamily="34" charset="-122"/>
-              </a:rPr>
-              <a:t>目前不支持</a:t>
-            </a:r>
-            <a:r>
-              <a:rPr lang="en-US" altLang="zh-CN" sz="1800" dirty="0" smtClean="0">
-                <a:latin typeface="微软雅黑" panose="020B0503020204020204" pitchFamily="34" charset="-122"/>
-                <a:ea typeface="微软雅黑" panose="020B0503020204020204" pitchFamily="34" charset="-122"/>
-              </a:rPr>
-              <a:t>service</a:t>
-            </a:r>
-            <a:r>
-              <a:rPr lang="zh-CN" altLang="en-US" sz="1800" dirty="0" smtClean="0">
-                <a:latin typeface="微软雅黑" panose="020B0503020204020204" pitchFamily="34" charset="-122"/>
-                <a:ea typeface="微软雅黑" panose="020B0503020204020204" pitchFamily="34" charset="-122"/>
-              </a:rPr>
-              <a:t>，但同样可以通过代理的方式实现</a:t>
+              <a:rPr lang="zh-CN" altLang="en-US" sz="1800" dirty="0">
+                <a:latin typeface="微软雅黑" panose="020B0503020204020204" pitchFamily="34" charset="-122"/>
+                <a:ea typeface="微软雅黑" panose="020B0503020204020204" pitchFamily="34" charset="-122"/>
+              </a:rPr>
+              <a:t>开</a:t>
+            </a:r>
+            <a:r>
+              <a:rPr lang="zh-CN" altLang="en-US" sz="1800" dirty="0" smtClean="0">
+                <a:latin typeface="微软雅黑" panose="020B0503020204020204" pitchFamily="34" charset="-122"/>
+                <a:ea typeface="微软雅黑" panose="020B0503020204020204" pitchFamily="34" charset="-122"/>
+              </a:rPr>
+              <a:t>源</a:t>
             </a:r>
             <a:endParaRPr lang="en-US" altLang="zh-CN" sz="1800" dirty="0" smtClean="0">
               <a:latin typeface="微软雅黑" panose="020B0503020204020204" pitchFamily="34" charset="-122"/>
@@ -6596,7 +6795,7 @@
             </a:endParaRPr>
           </a:p>
           <a:p>
-            <a:pPr>
+            <a:pPr marL="514350" indent="-514350">
               <a:buFont typeface="+mj-lt"/>
               <a:buAutoNum type="arabicPeriod"/>
             </a:pPr>
@@ -6605,49 +6804,28 @@
                 <a:latin typeface="微软雅黑" panose="020B0503020204020204" pitchFamily="34" charset="-122"/>
                 <a:ea typeface="微软雅黑" panose="020B0503020204020204" pitchFamily="34" charset="-122"/>
               </a:rPr>
-              <a:t>支持</a:t>
-            </a:r>
-            <a:r>
-              <a:rPr lang="en-US" altLang="zh-CN" sz="1800" dirty="0" smtClean="0">
-                <a:latin typeface="微软雅黑" panose="020B0503020204020204" pitchFamily="34" charset="-122"/>
-                <a:ea typeface="微软雅黑" panose="020B0503020204020204" pitchFamily="34" charset="-122"/>
-              </a:rPr>
-              <a:t>Activity</a:t>
-            </a:r>
-            <a:r>
-              <a:rPr lang="zh-CN" altLang="en-US" sz="1800" dirty="0" smtClean="0">
-                <a:latin typeface="微软雅黑" panose="020B0503020204020204" pitchFamily="34" charset="-122"/>
-                <a:ea typeface="微软雅黑" panose="020B0503020204020204" pitchFamily="34" charset="-122"/>
-              </a:rPr>
-              <a:t>和</a:t>
-            </a:r>
-            <a:r>
-              <a:rPr lang="en-US" altLang="zh-CN" sz="1800" dirty="0" err="1" smtClean="0">
-                <a:latin typeface="微软雅黑" panose="020B0503020204020204" pitchFamily="34" charset="-122"/>
-                <a:ea typeface="微软雅黑" panose="020B0503020204020204" pitchFamily="34" charset="-122"/>
-              </a:rPr>
-              <a:t>FragmentActivity</a:t>
-            </a:r>
-            <a:r>
-              <a:rPr lang="zh-CN" altLang="en-US" sz="1800" dirty="0" smtClean="0">
-                <a:latin typeface="微软雅黑" panose="020B0503020204020204" pitchFamily="34" charset="-122"/>
-                <a:ea typeface="微软雅黑" panose="020B0503020204020204" pitchFamily="34" charset="-122"/>
-              </a:rPr>
-              <a:t>，其他的</a:t>
-            </a:r>
-            <a:r>
-              <a:rPr lang="en-US" altLang="zh-CN" sz="1800" dirty="0" smtClean="0">
-                <a:latin typeface="微软雅黑" panose="020B0503020204020204" pitchFamily="34" charset="-122"/>
-                <a:ea typeface="微软雅黑" panose="020B0503020204020204" pitchFamily="34" charset="-122"/>
-              </a:rPr>
-              <a:t>Activity</a:t>
-            </a:r>
-            <a:r>
-              <a:rPr lang="zh-CN" altLang="en-US" sz="1800" dirty="0" smtClean="0">
-                <a:latin typeface="微软雅黑" panose="020B0503020204020204" pitchFamily="34" charset="-122"/>
-                <a:ea typeface="微软雅黑" panose="020B0503020204020204" pitchFamily="34" charset="-122"/>
-              </a:rPr>
-              <a:t>可以通过上述的方式实现。</a:t>
+              <a:t>轻量级</a:t>
+            </a:r>
+            <a:r>
+              <a:rPr lang="zh-CN" altLang="en-US" sz="1800" dirty="0" smtClean="0"/>
+              <a:t>，只需引入</a:t>
+            </a:r>
+            <a:r>
+              <a:rPr lang="en-US" altLang="zh-CN" sz="1800" dirty="0" smtClean="0"/>
+              <a:t>dl-id.jar</a:t>
+            </a:r>
+          </a:p>
+          <a:p>
+            <a:pPr marL="514350" indent="-514350">
+              <a:buFont typeface="+mj-lt"/>
+              <a:buAutoNum type="arabicPeriod"/>
+            </a:pPr>
+            <a:r>
+              <a:rPr lang="zh-CN" altLang="en-US" sz="1800" dirty="0" smtClean="0">
+                <a:latin typeface="微软雅黑" panose="020B0503020204020204" pitchFamily="34" charset="-122"/>
+                <a:ea typeface="微软雅黑" panose="020B0503020204020204" pitchFamily="34" charset="-122"/>
+              </a:rPr>
+              <a:t>采用代理模式，容易进行扩展</a:t>
             </a:r>
             <a:endParaRPr lang="en-US" altLang="zh-CN" sz="1800" dirty="0" smtClean="0">
               <a:latin typeface="微软雅黑" panose="020B0503020204020204" pitchFamily="34" charset="-122"/>
@@ -6655,7 +6833,7 @@
             </a:endParaRPr>
           </a:p>
           <a:p>
-            <a:pPr>
+            <a:pPr marL="514350" indent="-514350">
               <a:buFont typeface="+mj-lt"/>
               <a:buAutoNum type="arabicPeriod"/>
             </a:pPr>
@@ -6664,7 +6842,21 @@
                 <a:latin typeface="微软雅黑" panose="020B0503020204020204" pitchFamily="34" charset="-122"/>
                 <a:ea typeface="微软雅黑" panose="020B0503020204020204" pitchFamily="34" charset="-122"/>
               </a:rPr>
-              <a:t>只支持动态注册广播。</a:t>
+              <a:t>支持</a:t>
+            </a:r>
+            <a:r>
+              <a:rPr lang="en-US" altLang="zh-CN" sz="1800" dirty="0" smtClean="0">
+                <a:latin typeface="微软雅黑" panose="020B0503020204020204" pitchFamily="34" charset="-122"/>
+                <a:ea typeface="微软雅黑" panose="020B0503020204020204" pitchFamily="34" charset="-122"/>
+              </a:rPr>
+              <a:t>android2.x</a:t>
+            </a:r>
+            <a:r>
+              <a:rPr lang="zh-CN" altLang="en-US" sz="1800" dirty="0" smtClean="0">
+                <a:latin typeface="微软雅黑" panose="020B0503020204020204" pitchFamily="34" charset="-122"/>
+                <a:ea typeface="微软雅黑" panose="020B0503020204020204" pitchFamily="34" charset="-122"/>
+              </a:rPr>
+              <a:t>版本</a:t>
             </a:r>
             <a:endParaRPr lang="en-US" altLang="zh-CN" sz="1800" dirty="0" smtClean="0">
               <a:latin typeface="微软雅黑" panose="020B0503020204020204" pitchFamily="34" charset="-122"/>
@@ -6672,34 +6864,52 @@
             </a:endParaRPr>
           </a:p>
           <a:p>
-            <a:pPr>
+            <a:pPr marL="514350" indent="-514350">
               <a:buFont typeface="+mj-lt"/>
               <a:buAutoNum type="arabicPeriod"/>
             </a:pPr>
             <a:r>
-              <a:rPr lang="zh-CN" altLang="en-US" sz="1800" dirty="0">
-                <a:latin typeface="微软雅黑" panose="020B0503020204020204" pitchFamily="34" charset="-122"/>
-                <a:ea typeface="微软雅黑" panose="020B0503020204020204" pitchFamily="34" charset="-122"/>
-              </a:rPr>
-              <a:t>不</a:t>
-            </a:r>
-            <a:r>
-              <a:rPr lang="zh-CN" altLang="en-US" sz="1800" dirty="0" smtClean="0">
-                <a:latin typeface="微软雅黑" panose="020B0503020204020204" pitchFamily="34" charset="-122"/>
-                <a:ea typeface="微软雅黑" panose="020B0503020204020204" pitchFamily="34" charset="-122"/>
-              </a:rPr>
-              <a:t>支持插件中的</a:t>
+              <a:rPr lang="zh-CN" altLang="en-US" sz="1800" dirty="0" smtClean="0">
+                <a:latin typeface="微软雅黑" panose="020B0503020204020204" pitchFamily="34" charset="-122"/>
+                <a:ea typeface="微软雅黑" panose="020B0503020204020204" pitchFamily="34" charset="-122"/>
+              </a:rPr>
+              <a:t>支持用</a:t>
             </a:r>
             <a:r>
               <a:rPr lang="en-US" altLang="zh-CN" sz="1800" dirty="0" smtClean="0">
                 <a:latin typeface="微软雅黑" panose="020B0503020204020204" pitchFamily="34" charset="-122"/>
                 <a:ea typeface="微软雅黑" panose="020B0503020204020204" pitchFamily="34" charset="-122"/>
               </a:rPr>
-              <a:t>assets</a:t>
-            </a:r>
-          </a:p>
-          <a:p>
-            <a:pPr>
+              <a:t>R</a:t>
+            </a:r>
+            <a:r>
+              <a:rPr lang="zh-CN" altLang="en-US" sz="1800" dirty="0" smtClean="0">
+                <a:latin typeface="微软雅黑" panose="020B0503020204020204" pitchFamily="34" charset="-122"/>
+                <a:ea typeface="微软雅黑" panose="020B0503020204020204" pitchFamily="34" charset="-122"/>
+              </a:rPr>
+              <a:t>访问</a:t>
+            </a:r>
+            <a:r>
+              <a:rPr lang="en-US" altLang="zh-CN" sz="1800" dirty="0" smtClean="0">
+                <a:latin typeface="微软雅黑" panose="020B0503020204020204" pitchFamily="34" charset="-122"/>
+                <a:ea typeface="微软雅黑" panose="020B0503020204020204" pitchFamily="34" charset="-122"/>
+              </a:rPr>
+              <a:t>plugin</a:t>
+            </a:r>
+            <a:r>
+              <a:rPr lang="zh-CN" altLang="en-US" sz="1800" dirty="0" smtClean="0">
+                <a:latin typeface="微软雅黑" panose="020B0503020204020204" pitchFamily="34" charset="-122"/>
+                <a:ea typeface="微软雅黑" panose="020B0503020204020204" pitchFamily="34" charset="-122"/>
+              </a:rPr>
+              <a:t>资源（轻松实现非内置皮肤的应用换肤功能）</a:t>
+            </a:r>
+            <a:endParaRPr lang="en-US" altLang="zh-CN" sz="1800" dirty="0" smtClean="0">
+              <a:latin typeface="微软雅黑" panose="020B0503020204020204" pitchFamily="34" charset="-122"/>
+              <a:ea typeface="微软雅黑" panose="020B0503020204020204" pitchFamily="34" charset="-122"/>
+            </a:endParaRPr>
+          </a:p>
+          <a:p>
+            <a:pPr marL="514350" indent="-514350">
               <a:buFont typeface="+mj-lt"/>
               <a:buAutoNum type="arabicPeriod"/>
             </a:pPr>
@@ -6708,32 +6918,15 @@
                 <a:latin typeface="微软雅黑" panose="020B0503020204020204" pitchFamily="34" charset="-122"/>
                 <a:ea typeface="微软雅黑" panose="020B0503020204020204" pitchFamily="34" charset="-122"/>
               </a:rPr>
-              <a:t>调用</a:t>
-            </a:r>
-            <a:r>
-              <a:rPr lang="en-US" altLang="zh-CN" sz="1800" dirty="0" smtClean="0">
-                <a:latin typeface="微软雅黑" panose="020B0503020204020204" pitchFamily="34" charset="-122"/>
-                <a:ea typeface="微软雅黑" panose="020B0503020204020204" pitchFamily="34" charset="-122"/>
-              </a:rPr>
-              <a:t>Context</a:t>
-            </a:r>
-            <a:r>
-              <a:rPr lang="zh-CN" altLang="en-US" sz="1800" dirty="0" smtClean="0">
-                <a:latin typeface="微软雅黑" panose="020B0503020204020204" pitchFamily="34" charset="-122"/>
-                <a:ea typeface="微软雅黑" panose="020B0503020204020204" pitchFamily="34" charset="-122"/>
-              </a:rPr>
-              <a:t>的时候，请适当使用</a:t>
-            </a:r>
-            <a:r>
-              <a:rPr lang="en-US" altLang="zh-CN" sz="1800" dirty="0" smtClean="0">
-                <a:latin typeface="微软雅黑" panose="020B0503020204020204" pitchFamily="34" charset="-122"/>
-                <a:ea typeface="微软雅黑" panose="020B0503020204020204" pitchFamily="34" charset="-122"/>
-              </a:rPr>
-              <a:t>that</a:t>
-            </a:r>
-          </a:p>
-          <a:p>
-            <a:pPr>
+              <a:t>插件安装后仍可独立运行从而便于调试</a:t>
+            </a:r>
+            <a:endParaRPr lang="en-US" altLang="zh-CN" sz="1800" dirty="0" smtClean="0">
+              <a:latin typeface="微软雅黑" panose="020B0503020204020204" pitchFamily="34" charset="-122"/>
+              <a:ea typeface="微软雅黑" panose="020B0503020204020204" pitchFamily="34" charset="-122"/>
+            </a:endParaRPr>
+          </a:p>
+          <a:p>
+            <a:pPr marL="514350" indent="-514350">
               <a:buFont typeface="+mj-lt"/>
               <a:buAutoNum type="arabicPeriod"/>
             </a:pPr>
@@ -6742,53 +6935,102 @@
                 <a:latin typeface="微软雅黑" panose="020B0503020204020204" pitchFamily="34" charset="-122"/>
                 <a:ea typeface="微软雅黑" panose="020B0503020204020204" pitchFamily="34" charset="-122"/>
               </a:rPr>
-              <a:t>慎重使用</a:t>
-            </a:r>
-            <a:r>
-              <a:rPr lang="en-US" altLang="zh-CN" sz="1800" dirty="0" smtClean="0">
-                <a:latin typeface="微软雅黑" panose="020B0503020204020204" pitchFamily="34" charset="-122"/>
-                <a:ea typeface="微软雅黑" panose="020B0503020204020204" pitchFamily="34" charset="-122"/>
-              </a:rPr>
-              <a:t>this</a:t>
-            </a:r>
-          </a:p>
-          <a:p>
-            <a:pPr>
-              <a:buFont typeface="+mj-lt"/>
-              <a:buAutoNum type="arabicPeriod"/>
-            </a:pPr>
-            <a:r>
-              <a:rPr lang="zh-CN" altLang="en-US" sz="1800" dirty="0" smtClean="0">
-                <a:latin typeface="微软雅黑" panose="020B0503020204020204" pitchFamily="34" charset="-122"/>
-                <a:ea typeface="微软雅黑" panose="020B0503020204020204" pitchFamily="34" charset="-122"/>
-              </a:rPr>
-              <a:t>目前支持</a:t>
-            </a:r>
-            <a:r>
-              <a:rPr lang="en-US" altLang="zh-CN" sz="1800" dirty="0" smtClean="0">
-                <a:latin typeface="微软雅黑" panose="020B0503020204020204" pitchFamily="34" charset="-122"/>
-                <a:ea typeface="微软雅黑" panose="020B0503020204020204" pitchFamily="34" charset="-122"/>
-              </a:rPr>
-              <a:t>style</a:t>
-            </a:r>
-            <a:r>
-              <a:rPr lang="zh-CN" altLang="en-US" sz="1800" dirty="0" smtClean="0">
-                <a:latin typeface="微软雅黑" panose="020B0503020204020204" pitchFamily="34" charset="-122"/>
-                <a:ea typeface="微软雅黑" panose="020B0503020204020204" pitchFamily="34" charset="-122"/>
-              </a:rPr>
-              <a:t>和系统主题，暂不支持自定义主题</a:t>
-            </a:r>
-            <a:endParaRPr lang="zh-CN" altLang="en-US" sz="1800" dirty="0">
+              <a:t>多种开发方式，适用于实际开发的不同场景</a:t>
+            </a:r>
+            <a:endParaRPr lang="en-US" altLang="zh-CN" sz="1800" dirty="0" smtClean="0">
               <a:latin typeface="微软雅黑" panose="020B0503020204020204" pitchFamily="34" charset="-122"/>
               <a:ea typeface="微软雅黑" panose="020B0503020204020204" pitchFamily="34" charset="-122"/>
             </a:endParaRPr>
           </a:p>
+          <a:p>
+            <a:pPr marL="0" indent="0">
+              <a:buNone/>
+            </a:pPr>
+            <a:r>
+              <a:rPr lang="en-US" altLang="zh-CN" sz="1800" dirty="0" smtClean="0">
+                <a:latin typeface="微软雅黑" panose="020B0503020204020204" pitchFamily="34" charset="-122"/>
+                <a:ea typeface="微软雅黑" panose="020B0503020204020204" pitchFamily="34" charset="-122"/>
+              </a:rPr>
+              <a:t>        </a:t>
+            </a:r>
+            <a:r>
+              <a:rPr lang="zh-CN" altLang="en-US" sz="1800" dirty="0" smtClean="0">
+                <a:latin typeface="微软雅黑" panose="020B0503020204020204" pitchFamily="34" charset="-122"/>
+                <a:ea typeface="微软雅黑" panose="020B0503020204020204" pitchFamily="34" charset="-122"/>
+              </a:rPr>
+              <a:t>插件不依赖宿主（推荐模式）</a:t>
+            </a:r>
+            <a:endParaRPr lang="en-US" altLang="zh-CN" sz="1800" dirty="0" smtClean="0">
+              <a:latin typeface="微软雅黑" panose="020B0503020204020204" pitchFamily="34" charset="-122"/>
+              <a:ea typeface="微软雅黑" panose="020B0503020204020204" pitchFamily="34" charset="-122"/>
+            </a:endParaRPr>
+          </a:p>
+          <a:p>
+            <a:pPr marL="0" indent="0">
+              <a:buNone/>
+            </a:pPr>
+            <a:r>
+              <a:rPr lang="en-US" altLang="zh-CN" sz="1800" dirty="0">
+                <a:latin typeface="微软雅黑" panose="020B0503020204020204" pitchFamily="34" charset="-122"/>
+                <a:ea typeface="微软雅黑" panose="020B0503020204020204" pitchFamily="34" charset="-122"/>
+              </a:rPr>
+              <a:t> </a:t>
+            </a:r>
+            <a:r>
+              <a:rPr lang="en-US" altLang="zh-CN" sz="1800" dirty="0" smtClean="0">
+                <a:latin typeface="微软雅黑" panose="020B0503020204020204" pitchFamily="34" charset="-122"/>
+                <a:ea typeface="微软雅黑" panose="020B0503020204020204" pitchFamily="34" charset="-122"/>
+              </a:rPr>
+              <a:t>       </a:t>
+            </a:r>
+            <a:r>
+              <a:rPr lang="zh-CN" altLang="en-US" sz="1800" dirty="0" smtClean="0">
+                <a:latin typeface="微软雅黑" panose="020B0503020204020204" pitchFamily="34" charset="-122"/>
+                <a:ea typeface="微软雅黑" panose="020B0503020204020204" pitchFamily="34" charset="-122"/>
+              </a:rPr>
+              <a:t>插件部分依赖宿主（宿主向插件提供接口）</a:t>
+            </a:r>
+            <a:endParaRPr lang="en-US" altLang="zh-CN" sz="1800" dirty="0" smtClean="0">
+              <a:latin typeface="微软雅黑" panose="020B0503020204020204" pitchFamily="34" charset="-122"/>
+              <a:ea typeface="微软雅黑" panose="020B0503020204020204" pitchFamily="34" charset="-122"/>
+            </a:endParaRPr>
+          </a:p>
+          <a:p>
+            <a:pPr marL="0" indent="0">
+              <a:buNone/>
+            </a:pPr>
+            <a:r>
+              <a:rPr lang="en-US" altLang="zh-CN" sz="1800" dirty="0">
+                <a:latin typeface="微软雅黑" panose="020B0503020204020204" pitchFamily="34" charset="-122"/>
+                <a:ea typeface="微软雅黑" panose="020B0503020204020204" pitchFamily="34" charset="-122"/>
+              </a:rPr>
+              <a:t> </a:t>
+            </a:r>
+            <a:r>
+              <a:rPr lang="en-US" altLang="zh-CN" sz="1800" dirty="0" smtClean="0">
+                <a:latin typeface="微软雅黑" panose="020B0503020204020204" pitchFamily="34" charset="-122"/>
+                <a:ea typeface="微软雅黑" panose="020B0503020204020204" pitchFamily="34" charset="-122"/>
+              </a:rPr>
+              <a:t>       </a:t>
+            </a:r>
+            <a:r>
+              <a:rPr lang="zh-CN" altLang="en-US" sz="1800" dirty="0" smtClean="0">
+                <a:latin typeface="微软雅黑" panose="020B0503020204020204" pitchFamily="34" charset="-122"/>
+                <a:ea typeface="微软雅黑" panose="020B0503020204020204" pitchFamily="34" charset="-122"/>
+              </a:rPr>
+              <a:t>插件完全依赖宿主</a:t>
+            </a:r>
+            <a:endParaRPr lang="en-US" altLang="zh-CN" sz="1800" dirty="0" smtClean="0">
+              <a:latin typeface="微软雅黑" panose="020B0503020204020204" pitchFamily="34" charset="-122"/>
+              <a:ea typeface="微软雅黑" panose="020B0503020204020204" pitchFamily="34" charset="-122"/>
+            </a:endParaRPr>
+          </a:p>
         </p:txBody>
       </p:sp>
     </p:spTree>
     <p:extLst>
       <p:ext uri="{BB962C8B-B14F-4D97-AF65-F5344CB8AC3E}">
-        <p14:creationId xmlns:p14="http://schemas.microsoft.com/office/powerpoint/2010/main" val="2284094414"/>
+        <p14:creationId xmlns:p14="http://schemas.microsoft.com/office/powerpoint/2010/main" val="3593746696"/>
       </p:ext>
     </p:extLst>
   </p:cSld>
@@ -6822,39 +7064,277 @@
           <a:chExt cx="0" cy="0"/>
         </a:xfrm>
       </p:grpSpPr>
-      <p:pic>
-        <p:nvPicPr>
-          <p:cNvPr id="4" name="内容占位符 3"/>
-          <p:cNvPicPr>
-            <a:picLocks noGrp="1" noChangeAspect="1"/>
-          </p:cNvPicPr>
+      <p:sp>
+        <p:nvSpPr>
+          <p:cNvPr id="3" name="内容占位符 2"/>
+          <p:cNvSpPr>
+            <a:spLocks noGrp="1"/>
+          </p:cNvSpPr>
           <p:nvPr>
             <p:ph idx="1"/>
           </p:nvPr>
-        </p:nvPicPr>
-        <p:blipFill>
-          <a:blip r:embed="rId2" cstate="print">
-            <a:extLst>
-              <a:ext uri="{28A0092B-C50C-407E-A947-70E740481C1C}">
-                <a14:useLocalDpi xmlns:a14="http://schemas.microsoft.com/office/drawing/2010/main" val="0"/>
-              </a:ext>
-            </a:extLst>
-          </a:blip>
-          <a:stretch>
-            <a:fillRect/>
-          </a:stretch>
-        </p:blipFill>
-        <p:spPr>
-          <a:xfrm>
-            <a:off x="2555775" y="548680"/>
-            <a:ext cx="4754759" cy="5832648"/>
-          </a:xfrm>
-        </p:spPr>
-      </p:pic>
+        </p:nvSpPr>
+        <p:spPr/>
+        <p:txBody>
+          <a:bodyPr>
+            <a:normAutofit/>
+          </a:bodyPr>
+          <a:lstStyle/>
+          <a:p>
+            <a:pPr marL="0" indent="0">
+              <a:buNone/>
+            </a:pPr>
+            <a:r>
+              <a:rPr lang="zh-CN" altLang="en-US" sz="1800" b="1" dirty="0" smtClean="0">
+                <a:latin typeface="微软雅黑" panose="020B0503020204020204" pitchFamily="34" charset="-122"/>
+                <a:ea typeface="微软雅黑" panose="020B0503020204020204" pitchFamily="34" charset="-122"/>
+              </a:rPr>
+              <a:t>限制和缺陷</a:t>
+            </a:r>
+            <a:r>
+              <a:rPr lang="en-US" altLang="zh-CN" sz="1800" b="1" dirty="0" smtClean="0">
+                <a:latin typeface="微软雅黑" panose="020B0503020204020204" pitchFamily="34" charset="-122"/>
+                <a:ea typeface="微软雅黑" panose="020B0503020204020204" pitchFamily="34" charset="-122"/>
+              </a:rPr>
+              <a:t>:</a:t>
+            </a:r>
+            <a:r>
+              <a:rPr lang="zh-CN" altLang="en-US" sz="1800" dirty="0" smtClean="0">
+                <a:latin typeface="微软雅黑" panose="020B0503020204020204" pitchFamily="34" charset="-122"/>
+                <a:ea typeface="微软雅黑" panose="020B0503020204020204" pitchFamily="34" charset="-122"/>
+              </a:rPr>
+              <a:t> </a:t>
+            </a:r>
+            <a:endParaRPr lang="en-US" altLang="zh-CN" sz="1800" dirty="0" smtClean="0">
+              <a:latin typeface="微软雅黑" panose="020B0503020204020204" pitchFamily="34" charset="-122"/>
+              <a:ea typeface="微软雅黑" panose="020B0503020204020204" pitchFamily="34" charset="-122"/>
+            </a:endParaRPr>
+          </a:p>
+          <a:p>
+            <a:pPr>
+              <a:buFont typeface="+mj-lt"/>
+              <a:buAutoNum type="arabicPeriod"/>
+            </a:pPr>
+            <a:r>
+              <a:rPr lang="zh-CN" altLang="en-US" sz="1800" dirty="0" smtClean="0">
+                <a:latin typeface="微软雅黑" panose="020B0503020204020204" pitchFamily="34" charset="-122"/>
+                <a:ea typeface="微软雅黑" panose="020B0503020204020204" pitchFamily="34" charset="-122"/>
+              </a:rPr>
+              <a:t>目前不支持</a:t>
+            </a:r>
+            <a:r>
+              <a:rPr lang="en-US" altLang="zh-CN" sz="1800" dirty="0" smtClean="0">
+                <a:latin typeface="微软雅黑" panose="020B0503020204020204" pitchFamily="34" charset="-122"/>
+                <a:ea typeface="微软雅黑" panose="020B0503020204020204" pitchFamily="34" charset="-122"/>
+              </a:rPr>
+              <a:t>service</a:t>
+            </a:r>
+            <a:r>
+              <a:rPr lang="zh-CN" altLang="en-US" sz="1800" dirty="0" smtClean="0">
+                <a:latin typeface="微软雅黑" panose="020B0503020204020204" pitchFamily="34" charset="-122"/>
+                <a:ea typeface="微软雅黑" panose="020B0503020204020204" pitchFamily="34" charset="-122"/>
+              </a:rPr>
+              <a:t>，但同样可以通过代理的方式实现</a:t>
+            </a:r>
+            <a:endParaRPr lang="en-US" altLang="zh-CN" sz="1800" dirty="0" smtClean="0">
+              <a:latin typeface="微软雅黑" panose="020B0503020204020204" pitchFamily="34" charset="-122"/>
+              <a:ea typeface="微软雅黑" panose="020B0503020204020204" pitchFamily="34" charset="-122"/>
+            </a:endParaRPr>
+          </a:p>
+          <a:p>
+            <a:pPr>
+              <a:buFont typeface="+mj-lt"/>
+              <a:buAutoNum type="arabicPeriod"/>
+            </a:pPr>
+            <a:r>
+              <a:rPr lang="zh-CN" altLang="en-US" sz="1800" dirty="0" smtClean="0">
+                <a:latin typeface="微软雅黑" panose="020B0503020204020204" pitchFamily="34" charset="-122"/>
+                <a:ea typeface="微软雅黑" panose="020B0503020204020204" pitchFamily="34" charset="-122"/>
+              </a:rPr>
+              <a:t>支持</a:t>
+            </a:r>
+            <a:r>
+              <a:rPr lang="en-US" altLang="zh-CN" sz="1800" dirty="0" smtClean="0">
+                <a:latin typeface="微软雅黑" panose="020B0503020204020204" pitchFamily="34" charset="-122"/>
+                <a:ea typeface="微软雅黑" panose="020B0503020204020204" pitchFamily="34" charset="-122"/>
+              </a:rPr>
+              <a:t>Activity</a:t>
+            </a:r>
+            <a:r>
+              <a:rPr lang="zh-CN" altLang="en-US" sz="1800" dirty="0" smtClean="0">
+                <a:latin typeface="微软雅黑" panose="020B0503020204020204" pitchFamily="34" charset="-122"/>
+                <a:ea typeface="微软雅黑" panose="020B0503020204020204" pitchFamily="34" charset="-122"/>
+              </a:rPr>
+              <a:t>和</a:t>
+            </a:r>
+            <a:r>
+              <a:rPr lang="en-US" altLang="zh-CN" sz="1800" dirty="0" err="1" smtClean="0">
+                <a:latin typeface="微软雅黑" panose="020B0503020204020204" pitchFamily="34" charset="-122"/>
+                <a:ea typeface="微软雅黑" panose="020B0503020204020204" pitchFamily="34" charset="-122"/>
+              </a:rPr>
+              <a:t>FragmentActivity</a:t>
+            </a:r>
+            <a:r>
+              <a:rPr lang="zh-CN" altLang="en-US" sz="1800" dirty="0" smtClean="0">
+                <a:latin typeface="微软雅黑" panose="020B0503020204020204" pitchFamily="34" charset="-122"/>
+                <a:ea typeface="微软雅黑" panose="020B0503020204020204" pitchFamily="34" charset="-122"/>
+              </a:rPr>
+              <a:t>，其他的</a:t>
+            </a:r>
+            <a:r>
+              <a:rPr lang="en-US" altLang="zh-CN" sz="1800" dirty="0" smtClean="0">
+                <a:latin typeface="微软雅黑" panose="020B0503020204020204" pitchFamily="34" charset="-122"/>
+                <a:ea typeface="微软雅黑" panose="020B0503020204020204" pitchFamily="34" charset="-122"/>
+              </a:rPr>
+              <a:t>Activity</a:t>
+            </a:r>
+            <a:r>
+              <a:rPr lang="zh-CN" altLang="en-US" sz="1800" dirty="0" smtClean="0">
+                <a:latin typeface="微软雅黑" panose="020B0503020204020204" pitchFamily="34" charset="-122"/>
+                <a:ea typeface="微软雅黑" panose="020B0503020204020204" pitchFamily="34" charset="-122"/>
+              </a:rPr>
+              <a:t>可以通过上述的方式实现。</a:t>
+            </a:r>
+            <a:endParaRPr lang="en-US" altLang="zh-CN" sz="1800" dirty="0" smtClean="0">
+              <a:latin typeface="微软雅黑" panose="020B0503020204020204" pitchFamily="34" charset="-122"/>
+              <a:ea typeface="微软雅黑" panose="020B0503020204020204" pitchFamily="34" charset="-122"/>
+            </a:endParaRPr>
+          </a:p>
+          <a:p>
+            <a:pPr>
+              <a:buFont typeface="+mj-lt"/>
+              <a:buAutoNum type="arabicPeriod"/>
+            </a:pPr>
+            <a:r>
+              <a:rPr lang="zh-CN" altLang="en-US" sz="1800" dirty="0" smtClean="0">
+                <a:latin typeface="微软雅黑" panose="020B0503020204020204" pitchFamily="34" charset="-122"/>
+                <a:ea typeface="微软雅黑" panose="020B0503020204020204" pitchFamily="34" charset="-122"/>
+              </a:rPr>
+              <a:t>只支持动态注册广播。</a:t>
+            </a:r>
+            <a:endParaRPr lang="en-US" altLang="zh-CN" sz="1800" dirty="0" smtClean="0">
+              <a:latin typeface="微软雅黑" panose="020B0503020204020204" pitchFamily="34" charset="-122"/>
+              <a:ea typeface="微软雅黑" panose="020B0503020204020204" pitchFamily="34" charset="-122"/>
+            </a:endParaRPr>
+          </a:p>
+          <a:p>
+            <a:pPr>
+              <a:buFont typeface="+mj-lt"/>
+              <a:buAutoNum type="arabicPeriod"/>
+            </a:pPr>
+            <a:r>
+              <a:rPr lang="zh-CN" altLang="en-US" sz="1800" dirty="0">
+                <a:latin typeface="微软雅黑" panose="020B0503020204020204" pitchFamily="34" charset="-122"/>
+                <a:ea typeface="微软雅黑" panose="020B0503020204020204" pitchFamily="34" charset="-122"/>
+              </a:rPr>
+              <a:t>不</a:t>
+            </a:r>
+            <a:r>
+              <a:rPr lang="zh-CN" altLang="en-US" sz="1800" dirty="0" smtClean="0">
+                <a:latin typeface="微软雅黑" panose="020B0503020204020204" pitchFamily="34" charset="-122"/>
+                <a:ea typeface="微软雅黑" panose="020B0503020204020204" pitchFamily="34" charset="-122"/>
+              </a:rPr>
+              <a:t>支持插件中的</a:t>
+            </a:r>
+            <a:r>
+              <a:rPr lang="en-US" altLang="zh-CN" sz="1800" dirty="0" smtClean="0">
+                <a:latin typeface="微软雅黑" panose="020B0503020204020204" pitchFamily="34" charset="-122"/>
+                <a:ea typeface="微软雅黑" panose="020B0503020204020204" pitchFamily="34" charset="-122"/>
+              </a:rPr>
+              <a:t>assets</a:t>
+            </a:r>
+          </a:p>
+          <a:p>
+            <a:pPr>
+              <a:buFont typeface="+mj-lt"/>
+              <a:buAutoNum type="arabicPeriod"/>
+            </a:pPr>
+            <a:r>
+              <a:rPr lang="zh-CN" altLang="en-US" sz="1800" dirty="0" smtClean="0">
+                <a:latin typeface="微软雅黑" panose="020B0503020204020204" pitchFamily="34" charset="-122"/>
+                <a:ea typeface="微软雅黑" panose="020B0503020204020204" pitchFamily="34" charset="-122"/>
+              </a:rPr>
+              <a:t>调用</a:t>
+            </a:r>
+            <a:r>
+              <a:rPr lang="en-US" altLang="zh-CN" sz="1800" dirty="0" smtClean="0">
+                <a:latin typeface="微软雅黑" panose="020B0503020204020204" pitchFamily="34" charset="-122"/>
+                <a:ea typeface="微软雅黑" panose="020B0503020204020204" pitchFamily="34" charset="-122"/>
+              </a:rPr>
+              <a:t>Context</a:t>
+            </a:r>
+            <a:r>
+              <a:rPr lang="zh-CN" altLang="en-US" sz="1800" dirty="0" smtClean="0">
+                <a:latin typeface="微软雅黑" panose="020B0503020204020204" pitchFamily="34" charset="-122"/>
+                <a:ea typeface="微软雅黑" panose="020B0503020204020204" pitchFamily="34" charset="-122"/>
+              </a:rPr>
+              <a:t>的时候，请适当使用</a:t>
+            </a:r>
+            <a:r>
+              <a:rPr lang="en-US" altLang="zh-CN" sz="1800" dirty="0" smtClean="0">
+                <a:latin typeface="微软雅黑" panose="020B0503020204020204" pitchFamily="34" charset="-122"/>
+                <a:ea typeface="微软雅黑" panose="020B0503020204020204" pitchFamily="34" charset="-122"/>
+              </a:rPr>
+              <a:t>that</a:t>
+            </a:r>
+          </a:p>
+          <a:p>
+            <a:pPr>
+              <a:buFont typeface="+mj-lt"/>
+              <a:buAutoNum type="arabicPeriod"/>
+            </a:pPr>
+            <a:r>
+              <a:rPr lang="zh-CN" altLang="en-US" sz="1800" dirty="0" smtClean="0">
+                <a:latin typeface="微软雅黑" panose="020B0503020204020204" pitchFamily="34" charset="-122"/>
+                <a:ea typeface="微软雅黑" panose="020B0503020204020204" pitchFamily="34" charset="-122"/>
+              </a:rPr>
+              <a:t>慎重使用</a:t>
+            </a:r>
+            <a:r>
+              <a:rPr lang="en-US" altLang="zh-CN" sz="1800" dirty="0" smtClean="0">
+                <a:latin typeface="微软雅黑" panose="020B0503020204020204" pitchFamily="34" charset="-122"/>
+                <a:ea typeface="微软雅黑" panose="020B0503020204020204" pitchFamily="34" charset="-122"/>
+              </a:rPr>
+              <a:t>this</a:t>
+            </a:r>
+          </a:p>
+          <a:p>
+            <a:pPr>
+              <a:buFont typeface="+mj-lt"/>
+              <a:buAutoNum type="arabicPeriod"/>
+            </a:pPr>
+            <a:r>
+              <a:rPr lang="zh-CN" altLang="en-US" sz="1800" dirty="0" smtClean="0">
+                <a:latin typeface="微软雅黑" panose="020B0503020204020204" pitchFamily="34" charset="-122"/>
+                <a:ea typeface="微软雅黑" panose="020B0503020204020204" pitchFamily="34" charset="-122"/>
+              </a:rPr>
+              <a:t>目前支持</a:t>
+            </a:r>
+            <a:r>
+              <a:rPr lang="en-US" altLang="zh-CN" sz="1800" dirty="0" smtClean="0">
+                <a:latin typeface="微软雅黑" panose="020B0503020204020204" pitchFamily="34" charset="-122"/>
+                <a:ea typeface="微软雅黑" panose="020B0503020204020204" pitchFamily="34" charset="-122"/>
+              </a:rPr>
+              <a:t>style</a:t>
+            </a:r>
+            <a:r>
+              <a:rPr lang="zh-CN" altLang="en-US" sz="1800" dirty="0" smtClean="0">
+                <a:latin typeface="微软雅黑" panose="020B0503020204020204" pitchFamily="34" charset="-122"/>
+                <a:ea typeface="微软雅黑" panose="020B0503020204020204" pitchFamily="34" charset="-122"/>
+              </a:rPr>
+              <a:t>和系统主题，暂不支持自定义主题</a:t>
+            </a:r>
+            <a:endParaRPr lang="zh-CN" altLang="en-US" sz="1800" dirty="0">
+              <a:latin typeface="微软雅黑" panose="020B0503020204020204" pitchFamily="34" charset="-122"/>
+              <a:ea typeface="微软雅黑" panose="020B0503020204020204" pitchFamily="34" charset="-122"/>
+            </a:endParaRPr>
+          </a:p>
+        </p:txBody>
+      </p:sp>
     </p:spTree>
     <p:extLst>
       <p:ext uri="{BB962C8B-B14F-4D97-AF65-F5344CB8AC3E}">
-        <p14:creationId xmlns:p14="http://schemas.microsoft.com/office/powerpoint/2010/main" val="93634068"/>
+        <p14:creationId xmlns:p14="http://schemas.microsoft.com/office/powerpoint/2010/main" val="2284094414"/>
       </p:ext>
     </p:extLst>
   </p:cSld>
